--- a/CVAE_figures/CVAE-figure3-RSA_june9.pptx
+++ b/CVAE_figures/CVAE-figure3-RSA_june9.pptx
@@ -6,10 +6,11 @@
   </p:sldMasterIdLst>
   <p:sldIdLst>
     <p:sldId id="263" r:id="rId2"/>
-    <p:sldId id="262" r:id="rId3"/>
-    <p:sldId id="264" r:id="rId4"/>
-    <p:sldId id="260" r:id="rId5"/>
-    <p:sldId id="261" r:id="rId6"/>
+    <p:sldId id="265" r:id="rId3"/>
+    <p:sldId id="262" r:id="rId4"/>
+    <p:sldId id="264" r:id="rId5"/>
+    <p:sldId id="260" r:id="rId6"/>
+    <p:sldId id="261" r:id="rId7"/>
   </p:sldIdLst>
   <p:sldSz cx="6858000" cy="9906000" type="A4"/>
   <p:notesSz cx="6858000" cy="9144000"/>
@@ -247,7 +248,7 @@
           <a:p>
             <a:fld id="{1295BAF2-C848-1143-BC20-DA9C03FAA842}" type="datetimeFigureOut">
               <a:rPr lang="en-US" smtClean="0"/>
-              <a:t>6/9/21</a:t>
+              <a:t>6/13/21</a:t>
             </a:fld>
             <a:endParaRPr lang="en-US"/>
           </a:p>
@@ -417,7 +418,7 @@
           <a:p>
             <a:fld id="{1295BAF2-C848-1143-BC20-DA9C03FAA842}" type="datetimeFigureOut">
               <a:rPr lang="en-US" smtClean="0"/>
-              <a:t>6/9/21</a:t>
+              <a:t>6/13/21</a:t>
             </a:fld>
             <a:endParaRPr lang="en-US"/>
           </a:p>
@@ -597,7 +598,7 @@
           <a:p>
             <a:fld id="{1295BAF2-C848-1143-BC20-DA9C03FAA842}" type="datetimeFigureOut">
               <a:rPr lang="en-US" smtClean="0"/>
-              <a:t>6/9/21</a:t>
+              <a:t>6/13/21</a:t>
             </a:fld>
             <a:endParaRPr lang="en-US"/>
           </a:p>
@@ -767,7 +768,7 @@
           <a:p>
             <a:fld id="{1295BAF2-C848-1143-BC20-DA9C03FAA842}" type="datetimeFigureOut">
               <a:rPr lang="en-US" smtClean="0"/>
-              <a:t>6/9/21</a:t>
+              <a:t>6/13/21</a:t>
             </a:fld>
             <a:endParaRPr lang="en-US"/>
           </a:p>
@@ -1011,7 +1012,7 @@
           <a:p>
             <a:fld id="{1295BAF2-C848-1143-BC20-DA9C03FAA842}" type="datetimeFigureOut">
               <a:rPr lang="en-US" smtClean="0"/>
-              <a:t>6/9/21</a:t>
+              <a:t>6/13/21</a:t>
             </a:fld>
             <a:endParaRPr lang="en-US"/>
           </a:p>
@@ -1243,7 +1244,7 @@
           <a:p>
             <a:fld id="{1295BAF2-C848-1143-BC20-DA9C03FAA842}" type="datetimeFigureOut">
               <a:rPr lang="en-US" smtClean="0"/>
-              <a:t>6/9/21</a:t>
+              <a:t>6/13/21</a:t>
             </a:fld>
             <a:endParaRPr lang="en-US"/>
           </a:p>
@@ -1610,7 +1611,7 @@
           <a:p>
             <a:fld id="{1295BAF2-C848-1143-BC20-DA9C03FAA842}" type="datetimeFigureOut">
               <a:rPr lang="en-US" smtClean="0"/>
-              <a:t>6/9/21</a:t>
+              <a:t>6/13/21</a:t>
             </a:fld>
             <a:endParaRPr lang="en-US"/>
           </a:p>
@@ -1728,7 +1729,7 @@
           <a:p>
             <a:fld id="{1295BAF2-C848-1143-BC20-DA9C03FAA842}" type="datetimeFigureOut">
               <a:rPr lang="en-US" smtClean="0"/>
-              <a:t>6/9/21</a:t>
+              <a:t>6/13/21</a:t>
             </a:fld>
             <a:endParaRPr lang="en-US"/>
           </a:p>
@@ -1823,7 +1824,7 @@
           <a:p>
             <a:fld id="{1295BAF2-C848-1143-BC20-DA9C03FAA842}" type="datetimeFigureOut">
               <a:rPr lang="en-US" smtClean="0"/>
-              <a:t>6/9/21</a:t>
+              <a:t>6/13/21</a:t>
             </a:fld>
             <a:endParaRPr lang="en-US"/>
           </a:p>
@@ -2100,7 +2101,7 @@
           <a:p>
             <a:fld id="{1295BAF2-C848-1143-BC20-DA9C03FAA842}" type="datetimeFigureOut">
               <a:rPr lang="en-US" smtClean="0"/>
-              <a:t>6/9/21</a:t>
+              <a:t>6/13/21</a:t>
             </a:fld>
             <a:endParaRPr lang="en-US"/>
           </a:p>
@@ -2357,7 +2358,7 @@
           <a:p>
             <a:fld id="{1295BAF2-C848-1143-BC20-DA9C03FAA842}" type="datetimeFigureOut">
               <a:rPr lang="en-US" smtClean="0"/>
-              <a:t>6/9/21</a:t>
+              <a:t>6/13/21</a:t>
             </a:fld>
             <a:endParaRPr lang="en-US"/>
           </a:p>
@@ -2570,7 +2571,7 @@
           <a:p>
             <a:fld id="{1295BAF2-C848-1143-BC20-DA9C03FAA842}" type="datetimeFigureOut">
               <a:rPr lang="en-US" smtClean="0"/>
-              <a:t>6/9/21</a:t>
+              <a:t>6/13/21</a:t>
             </a:fld>
             <a:endParaRPr lang="en-US"/>
           </a:p>
@@ -2990,6 +2991,6622 @@
         <p:grpSpPr>
           <a:xfrm>
             <a:off x="57668" y="5045745"/>
+            <a:ext cx="1420620" cy="2304380"/>
+            <a:chOff x="2445640" y="4893139"/>
+            <a:chExt cx="1420620" cy="2304380"/>
+          </a:xfrm>
+        </p:grpSpPr>
+        <p:grpSp>
+          <p:nvGrpSpPr>
+            <p:cNvPr id="45" name="Group 44">
+              <a:extLst>
+                <a:ext uri="{FF2B5EF4-FFF2-40B4-BE49-F238E27FC236}">
+                  <a16:creationId xmlns:a16="http://schemas.microsoft.com/office/drawing/2014/main" id="{47449565-6DB9-E44C-BAE0-8B3FD223B648}"/>
+                </a:ext>
+              </a:extLst>
+            </p:cNvPr>
+            <p:cNvGrpSpPr/>
+            <p:nvPr/>
+          </p:nvGrpSpPr>
+          <p:grpSpPr>
+            <a:xfrm>
+              <a:off x="2445640" y="4893139"/>
+              <a:ext cx="1420620" cy="2304380"/>
+              <a:chOff x="2445640" y="4893139"/>
+              <a:chExt cx="1420620" cy="2304380"/>
+            </a:xfrm>
+          </p:grpSpPr>
+          <p:grpSp>
+            <p:nvGrpSpPr>
+              <p:cNvPr id="53" name="Group 52">
+                <a:extLst>
+                  <a:ext uri="{FF2B5EF4-FFF2-40B4-BE49-F238E27FC236}">
+                    <a16:creationId xmlns:a16="http://schemas.microsoft.com/office/drawing/2014/main" id="{D9FE8BCA-E140-1640-9C69-DF7FB1BC0785}"/>
+                  </a:ext>
+                </a:extLst>
+              </p:cNvPr>
+              <p:cNvGrpSpPr/>
+              <p:nvPr/>
+            </p:nvGrpSpPr>
+            <p:grpSpPr>
+              <a:xfrm>
+                <a:off x="2453355" y="4970976"/>
+                <a:ext cx="1357815" cy="2226543"/>
+                <a:chOff x="2453355" y="4970976"/>
+                <a:chExt cx="1357815" cy="2226543"/>
+              </a:xfrm>
+            </p:grpSpPr>
+            <p:grpSp>
+              <p:nvGrpSpPr>
+                <p:cNvPr id="55" name="Group 54">
+                  <a:extLst>
+                    <a:ext uri="{FF2B5EF4-FFF2-40B4-BE49-F238E27FC236}">
+                      <a16:creationId xmlns:a16="http://schemas.microsoft.com/office/drawing/2014/main" id="{251B634A-15E4-6042-A90B-D7EFF57CB17E}"/>
+                    </a:ext>
+                  </a:extLst>
+                </p:cNvPr>
+                <p:cNvGrpSpPr/>
+                <p:nvPr/>
+              </p:nvGrpSpPr>
+              <p:grpSpPr>
+                <a:xfrm>
+                  <a:off x="2597046" y="4970976"/>
+                  <a:ext cx="1214124" cy="2226543"/>
+                  <a:chOff x="2597046" y="4970976"/>
+                  <a:chExt cx="1214124" cy="2226543"/>
+                </a:xfrm>
+              </p:grpSpPr>
+              <p:pic>
+                <p:nvPicPr>
+                  <p:cNvPr id="57" name="Picture 56">
+                    <a:extLst>
+                      <a:ext uri="{FF2B5EF4-FFF2-40B4-BE49-F238E27FC236}">
+                        <a16:creationId xmlns:a16="http://schemas.microsoft.com/office/drawing/2014/main" id="{76F903AA-232C-B348-85BE-D0F5FE8EE952}"/>
+                      </a:ext>
+                    </a:extLst>
+                  </p:cNvPr>
+                  <p:cNvPicPr>
+                    <a:picLocks noChangeAspect="1"/>
+                  </p:cNvPicPr>
+                  <p:nvPr/>
+                </p:nvPicPr>
+                <p:blipFill rotWithShape="1">
+                  <a:blip r:embed="rId2"/>
+                  <a:srcRect l="21802" r="-113" b="4751"/>
+                  <a:stretch/>
+                </p:blipFill>
+                <p:spPr>
+                  <a:xfrm>
+                    <a:off x="2597046" y="4970976"/>
+                    <a:ext cx="1098370" cy="2226543"/>
+                  </a:xfrm>
+                  <a:prstGeom prst="rect">
+                    <a:avLst/>
+                  </a:prstGeom>
+                </p:spPr>
+              </p:pic>
+              <p:sp>
+                <p:nvSpPr>
+                  <p:cNvPr id="58" name="Rectangle 57">
+                    <a:extLst>
+                      <a:ext uri="{FF2B5EF4-FFF2-40B4-BE49-F238E27FC236}">
+                        <a16:creationId xmlns:a16="http://schemas.microsoft.com/office/drawing/2014/main" id="{131CE871-3980-0D4D-B844-34EF4F57035E}"/>
+                      </a:ext>
+                    </a:extLst>
+                  </p:cNvPr>
+                  <p:cNvSpPr/>
+                  <p:nvPr/>
+                </p:nvSpPr>
+                <p:spPr>
+                  <a:xfrm>
+                    <a:off x="3631129" y="4995064"/>
+                    <a:ext cx="180041" cy="2177058"/>
+                  </a:xfrm>
+                  <a:prstGeom prst="rect">
+                    <a:avLst/>
+                  </a:prstGeom>
+                  <a:solidFill>
+                    <a:schemeClr val="bg1"/>
+                  </a:solidFill>
+                  <a:ln>
+                    <a:noFill/>
+                  </a:ln>
+                </p:spPr>
+                <p:style>
+                  <a:lnRef idx="2">
+                    <a:schemeClr val="accent1">
+                      <a:shade val="50000"/>
+                    </a:schemeClr>
+                  </a:lnRef>
+                  <a:fillRef idx="1">
+                    <a:schemeClr val="accent1"/>
+                  </a:fillRef>
+                  <a:effectRef idx="0">
+                    <a:schemeClr val="accent1"/>
+                  </a:effectRef>
+                  <a:fontRef idx="minor">
+                    <a:schemeClr val="lt1"/>
+                  </a:fontRef>
+                </p:style>
+                <p:txBody>
+                  <a:bodyPr rtlCol="0" anchor="ctr"/>
+                  <a:lstStyle/>
+                  <a:p>
+                    <a:pPr algn="ctr"/>
+                    <a:endParaRPr lang="en-US"/>
+                  </a:p>
+                </p:txBody>
+              </p:sp>
+            </p:grpSp>
+            <p:sp>
+              <p:nvSpPr>
+                <p:cNvPr id="56" name="Rectangle 55">
+                  <a:extLst>
+                    <a:ext uri="{FF2B5EF4-FFF2-40B4-BE49-F238E27FC236}">
+                      <a16:creationId xmlns:a16="http://schemas.microsoft.com/office/drawing/2014/main" id="{05C99F28-9FED-4440-99BF-1171F70302BD}"/>
+                    </a:ext>
+                  </a:extLst>
+                </p:cNvPr>
+                <p:cNvSpPr/>
+                <p:nvPr/>
+              </p:nvSpPr>
+              <p:spPr>
+                <a:xfrm>
+                  <a:off x="2453355" y="4995064"/>
+                  <a:ext cx="180041" cy="2177058"/>
+                </a:xfrm>
+                <a:prstGeom prst="rect">
+                  <a:avLst/>
+                </a:prstGeom>
+                <a:solidFill>
+                  <a:schemeClr val="bg1"/>
+                </a:solidFill>
+                <a:ln>
+                  <a:noFill/>
+                </a:ln>
+              </p:spPr>
+              <p:style>
+                <a:lnRef idx="2">
+                  <a:schemeClr val="accent1">
+                    <a:shade val="50000"/>
+                  </a:schemeClr>
+                </a:lnRef>
+                <a:fillRef idx="1">
+                  <a:schemeClr val="accent1"/>
+                </a:fillRef>
+                <a:effectRef idx="0">
+                  <a:schemeClr val="accent1"/>
+                </a:effectRef>
+                <a:fontRef idx="minor">
+                  <a:schemeClr val="lt1"/>
+                </a:fontRef>
+              </p:style>
+              <p:txBody>
+                <a:bodyPr rtlCol="0" anchor="ctr"/>
+                <a:lstStyle/>
+                <a:p>
+                  <a:pPr algn="ctr"/>
+                  <a:endParaRPr lang="en-US"/>
+                </a:p>
+              </p:txBody>
+            </p:sp>
+          </p:grpSp>
+          <p:sp>
+            <p:nvSpPr>
+              <p:cNvPr id="54" name="Rectangle 53">
+                <a:extLst>
+                  <a:ext uri="{FF2B5EF4-FFF2-40B4-BE49-F238E27FC236}">
+                    <a16:creationId xmlns:a16="http://schemas.microsoft.com/office/drawing/2014/main" id="{82F989A8-35B2-8745-8C65-12D7EABFEC2A}"/>
+                  </a:ext>
+                </a:extLst>
+              </p:cNvPr>
+              <p:cNvSpPr/>
+              <p:nvPr/>
+            </p:nvSpPr>
+            <p:spPr>
+              <a:xfrm>
+                <a:off x="2445640" y="4893139"/>
+                <a:ext cx="1420620" cy="175699"/>
+              </a:xfrm>
+              <a:prstGeom prst="rect">
+                <a:avLst/>
+              </a:prstGeom>
+              <a:solidFill>
+                <a:schemeClr val="bg1"/>
+              </a:solidFill>
+              <a:ln>
+                <a:noFill/>
+              </a:ln>
+            </p:spPr>
+            <p:style>
+              <a:lnRef idx="2">
+                <a:schemeClr val="accent1">
+                  <a:shade val="50000"/>
+                </a:schemeClr>
+              </a:lnRef>
+              <a:fillRef idx="1">
+                <a:schemeClr val="accent1"/>
+              </a:fillRef>
+              <a:effectRef idx="0">
+                <a:schemeClr val="accent1"/>
+              </a:effectRef>
+              <a:fontRef idx="minor">
+                <a:schemeClr val="lt1"/>
+              </a:fontRef>
+            </p:style>
+            <p:txBody>
+              <a:bodyPr rtlCol="0" anchor="ctr"/>
+              <a:lstStyle/>
+              <a:p>
+                <a:pPr algn="ctr"/>
+                <a:endParaRPr lang="en-US"/>
+              </a:p>
+            </p:txBody>
+          </p:sp>
+        </p:grpSp>
+        <p:sp>
+          <p:nvSpPr>
+            <p:cNvPr id="46" name="TextBox 45">
+              <a:extLst>
+                <a:ext uri="{FF2B5EF4-FFF2-40B4-BE49-F238E27FC236}">
+                  <a16:creationId xmlns:a16="http://schemas.microsoft.com/office/drawing/2014/main" id="{51976EB6-4DE6-C345-8F51-1EEFD016D7C8}"/>
+                </a:ext>
+              </a:extLst>
+            </p:cNvPr>
+            <p:cNvSpPr txBox="1"/>
+            <p:nvPr/>
+          </p:nvSpPr>
+          <p:spPr>
+            <a:xfrm>
+              <a:off x="2792066" y="5147139"/>
+              <a:ext cx="500458" cy="184666"/>
+            </a:xfrm>
+            <a:prstGeom prst="rect">
+              <a:avLst/>
+            </a:prstGeom>
+            <a:noFill/>
+          </p:spPr>
+          <p:txBody>
+            <a:bodyPr wrap="none" rtlCol="0">
+              <a:spAutoFit/>
+            </a:bodyPr>
+            <a:lstStyle/>
+            <a:p>
+              <a:r>
+                <a:rPr lang="en-US" sz="600" b="1" dirty="0"/>
+                <a:t>Genotype</a:t>
+              </a:r>
+            </a:p>
+          </p:txBody>
+        </p:sp>
+        <p:sp>
+          <p:nvSpPr>
+            <p:cNvPr id="47" name="TextBox 46">
+              <a:extLst>
+                <a:ext uri="{FF2B5EF4-FFF2-40B4-BE49-F238E27FC236}">
+                  <a16:creationId xmlns:a16="http://schemas.microsoft.com/office/drawing/2014/main" id="{ED81587B-3E16-C246-8E2D-0AFA6D26561D}"/>
+                </a:ext>
+              </a:extLst>
+            </p:cNvPr>
+            <p:cNvSpPr txBox="1"/>
+            <p:nvPr/>
+          </p:nvSpPr>
+          <p:spPr>
+            <a:xfrm>
+              <a:off x="2687503" y="5496616"/>
+              <a:ext cx="612668" cy="184666"/>
+            </a:xfrm>
+            <a:prstGeom prst="rect">
+              <a:avLst/>
+            </a:prstGeom>
+            <a:noFill/>
+          </p:spPr>
+          <p:txBody>
+            <a:bodyPr wrap="none" rtlCol="0">
+              <a:spAutoFit/>
+            </a:bodyPr>
+            <a:lstStyle/>
+            <a:p>
+              <a:r>
+                <a:rPr lang="en-US" sz="600" b="1" dirty="0"/>
+                <a:t>DSM (IV) Cat.</a:t>
+              </a:r>
+            </a:p>
+          </p:txBody>
+        </p:sp>
+        <p:sp>
+          <p:nvSpPr>
+            <p:cNvPr id="48" name="TextBox 47">
+              <a:extLst>
+                <a:ext uri="{FF2B5EF4-FFF2-40B4-BE49-F238E27FC236}">
+                  <a16:creationId xmlns:a16="http://schemas.microsoft.com/office/drawing/2014/main" id="{363A8BDD-9B8C-7E4F-9E63-D9E99DF32CED}"/>
+                </a:ext>
+              </a:extLst>
+            </p:cNvPr>
+            <p:cNvSpPr txBox="1"/>
+            <p:nvPr/>
+          </p:nvSpPr>
+          <p:spPr>
+            <a:xfrm>
+              <a:off x="3262828" y="5816668"/>
+              <a:ext cx="452368" cy="184666"/>
+            </a:xfrm>
+            <a:prstGeom prst="rect">
+              <a:avLst/>
+            </a:prstGeom>
+            <a:noFill/>
+          </p:spPr>
+          <p:txBody>
+            <a:bodyPr wrap="none" rtlCol="0">
+              <a:spAutoFit/>
+            </a:bodyPr>
+            <a:lstStyle/>
+            <a:p>
+              <a:r>
+                <a:rPr lang="en-US" sz="600" b="1" dirty="0"/>
+                <a:t>FIQ (</a:t>
+              </a:r>
+              <a:r>
+                <a:rPr lang="en-US" sz="600" b="1" dirty="0" err="1"/>
+                <a:t>n.s</a:t>
+              </a:r>
+              <a:r>
+                <a:rPr lang="en-US" sz="600" b="1" dirty="0"/>
+                <a:t>)</a:t>
+              </a:r>
+            </a:p>
+          </p:txBody>
+        </p:sp>
+        <p:sp>
+          <p:nvSpPr>
+            <p:cNvPr id="49" name="TextBox 48">
+              <a:extLst>
+                <a:ext uri="{FF2B5EF4-FFF2-40B4-BE49-F238E27FC236}">
+                  <a16:creationId xmlns:a16="http://schemas.microsoft.com/office/drawing/2014/main" id="{6984C7C0-8D95-A846-A27B-CC04C140C9D0}"/>
+                </a:ext>
+              </a:extLst>
+            </p:cNvPr>
+            <p:cNvSpPr txBox="1"/>
+            <p:nvPr/>
+          </p:nvSpPr>
+          <p:spPr>
+            <a:xfrm>
+              <a:off x="3252148" y="6178544"/>
+              <a:ext cx="421910" cy="184666"/>
+            </a:xfrm>
+            <a:prstGeom prst="rect">
+              <a:avLst/>
+            </a:prstGeom>
+            <a:noFill/>
+          </p:spPr>
+          <p:txBody>
+            <a:bodyPr wrap="none" rtlCol="0">
+              <a:spAutoFit/>
+            </a:bodyPr>
+            <a:lstStyle/>
+            <a:p>
+              <a:r>
+                <a:rPr lang="en-US" sz="600" b="1" dirty="0"/>
+                <a:t>Gender</a:t>
+              </a:r>
+            </a:p>
+          </p:txBody>
+        </p:sp>
+        <p:sp>
+          <p:nvSpPr>
+            <p:cNvPr id="50" name="TextBox 49">
+              <a:extLst>
+                <a:ext uri="{FF2B5EF4-FFF2-40B4-BE49-F238E27FC236}">
+                  <a16:creationId xmlns:a16="http://schemas.microsoft.com/office/drawing/2014/main" id="{B0863573-A02D-BD4E-94C6-099F648A03A2}"/>
+                </a:ext>
+              </a:extLst>
+            </p:cNvPr>
+            <p:cNvSpPr txBox="1"/>
+            <p:nvPr/>
+          </p:nvSpPr>
+          <p:spPr>
+            <a:xfrm>
+              <a:off x="3256564" y="6516204"/>
+              <a:ext cx="306494" cy="184666"/>
+            </a:xfrm>
+            <a:prstGeom prst="rect">
+              <a:avLst/>
+            </a:prstGeom>
+            <a:noFill/>
+          </p:spPr>
+          <p:txBody>
+            <a:bodyPr wrap="none" rtlCol="0">
+              <a:spAutoFit/>
+            </a:bodyPr>
+            <a:lstStyle/>
+            <a:p>
+              <a:r>
+                <a:rPr lang="en-US" sz="600" b="1" dirty="0"/>
+                <a:t>Age</a:t>
+              </a:r>
+            </a:p>
+          </p:txBody>
+        </p:sp>
+        <p:sp>
+          <p:nvSpPr>
+            <p:cNvPr id="51" name="TextBox 50">
+              <a:extLst>
+                <a:ext uri="{FF2B5EF4-FFF2-40B4-BE49-F238E27FC236}">
+                  <a16:creationId xmlns:a16="http://schemas.microsoft.com/office/drawing/2014/main" id="{8C814165-A3EB-C943-A53D-572B38E31A65}"/>
+                </a:ext>
+              </a:extLst>
+            </p:cNvPr>
+            <p:cNvSpPr txBox="1"/>
+            <p:nvPr/>
+          </p:nvSpPr>
+          <p:spPr>
+            <a:xfrm>
+              <a:off x="3237754" y="6860914"/>
+              <a:ext cx="614271" cy="184666"/>
+            </a:xfrm>
+            <a:prstGeom prst="rect">
+              <a:avLst/>
+            </a:prstGeom>
+            <a:noFill/>
+          </p:spPr>
+          <p:txBody>
+            <a:bodyPr wrap="none" rtlCol="0">
+              <a:spAutoFit/>
+            </a:bodyPr>
+            <a:lstStyle/>
+            <a:p>
+              <a:r>
+                <a:rPr lang="en-US" sz="600" b="1" dirty="0"/>
+                <a:t>Scanner Type</a:t>
+              </a:r>
+            </a:p>
+          </p:txBody>
+        </p:sp>
+      </p:grpSp>
+      <p:sp>
+        <p:nvSpPr>
+          <p:cNvPr id="9" name="Rectangle 8">
+            <a:extLst>
+              <a:ext uri="{FF2B5EF4-FFF2-40B4-BE49-F238E27FC236}">
+                <a16:creationId xmlns:a16="http://schemas.microsoft.com/office/drawing/2014/main" id="{CBAA56B9-EBA4-6E4D-BECE-9EB499EAA92B}"/>
+              </a:ext>
+            </a:extLst>
+          </p:cNvPr>
+          <p:cNvSpPr/>
+          <p:nvPr/>
+        </p:nvSpPr>
+        <p:spPr>
+          <a:xfrm>
+            <a:off x="171334" y="1969975"/>
+            <a:ext cx="6474640" cy="5590873"/>
+          </a:xfrm>
+          <a:prstGeom prst="rect">
+            <a:avLst/>
+          </a:prstGeom>
+          <a:noFill/>
+          <a:ln w="12700">
+            <a:solidFill>
+              <a:schemeClr val="accent1">
+                <a:shade val="50000"/>
+              </a:schemeClr>
+            </a:solidFill>
+          </a:ln>
+        </p:spPr>
+        <p:style>
+          <a:lnRef idx="2">
+            <a:schemeClr val="accent1">
+              <a:shade val="50000"/>
+            </a:schemeClr>
+          </a:lnRef>
+          <a:fillRef idx="1">
+            <a:schemeClr val="accent1"/>
+          </a:fillRef>
+          <a:effectRef idx="0">
+            <a:schemeClr val="accent1"/>
+          </a:effectRef>
+          <a:fontRef idx="minor">
+            <a:schemeClr val="lt1"/>
+          </a:fontRef>
+        </p:style>
+        <p:txBody>
+          <a:bodyPr rtlCol="0" anchor="ctr"/>
+          <a:lstStyle/>
+          <a:p>
+            <a:pPr algn="ctr"/>
+            <a:endParaRPr lang="en-US" dirty="0"/>
+          </a:p>
+        </p:txBody>
+      </p:sp>
+      <p:sp>
+        <p:nvSpPr>
+          <p:cNvPr id="28" name="Rectangle 27">
+            <a:extLst>
+              <a:ext uri="{FF2B5EF4-FFF2-40B4-BE49-F238E27FC236}">
+                <a16:creationId xmlns:a16="http://schemas.microsoft.com/office/drawing/2014/main" id="{D0577EE5-0465-9243-9F25-3E1D0CC22C3D}"/>
+              </a:ext>
+            </a:extLst>
+          </p:cNvPr>
+          <p:cNvSpPr/>
+          <p:nvPr/>
+        </p:nvSpPr>
+        <p:spPr>
+          <a:xfrm>
+            <a:off x="3285637" y="6228555"/>
+            <a:ext cx="206080" cy="60465"/>
+          </a:xfrm>
+          <a:prstGeom prst="rect">
+            <a:avLst/>
+          </a:prstGeom>
+          <a:ln>
+            <a:noFill/>
+          </a:ln>
+        </p:spPr>
+        <p:style>
+          <a:lnRef idx="2">
+            <a:schemeClr val="accent6"/>
+          </a:lnRef>
+          <a:fillRef idx="1">
+            <a:schemeClr val="lt1"/>
+          </a:fillRef>
+          <a:effectRef idx="0">
+            <a:schemeClr val="accent6"/>
+          </a:effectRef>
+          <a:fontRef idx="minor">
+            <a:schemeClr val="dk1"/>
+          </a:fontRef>
+        </p:style>
+        <p:txBody>
+          <a:bodyPr rtlCol="0" anchor="ctr"/>
+          <a:lstStyle/>
+          <a:p>
+            <a:pPr algn="ctr"/>
+            <a:endParaRPr lang="en-US" dirty="0"/>
+          </a:p>
+        </p:txBody>
+      </p:sp>
+      <p:sp>
+        <p:nvSpPr>
+          <p:cNvPr id="29" name="Rectangle 28">
+            <a:extLst>
+              <a:ext uri="{FF2B5EF4-FFF2-40B4-BE49-F238E27FC236}">
+                <a16:creationId xmlns:a16="http://schemas.microsoft.com/office/drawing/2014/main" id="{E1B0002E-BA6E-464D-80FF-FF14E840F236}"/>
+              </a:ext>
+            </a:extLst>
+          </p:cNvPr>
+          <p:cNvSpPr/>
+          <p:nvPr/>
+        </p:nvSpPr>
+        <p:spPr>
+          <a:xfrm>
+            <a:off x="3193246" y="5012489"/>
+            <a:ext cx="272308" cy="45944"/>
+          </a:xfrm>
+          <a:prstGeom prst="rect">
+            <a:avLst/>
+          </a:prstGeom>
+          <a:ln>
+            <a:noFill/>
+          </a:ln>
+        </p:spPr>
+        <p:style>
+          <a:lnRef idx="2">
+            <a:schemeClr val="accent6"/>
+          </a:lnRef>
+          <a:fillRef idx="1">
+            <a:schemeClr val="lt1"/>
+          </a:fillRef>
+          <a:effectRef idx="0">
+            <a:schemeClr val="accent6"/>
+          </a:effectRef>
+          <a:fontRef idx="minor">
+            <a:schemeClr val="dk1"/>
+          </a:fontRef>
+        </p:style>
+        <p:txBody>
+          <a:bodyPr rtlCol="0" anchor="ctr"/>
+          <a:lstStyle/>
+          <a:p>
+            <a:pPr algn="ctr"/>
+            <a:endParaRPr lang="en-US" dirty="0"/>
+          </a:p>
+        </p:txBody>
+      </p:sp>
+      <p:grpSp>
+        <p:nvGrpSpPr>
+          <p:cNvPr id="109" name="Group 108">
+            <a:extLst>
+              <a:ext uri="{FF2B5EF4-FFF2-40B4-BE49-F238E27FC236}">
+                <a16:creationId xmlns:a16="http://schemas.microsoft.com/office/drawing/2014/main" id="{C8EEFCC0-93A3-1B44-9CD1-9D7B7B6CCAE9}"/>
+              </a:ext>
+            </a:extLst>
+          </p:cNvPr>
+          <p:cNvGrpSpPr/>
+          <p:nvPr/>
+        </p:nvGrpSpPr>
+        <p:grpSpPr>
+          <a:xfrm>
+            <a:off x="171334" y="2476758"/>
+            <a:ext cx="1146498" cy="2380733"/>
+            <a:chOff x="2564172" y="2469535"/>
+            <a:chExt cx="1146498" cy="2380733"/>
+          </a:xfrm>
+        </p:grpSpPr>
+        <p:pic>
+          <p:nvPicPr>
+            <p:cNvPr id="30" name="Picture 29">
+              <a:extLst>
+                <a:ext uri="{FF2B5EF4-FFF2-40B4-BE49-F238E27FC236}">
+                  <a16:creationId xmlns:a16="http://schemas.microsoft.com/office/drawing/2014/main" id="{AB41B005-95E2-E144-AA46-808C50911608}"/>
+                </a:ext>
+              </a:extLst>
+            </p:cNvPr>
+            <p:cNvPicPr>
+              <a:picLocks noChangeAspect="1"/>
+            </p:cNvPicPr>
+            <p:nvPr/>
+          </p:nvPicPr>
+          <p:blipFill rotWithShape="1">
+            <a:blip r:embed="rId3"/>
+            <a:srcRect l="25699" t="2559" r="2800" b="4893"/>
+            <a:stretch/>
+          </p:blipFill>
+          <p:spPr>
+            <a:xfrm>
+              <a:off x="2623483" y="2469535"/>
+              <a:ext cx="1022754" cy="2206326"/>
+            </a:xfrm>
+            <a:prstGeom prst="rect">
+              <a:avLst/>
+            </a:prstGeom>
+          </p:spPr>
+        </p:pic>
+        <p:sp>
+          <p:nvSpPr>
+            <p:cNvPr id="31" name="TextBox 30">
+              <a:extLst>
+                <a:ext uri="{FF2B5EF4-FFF2-40B4-BE49-F238E27FC236}">
+                  <a16:creationId xmlns:a16="http://schemas.microsoft.com/office/drawing/2014/main" id="{63E76165-A309-1A4E-B777-C365D56614C4}"/>
+                </a:ext>
+              </a:extLst>
+            </p:cNvPr>
+            <p:cNvSpPr txBox="1"/>
+            <p:nvPr/>
+          </p:nvSpPr>
+          <p:spPr>
+            <a:xfrm>
+              <a:off x="2686000" y="2515193"/>
+              <a:ext cx="542136" cy="184666"/>
+            </a:xfrm>
+            <a:prstGeom prst="rect">
+              <a:avLst/>
+            </a:prstGeom>
+            <a:noFill/>
+          </p:spPr>
+          <p:txBody>
+            <a:bodyPr wrap="none" rtlCol="0">
+              <a:spAutoFit/>
+            </a:bodyPr>
+            <a:lstStyle/>
+            <a:p>
+              <a:r>
+                <a:rPr lang="en-US" sz="600" b="1" dirty="0"/>
+                <a:t>WISC (PCA)</a:t>
+              </a:r>
+            </a:p>
+          </p:txBody>
+        </p:sp>
+        <p:sp>
+          <p:nvSpPr>
+            <p:cNvPr id="32" name="TextBox 31">
+              <a:extLst>
+                <a:ext uri="{FF2B5EF4-FFF2-40B4-BE49-F238E27FC236}">
+                  <a16:creationId xmlns:a16="http://schemas.microsoft.com/office/drawing/2014/main" id="{9B47E560-0866-6542-8AA8-9563C966EA58}"/>
+                </a:ext>
+              </a:extLst>
+            </p:cNvPr>
+            <p:cNvSpPr txBox="1"/>
+            <p:nvPr/>
+          </p:nvSpPr>
+          <p:spPr>
+            <a:xfrm>
+              <a:off x="2564172" y="2699138"/>
+              <a:ext cx="663964" cy="184666"/>
+            </a:xfrm>
+            <a:prstGeom prst="rect">
+              <a:avLst/>
+            </a:prstGeom>
+            <a:noFill/>
+          </p:spPr>
+          <p:txBody>
+            <a:bodyPr wrap="none" rtlCol="0">
+              <a:spAutoFit/>
+            </a:bodyPr>
+            <a:lstStyle/>
+            <a:p>
+              <a:r>
+                <a:rPr lang="en-US" sz="600" b="1" dirty="0"/>
+                <a:t>Vineland (PCA)</a:t>
+              </a:r>
+            </a:p>
+          </p:txBody>
+        </p:sp>
+        <p:sp>
+          <p:nvSpPr>
+            <p:cNvPr id="33" name="TextBox 32">
+              <a:extLst>
+                <a:ext uri="{FF2B5EF4-FFF2-40B4-BE49-F238E27FC236}">
+                  <a16:creationId xmlns:a16="http://schemas.microsoft.com/office/drawing/2014/main" id="{5B391D27-5933-EF40-9D25-85AC367B0257}"/>
+                </a:ext>
+              </a:extLst>
+            </p:cNvPr>
+            <p:cNvSpPr txBox="1"/>
+            <p:nvPr/>
+          </p:nvSpPr>
+          <p:spPr>
+            <a:xfrm>
+              <a:off x="2625086" y="2869853"/>
+              <a:ext cx="612668" cy="184666"/>
+            </a:xfrm>
+            <a:prstGeom prst="rect">
+              <a:avLst/>
+            </a:prstGeom>
+            <a:noFill/>
+          </p:spPr>
+          <p:txBody>
+            <a:bodyPr wrap="none" rtlCol="0">
+              <a:spAutoFit/>
+            </a:bodyPr>
+            <a:lstStyle/>
+            <a:p>
+              <a:r>
+                <a:rPr lang="en-US" sz="600" b="1" dirty="0"/>
+                <a:t>DSM (IV) Cat.</a:t>
+              </a:r>
+            </a:p>
+          </p:txBody>
+        </p:sp>
+        <p:sp>
+          <p:nvSpPr>
+            <p:cNvPr id="34" name="TextBox 33">
+              <a:extLst>
+                <a:ext uri="{FF2B5EF4-FFF2-40B4-BE49-F238E27FC236}">
+                  <a16:creationId xmlns:a16="http://schemas.microsoft.com/office/drawing/2014/main" id="{5FFC0B0E-C29F-4C4D-80AA-D3D0F229E653}"/>
+                </a:ext>
+              </a:extLst>
+            </p:cNvPr>
+            <p:cNvSpPr txBox="1"/>
+            <p:nvPr/>
+          </p:nvSpPr>
+          <p:spPr>
+            <a:xfrm>
+              <a:off x="2671573" y="3046632"/>
+              <a:ext cx="556563" cy="184666"/>
+            </a:xfrm>
+            <a:prstGeom prst="rect">
+              <a:avLst/>
+            </a:prstGeom>
+            <a:noFill/>
+          </p:spPr>
+          <p:txBody>
+            <a:bodyPr wrap="none" rtlCol="0">
+              <a:spAutoFit/>
+            </a:bodyPr>
+            <a:lstStyle/>
+            <a:p>
+              <a:r>
+                <a:rPr lang="en-US" sz="600" b="1" dirty="0"/>
+                <a:t>ADOS (PCA)</a:t>
+              </a:r>
+            </a:p>
+          </p:txBody>
+        </p:sp>
+        <p:sp>
+          <p:nvSpPr>
+            <p:cNvPr id="35" name="TextBox 34">
+              <a:extLst>
+                <a:ext uri="{FF2B5EF4-FFF2-40B4-BE49-F238E27FC236}">
+                  <a16:creationId xmlns:a16="http://schemas.microsoft.com/office/drawing/2014/main" id="{9273CD3E-2D14-714F-AD80-580F9950715C}"/>
+                </a:ext>
+              </a:extLst>
+            </p:cNvPr>
+            <p:cNvSpPr txBox="1"/>
+            <p:nvPr/>
+          </p:nvSpPr>
+          <p:spPr>
+            <a:xfrm>
+              <a:off x="2666764" y="3207153"/>
+              <a:ext cx="572593" cy="184666"/>
+            </a:xfrm>
+            <a:prstGeom prst="rect">
+              <a:avLst/>
+            </a:prstGeom>
+            <a:noFill/>
+          </p:spPr>
+          <p:txBody>
+            <a:bodyPr wrap="none" rtlCol="0">
+              <a:spAutoFit/>
+            </a:bodyPr>
+            <a:lstStyle/>
+            <a:p>
+              <a:r>
+                <a:rPr lang="en-US" sz="600" b="1" dirty="0"/>
+                <a:t>ADOS Social</a:t>
+              </a:r>
+            </a:p>
+          </p:txBody>
+        </p:sp>
+        <p:sp>
+          <p:nvSpPr>
+            <p:cNvPr id="36" name="TextBox 35">
+              <a:extLst>
+                <a:ext uri="{FF2B5EF4-FFF2-40B4-BE49-F238E27FC236}">
+                  <a16:creationId xmlns:a16="http://schemas.microsoft.com/office/drawing/2014/main" id="{D14BC742-DAE1-4F45-9E00-FDAC8D165B2D}"/>
+                </a:ext>
+              </a:extLst>
+            </p:cNvPr>
+            <p:cNvSpPr txBox="1"/>
+            <p:nvPr/>
+          </p:nvSpPr>
+          <p:spPr>
+            <a:xfrm>
+              <a:off x="2689206" y="3379588"/>
+              <a:ext cx="550151" cy="184666"/>
+            </a:xfrm>
+            <a:prstGeom prst="rect">
+              <a:avLst/>
+            </a:prstGeom>
+            <a:noFill/>
+          </p:spPr>
+          <p:txBody>
+            <a:bodyPr wrap="none" rtlCol="0">
+              <a:spAutoFit/>
+            </a:bodyPr>
+            <a:lstStyle/>
+            <a:p>
+              <a:r>
+                <a:rPr lang="en-US" sz="600" b="1" dirty="0"/>
+                <a:t>ADOS Total</a:t>
+              </a:r>
+            </a:p>
+          </p:txBody>
+        </p:sp>
+        <p:sp>
+          <p:nvSpPr>
+            <p:cNvPr id="37" name="TextBox 36">
+              <a:extLst>
+                <a:ext uri="{FF2B5EF4-FFF2-40B4-BE49-F238E27FC236}">
+                  <a16:creationId xmlns:a16="http://schemas.microsoft.com/office/drawing/2014/main" id="{E29EBB3B-495A-F646-8052-A0741D68564A}"/>
+                </a:ext>
+              </a:extLst>
+            </p:cNvPr>
+            <p:cNvSpPr txBox="1"/>
+            <p:nvPr/>
+          </p:nvSpPr>
+          <p:spPr>
+            <a:xfrm>
+              <a:off x="2937672" y="3540094"/>
+              <a:ext cx="293670" cy="184666"/>
+            </a:xfrm>
+            <a:prstGeom prst="rect">
+              <a:avLst/>
+            </a:prstGeom>
+            <a:noFill/>
+          </p:spPr>
+          <p:txBody>
+            <a:bodyPr wrap="none" rtlCol="0">
+              <a:spAutoFit/>
+            </a:bodyPr>
+            <a:lstStyle/>
+            <a:p>
+              <a:r>
+                <a:rPr lang="en-US" sz="600" b="1" dirty="0"/>
+                <a:t>FIQ</a:t>
+              </a:r>
+            </a:p>
+          </p:txBody>
+        </p:sp>
+        <p:sp>
+          <p:nvSpPr>
+            <p:cNvPr id="38" name="TextBox 37">
+              <a:extLst>
+                <a:ext uri="{FF2B5EF4-FFF2-40B4-BE49-F238E27FC236}">
+                  <a16:creationId xmlns:a16="http://schemas.microsoft.com/office/drawing/2014/main" id="{CDA83219-C7F7-C047-8F5C-F6EE672D3037}"/>
+                </a:ext>
+              </a:extLst>
+            </p:cNvPr>
+            <p:cNvSpPr txBox="1"/>
+            <p:nvPr/>
+          </p:nvSpPr>
+          <p:spPr>
+            <a:xfrm>
+              <a:off x="3086011" y="3716873"/>
+              <a:ext cx="494046" cy="184666"/>
+            </a:xfrm>
+            <a:prstGeom prst="rect">
+              <a:avLst/>
+            </a:prstGeom>
+            <a:noFill/>
+          </p:spPr>
+          <p:txBody>
+            <a:bodyPr wrap="none" rtlCol="0">
+              <a:spAutoFit/>
+            </a:bodyPr>
+            <a:lstStyle/>
+            <a:p>
+              <a:r>
+                <a:rPr lang="en-US" sz="600" b="1" dirty="0"/>
+                <a:t>ADI (PCA)</a:t>
+              </a:r>
+            </a:p>
+          </p:txBody>
+        </p:sp>
+        <p:sp>
+          <p:nvSpPr>
+            <p:cNvPr id="39" name="TextBox 38">
+              <a:extLst>
+                <a:ext uri="{FF2B5EF4-FFF2-40B4-BE49-F238E27FC236}">
+                  <a16:creationId xmlns:a16="http://schemas.microsoft.com/office/drawing/2014/main" id="{9C0C58E7-214A-EB49-80F3-CA354C016BC8}"/>
+                </a:ext>
+              </a:extLst>
+            </p:cNvPr>
+            <p:cNvSpPr txBox="1"/>
+            <p:nvPr/>
+          </p:nvSpPr>
+          <p:spPr>
+            <a:xfrm>
+              <a:off x="3086011" y="3894247"/>
+              <a:ext cx="421910" cy="184666"/>
+            </a:xfrm>
+            <a:prstGeom prst="rect">
+              <a:avLst/>
+            </a:prstGeom>
+            <a:noFill/>
+          </p:spPr>
+          <p:txBody>
+            <a:bodyPr wrap="none" rtlCol="0">
+              <a:spAutoFit/>
+            </a:bodyPr>
+            <a:lstStyle/>
+            <a:p>
+              <a:r>
+                <a:rPr lang="en-US" sz="600" b="1" dirty="0"/>
+                <a:t>Gender</a:t>
+              </a:r>
+            </a:p>
+          </p:txBody>
+        </p:sp>
+        <p:sp>
+          <p:nvSpPr>
+            <p:cNvPr id="40" name="TextBox 39">
+              <a:extLst>
+                <a:ext uri="{FF2B5EF4-FFF2-40B4-BE49-F238E27FC236}">
+                  <a16:creationId xmlns:a16="http://schemas.microsoft.com/office/drawing/2014/main" id="{8477E75A-B530-D945-86E6-A404A99B6584}"/>
+                </a:ext>
+              </a:extLst>
+            </p:cNvPr>
+            <p:cNvSpPr txBox="1"/>
+            <p:nvPr/>
+          </p:nvSpPr>
+          <p:spPr>
+            <a:xfrm>
+              <a:off x="3086011" y="4226429"/>
+              <a:ext cx="614271" cy="184666"/>
+            </a:xfrm>
+            <a:prstGeom prst="rect">
+              <a:avLst/>
+            </a:prstGeom>
+            <a:noFill/>
+          </p:spPr>
+          <p:txBody>
+            <a:bodyPr wrap="none" rtlCol="0">
+              <a:spAutoFit/>
+            </a:bodyPr>
+            <a:lstStyle/>
+            <a:p>
+              <a:r>
+                <a:rPr lang="en-US" sz="600" b="1" dirty="0"/>
+                <a:t>Scanner Type</a:t>
+              </a:r>
+            </a:p>
+          </p:txBody>
+        </p:sp>
+        <p:sp>
+          <p:nvSpPr>
+            <p:cNvPr id="41" name="TextBox 40">
+              <a:extLst>
+                <a:ext uri="{FF2B5EF4-FFF2-40B4-BE49-F238E27FC236}">
+                  <a16:creationId xmlns:a16="http://schemas.microsoft.com/office/drawing/2014/main" id="{61103EA6-5FD3-8F42-829F-DB04EDE749F0}"/>
+                </a:ext>
+              </a:extLst>
+            </p:cNvPr>
+            <p:cNvSpPr txBox="1"/>
+            <p:nvPr/>
+          </p:nvSpPr>
+          <p:spPr>
+            <a:xfrm>
+              <a:off x="3086011" y="4060338"/>
+              <a:ext cx="304892" cy="184666"/>
+            </a:xfrm>
+            <a:prstGeom prst="rect">
+              <a:avLst/>
+            </a:prstGeom>
+            <a:noFill/>
+          </p:spPr>
+          <p:txBody>
+            <a:bodyPr wrap="none" rtlCol="0">
+              <a:spAutoFit/>
+            </a:bodyPr>
+            <a:lstStyle/>
+            <a:p>
+              <a:r>
+                <a:rPr lang="en-US" sz="600" b="1" dirty="0"/>
+                <a:t>Age</a:t>
+              </a:r>
+            </a:p>
+          </p:txBody>
+        </p:sp>
+        <p:sp>
+          <p:nvSpPr>
+            <p:cNvPr id="42" name="TextBox 41">
+              <a:extLst>
+                <a:ext uri="{FF2B5EF4-FFF2-40B4-BE49-F238E27FC236}">
+                  <a16:creationId xmlns:a16="http://schemas.microsoft.com/office/drawing/2014/main" id="{CCEE36D0-32A1-1B48-BBA7-B04D81EEF31C}"/>
+                </a:ext>
+              </a:extLst>
+            </p:cNvPr>
+            <p:cNvSpPr txBox="1"/>
+            <p:nvPr/>
+          </p:nvSpPr>
+          <p:spPr>
+            <a:xfrm>
+              <a:off x="3086011" y="4373163"/>
+              <a:ext cx="612668" cy="184666"/>
+            </a:xfrm>
+            <a:prstGeom prst="rect">
+              <a:avLst/>
+            </a:prstGeom>
+            <a:noFill/>
+          </p:spPr>
+          <p:txBody>
+            <a:bodyPr wrap="none" rtlCol="0">
+              <a:spAutoFit/>
+            </a:bodyPr>
+            <a:lstStyle/>
+            <a:p>
+              <a:r>
+                <a:rPr lang="en-US" sz="600" b="1" dirty="0"/>
+                <a:t>Scanning Site</a:t>
+              </a:r>
+            </a:p>
+          </p:txBody>
+        </p:sp>
+        <p:sp>
+          <p:nvSpPr>
+            <p:cNvPr id="43" name="TextBox 42">
+              <a:extLst>
+                <a:ext uri="{FF2B5EF4-FFF2-40B4-BE49-F238E27FC236}">
+                  <a16:creationId xmlns:a16="http://schemas.microsoft.com/office/drawing/2014/main" id="{160BB95E-27B5-1842-BC41-C35B4E1B4062}"/>
+                </a:ext>
+              </a:extLst>
+            </p:cNvPr>
+            <p:cNvSpPr txBox="1"/>
+            <p:nvPr/>
+          </p:nvSpPr>
+          <p:spPr>
+            <a:xfrm>
+              <a:off x="2615498" y="4696380"/>
+              <a:ext cx="1095172" cy="153888"/>
+            </a:xfrm>
+            <a:prstGeom prst="rect">
+              <a:avLst/>
+            </a:prstGeom>
+            <a:noFill/>
+          </p:spPr>
+          <p:txBody>
+            <a:bodyPr wrap="none" rtlCol="0">
+              <a:spAutoFit/>
+            </a:bodyPr>
+            <a:lstStyle/>
+            <a:p>
+              <a:r>
+                <a:rPr lang="en-US" sz="400" b="1" dirty="0"/>
+                <a:t>Model fit difference (ASD-specific - Shared)</a:t>
+              </a:r>
+            </a:p>
+          </p:txBody>
+        </p:sp>
+      </p:grpSp>
+      <p:grpSp>
+        <p:nvGrpSpPr>
+          <p:cNvPr id="116" name="Group 115">
+            <a:extLst>
+              <a:ext uri="{FF2B5EF4-FFF2-40B4-BE49-F238E27FC236}">
+                <a16:creationId xmlns:a16="http://schemas.microsoft.com/office/drawing/2014/main" id="{0AA51F9C-0034-4444-B632-B940C3C74923}"/>
+              </a:ext>
+            </a:extLst>
+          </p:cNvPr>
+          <p:cNvGrpSpPr/>
+          <p:nvPr/>
+        </p:nvGrpSpPr>
+        <p:grpSpPr>
+          <a:xfrm>
+            <a:off x="1535156" y="6345577"/>
+            <a:ext cx="1044021" cy="1160534"/>
+            <a:chOff x="3906448" y="6290501"/>
+            <a:chExt cx="1044021" cy="1160534"/>
+          </a:xfrm>
+        </p:grpSpPr>
+        <p:pic>
+          <p:nvPicPr>
+            <p:cNvPr id="3" name="Picture 2">
+              <a:extLst>
+                <a:ext uri="{FF2B5EF4-FFF2-40B4-BE49-F238E27FC236}">
+                  <a16:creationId xmlns:a16="http://schemas.microsoft.com/office/drawing/2014/main" id="{F53F35FF-3A6D-EF48-A3FF-9136992F7C52}"/>
+                </a:ext>
+              </a:extLst>
+            </p:cNvPr>
+            <p:cNvPicPr>
+              <a:picLocks noChangeAspect="1"/>
+            </p:cNvPicPr>
+            <p:nvPr/>
+          </p:nvPicPr>
+          <p:blipFill rotWithShape="1">
+            <a:blip r:embed="rId4"/>
+            <a:srcRect l="29167" t="10681" b="1"/>
+            <a:stretch/>
+          </p:blipFill>
+          <p:spPr>
+            <a:xfrm>
+              <a:off x="4171013" y="6468160"/>
+              <a:ext cx="779456" cy="982875"/>
+            </a:xfrm>
+            <a:prstGeom prst="rect">
+              <a:avLst/>
+            </a:prstGeom>
+          </p:spPr>
+        </p:pic>
+        <p:sp>
+          <p:nvSpPr>
+            <p:cNvPr id="25" name="TextBox 24">
+              <a:extLst>
+                <a:ext uri="{FF2B5EF4-FFF2-40B4-BE49-F238E27FC236}">
+                  <a16:creationId xmlns:a16="http://schemas.microsoft.com/office/drawing/2014/main" id="{E16944A6-4A1F-3049-B763-9C92F04CF6E9}"/>
+                </a:ext>
+              </a:extLst>
+            </p:cNvPr>
+            <p:cNvSpPr txBox="1"/>
+            <p:nvPr/>
+          </p:nvSpPr>
+          <p:spPr>
+            <a:xfrm>
+              <a:off x="4369339" y="6290501"/>
+              <a:ext cx="346570" cy="215444"/>
+            </a:xfrm>
+            <a:prstGeom prst="rect">
+              <a:avLst/>
+            </a:prstGeom>
+            <a:noFill/>
+          </p:spPr>
+          <p:txBody>
+            <a:bodyPr wrap="none" rtlCol="0">
+              <a:spAutoFit/>
+            </a:bodyPr>
+            <a:lstStyle/>
+            <a:p>
+              <a:r>
+                <a:rPr lang="en-US" sz="800" b="1" dirty="0"/>
+                <a:t>Age</a:t>
+              </a:r>
+            </a:p>
+          </p:txBody>
+        </p:sp>
+        <p:grpSp>
+          <p:nvGrpSpPr>
+            <p:cNvPr id="96" name="Group 95">
+              <a:extLst>
+                <a:ext uri="{FF2B5EF4-FFF2-40B4-BE49-F238E27FC236}">
+                  <a16:creationId xmlns:a16="http://schemas.microsoft.com/office/drawing/2014/main" id="{1FA3A27F-ADC1-2E44-9E43-1BC3EA726A46}"/>
+                </a:ext>
+              </a:extLst>
+            </p:cNvPr>
+            <p:cNvGrpSpPr/>
+            <p:nvPr/>
+          </p:nvGrpSpPr>
+          <p:grpSpPr>
+            <a:xfrm>
+              <a:off x="3951396" y="6493787"/>
+              <a:ext cx="306495" cy="786106"/>
+              <a:chOff x="3951396" y="6493787"/>
+              <a:chExt cx="306495" cy="786106"/>
+            </a:xfrm>
+          </p:grpSpPr>
+          <p:sp>
+            <p:nvSpPr>
+              <p:cNvPr id="97" name="TextBox 96">
+                <a:extLst>
+                  <a:ext uri="{FF2B5EF4-FFF2-40B4-BE49-F238E27FC236}">
+                    <a16:creationId xmlns:a16="http://schemas.microsoft.com/office/drawing/2014/main" id="{B964EDC0-ADCD-C74E-BF57-E329592A15B0}"/>
+                  </a:ext>
+                </a:extLst>
+              </p:cNvPr>
+              <p:cNvSpPr txBox="1"/>
+              <p:nvPr/>
+            </p:nvSpPr>
+            <p:spPr>
+              <a:xfrm>
+                <a:off x="3951396" y="7095227"/>
+                <a:ext cx="306495" cy="184666"/>
+              </a:xfrm>
+              <a:prstGeom prst="rect">
+                <a:avLst/>
+              </a:prstGeom>
+              <a:noFill/>
+            </p:spPr>
+            <p:txBody>
+              <a:bodyPr wrap="none" rtlCol="0">
+                <a:spAutoFit/>
+              </a:bodyPr>
+              <a:lstStyle/>
+              <a:p>
+                <a:pPr algn="r"/>
+                <a:r>
+                  <a:rPr lang="en-US" sz="600" b="1" dirty="0"/>
+                  <a:t>-.04</a:t>
+                </a:r>
+              </a:p>
+            </p:txBody>
+          </p:sp>
+          <p:sp>
+            <p:nvSpPr>
+              <p:cNvPr id="98" name="TextBox 97">
+                <a:extLst>
+                  <a:ext uri="{FF2B5EF4-FFF2-40B4-BE49-F238E27FC236}">
+                    <a16:creationId xmlns:a16="http://schemas.microsoft.com/office/drawing/2014/main" id="{C7C0A4A6-0871-C84D-BFEA-8C08204B4577}"/>
+                  </a:ext>
+                </a:extLst>
+              </p:cNvPr>
+              <p:cNvSpPr txBox="1"/>
+              <p:nvPr/>
+            </p:nvSpPr>
+            <p:spPr>
+              <a:xfrm>
+                <a:off x="4034753" y="6897883"/>
+                <a:ext cx="223138" cy="184666"/>
+              </a:xfrm>
+              <a:prstGeom prst="rect">
+                <a:avLst/>
+              </a:prstGeom>
+              <a:noFill/>
+            </p:spPr>
+            <p:txBody>
+              <a:bodyPr wrap="none" rtlCol="0">
+                <a:spAutoFit/>
+              </a:bodyPr>
+              <a:lstStyle/>
+              <a:p>
+                <a:pPr algn="r"/>
+                <a:r>
+                  <a:rPr lang="en-US" sz="600" b="1" dirty="0"/>
+                  <a:t>0</a:t>
+                </a:r>
+              </a:p>
+            </p:txBody>
+          </p:sp>
+          <p:sp>
+            <p:nvSpPr>
+              <p:cNvPr id="99" name="TextBox 98">
+                <a:extLst>
+                  <a:ext uri="{FF2B5EF4-FFF2-40B4-BE49-F238E27FC236}">
+                    <a16:creationId xmlns:a16="http://schemas.microsoft.com/office/drawing/2014/main" id="{54CE94D3-2A72-0A4B-8DCF-9959D0427123}"/>
+                  </a:ext>
+                </a:extLst>
+              </p:cNvPr>
+              <p:cNvSpPr txBox="1"/>
+              <p:nvPr/>
+            </p:nvSpPr>
+            <p:spPr>
+              <a:xfrm>
+                <a:off x="3975441" y="6702867"/>
+                <a:ext cx="282450" cy="184666"/>
+              </a:xfrm>
+              <a:prstGeom prst="rect">
+                <a:avLst/>
+              </a:prstGeom>
+              <a:noFill/>
+            </p:spPr>
+            <p:txBody>
+              <a:bodyPr wrap="none" rtlCol="0">
+                <a:spAutoFit/>
+              </a:bodyPr>
+              <a:lstStyle/>
+              <a:p>
+                <a:pPr algn="r"/>
+                <a:r>
+                  <a:rPr lang="en-US" sz="600" b="1" dirty="0"/>
+                  <a:t>.04</a:t>
+                </a:r>
+              </a:p>
+            </p:txBody>
+          </p:sp>
+          <p:sp>
+            <p:nvSpPr>
+              <p:cNvPr id="100" name="TextBox 99">
+                <a:extLst>
+                  <a:ext uri="{FF2B5EF4-FFF2-40B4-BE49-F238E27FC236}">
+                    <a16:creationId xmlns:a16="http://schemas.microsoft.com/office/drawing/2014/main" id="{C0C7F942-8882-A642-B297-D2ABB867E75F}"/>
+                  </a:ext>
+                </a:extLst>
+              </p:cNvPr>
+              <p:cNvSpPr txBox="1"/>
+              <p:nvPr/>
+            </p:nvSpPr>
+            <p:spPr>
+              <a:xfrm>
+                <a:off x="3975441" y="6493787"/>
+                <a:ext cx="282450" cy="184666"/>
+              </a:xfrm>
+              <a:prstGeom prst="rect">
+                <a:avLst/>
+              </a:prstGeom>
+              <a:noFill/>
+            </p:spPr>
+            <p:txBody>
+              <a:bodyPr wrap="none" rtlCol="0">
+                <a:spAutoFit/>
+              </a:bodyPr>
+              <a:lstStyle/>
+              <a:p>
+                <a:pPr algn="r"/>
+                <a:r>
+                  <a:rPr lang="en-US" sz="600" b="1" dirty="0"/>
+                  <a:t>.08</a:t>
+                </a:r>
+              </a:p>
+            </p:txBody>
+          </p:sp>
+        </p:grpSp>
+        <p:sp>
+          <p:nvSpPr>
+            <p:cNvPr id="101" name="TextBox 100">
+              <a:extLst>
+                <a:ext uri="{FF2B5EF4-FFF2-40B4-BE49-F238E27FC236}">
+                  <a16:creationId xmlns:a16="http://schemas.microsoft.com/office/drawing/2014/main" id="{335141EC-FEE0-3F48-8F68-443D5D9DE0D8}"/>
+                </a:ext>
+              </a:extLst>
+            </p:cNvPr>
+            <p:cNvSpPr txBox="1"/>
+            <p:nvPr/>
+          </p:nvSpPr>
+          <p:spPr>
+            <a:xfrm rot="16200000">
+              <a:off x="3711683" y="6780885"/>
+              <a:ext cx="574196" cy="184666"/>
+            </a:xfrm>
+            <a:prstGeom prst="rect">
+              <a:avLst/>
+            </a:prstGeom>
+            <a:noFill/>
+          </p:spPr>
+          <p:txBody>
+            <a:bodyPr wrap="none" rtlCol="0">
+              <a:spAutoFit/>
+            </a:bodyPr>
+            <a:lstStyle/>
+            <a:p>
+              <a:r>
+                <a:rPr lang="en-US" sz="600" b="1" dirty="0"/>
+                <a:t>Model fit (r)</a:t>
+              </a:r>
+            </a:p>
+          </p:txBody>
+        </p:sp>
+      </p:grpSp>
+      <p:grpSp>
+        <p:nvGrpSpPr>
+          <p:cNvPr id="117" name="Group 116">
+            <a:extLst>
+              <a:ext uri="{FF2B5EF4-FFF2-40B4-BE49-F238E27FC236}">
+                <a16:creationId xmlns:a16="http://schemas.microsoft.com/office/drawing/2014/main" id="{BDB41B4C-B3BC-DA4C-9455-4D631942A58A}"/>
+              </a:ext>
+            </a:extLst>
+          </p:cNvPr>
+          <p:cNvGrpSpPr/>
+          <p:nvPr/>
+        </p:nvGrpSpPr>
+        <p:grpSpPr>
+          <a:xfrm>
+            <a:off x="2737214" y="6326468"/>
+            <a:ext cx="1046804" cy="1179643"/>
+            <a:chOff x="5100485" y="6271392"/>
+            <a:chExt cx="1046804" cy="1179643"/>
+          </a:xfrm>
+        </p:grpSpPr>
+        <p:sp>
+          <p:nvSpPr>
+            <p:cNvPr id="26" name="TextBox 25">
+              <a:extLst>
+                <a:ext uri="{FF2B5EF4-FFF2-40B4-BE49-F238E27FC236}">
+                  <a16:creationId xmlns:a16="http://schemas.microsoft.com/office/drawing/2014/main" id="{EBEA7E7C-7985-584A-BC09-3E6EB6033711}"/>
+                </a:ext>
+              </a:extLst>
+            </p:cNvPr>
+            <p:cNvSpPr txBox="1"/>
+            <p:nvPr/>
+          </p:nvSpPr>
+          <p:spPr>
+            <a:xfrm>
+              <a:off x="5489952" y="6271392"/>
+              <a:ext cx="498855" cy="215444"/>
+            </a:xfrm>
+            <a:prstGeom prst="rect">
+              <a:avLst/>
+            </a:prstGeom>
+            <a:solidFill>
+              <a:schemeClr val="bg1"/>
+            </a:solidFill>
+          </p:spPr>
+          <p:txBody>
+            <a:bodyPr wrap="none" rtlCol="0">
+              <a:spAutoFit/>
+            </a:bodyPr>
+            <a:lstStyle/>
+            <a:p>
+              <a:r>
+                <a:rPr lang="en-US" sz="800" b="1" dirty="0"/>
+                <a:t>Gender</a:t>
+              </a:r>
+            </a:p>
+          </p:txBody>
+        </p:sp>
+        <p:pic>
+          <p:nvPicPr>
+            <p:cNvPr id="27" name="Picture 26">
+              <a:extLst>
+                <a:ext uri="{FF2B5EF4-FFF2-40B4-BE49-F238E27FC236}">
+                  <a16:creationId xmlns:a16="http://schemas.microsoft.com/office/drawing/2014/main" id="{5A6C9F15-01B7-254C-9B26-DC08880516AE}"/>
+                </a:ext>
+              </a:extLst>
+            </p:cNvPr>
+            <p:cNvPicPr>
+              <a:picLocks noChangeAspect="1"/>
+            </p:cNvPicPr>
+            <p:nvPr/>
+          </p:nvPicPr>
+          <p:blipFill rotWithShape="1">
+            <a:blip r:embed="rId5"/>
+            <a:srcRect l="28704" t="9528"/>
+            <a:stretch/>
+          </p:blipFill>
+          <p:spPr>
+            <a:xfrm>
+              <a:off x="5362731" y="6455460"/>
+              <a:ext cx="784558" cy="995575"/>
+            </a:xfrm>
+            <a:prstGeom prst="rect">
+              <a:avLst/>
+            </a:prstGeom>
+          </p:spPr>
+        </p:pic>
+        <p:grpSp>
+          <p:nvGrpSpPr>
+            <p:cNvPr id="91" name="Group 90">
+              <a:extLst>
+                <a:ext uri="{FF2B5EF4-FFF2-40B4-BE49-F238E27FC236}">
+                  <a16:creationId xmlns:a16="http://schemas.microsoft.com/office/drawing/2014/main" id="{CEA46C23-BDBF-2A47-9D74-A7C31D40AB59}"/>
+                </a:ext>
+              </a:extLst>
+            </p:cNvPr>
+            <p:cNvGrpSpPr/>
+            <p:nvPr/>
+          </p:nvGrpSpPr>
+          <p:grpSpPr>
+            <a:xfrm>
+              <a:off x="5145511" y="6486246"/>
+              <a:ext cx="310315" cy="778775"/>
+              <a:chOff x="3943773" y="5269696"/>
+              <a:chExt cx="310315" cy="778775"/>
+            </a:xfrm>
+          </p:grpSpPr>
+          <p:sp>
+            <p:nvSpPr>
+              <p:cNvPr id="92" name="TextBox 91">
+                <a:extLst>
+                  <a:ext uri="{FF2B5EF4-FFF2-40B4-BE49-F238E27FC236}">
+                    <a16:creationId xmlns:a16="http://schemas.microsoft.com/office/drawing/2014/main" id="{D349E7A5-9040-C342-BBBC-8ED86E9229FB}"/>
+                  </a:ext>
+                </a:extLst>
+              </p:cNvPr>
+              <p:cNvSpPr txBox="1"/>
+              <p:nvPr/>
+            </p:nvSpPr>
+            <p:spPr>
+              <a:xfrm>
+                <a:off x="3943773" y="5863805"/>
+                <a:ext cx="306495" cy="184666"/>
+              </a:xfrm>
+              <a:prstGeom prst="rect">
+                <a:avLst/>
+              </a:prstGeom>
+              <a:noFill/>
+            </p:spPr>
+            <p:txBody>
+              <a:bodyPr wrap="none" rtlCol="0">
+                <a:spAutoFit/>
+              </a:bodyPr>
+              <a:lstStyle/>
+              <a:p>
+                <a:pPr algn="r"/>
+                <a:r>
+                  <a:rPr lang="en-US" sz="600" b="1" dirty="0"/>
+                  <a:t>-.02</a:t>
+                </a:r>
+              </a:p>
+            </p:txBody>
+          </p:sp>
+          <p:sp>
+            <p:nvSpPr>
+              <p:cNvPr id="93" name="TextBox 92">
+                <a:extLst>
+                  <a:ext uri="{FF2B5EF4-FFF2-40B4-BE49-F238E27FC236}">
+                    <a16:creationId xmlns:a16="http://schemas.microsoft.com/office/drawing/2014/main" id="{057404CD-5747-A44F-ABA7-3190D5C74901}"/>
+                  </a:ext>
+                </a:extLst>
+              </p:cNvPr>
+              <p:cNvSpPr txBox="1"/>
+              <p:nvPr/>
+            </p:nvSpPr>
+            <p:spPr>
+              <a:xfrm>
+                <a:off x="4025192" y="5694011"/>
+                <a:ext cx="223138" cy="184666"/>
+              </a:xfrm>
+              <a:prstGeom prst="rect">
+                <a:avLst/>
+              </a:prstGeom>
+              <a:noFill/>
+            </p:spPr>
+            <p:txBody>
+              <a:bodyPr wrap="none" rtlCol="0">
+                <a:spAutoFit/>
+              </a:bodyPr>
+              <a:lstStyle/>
+              <a:p>
+                <a:pPr algn="r"/>
+                <a:r>
+                  <a:rPr lang="en-US" sz="600" b="1" dirty="0"/>
+                  <a:t>0</a:t>
+                </a:r>
+              </a:p>
+            </p:txBody>
+          </p:sp>
+          <p:sp>
+            <p:nvSpPr>
+              <p:cNvPr id="94" name="TextBox 93">
+                <a:extLst>
+                  <a:ext uri="{FF2B5EF4-FFF2-40B4-BE49-F238E27FC236}">
+                    <a16:creationId xmlns:a16="http://schemas.microsoft.com/office/drawing/2014/main" id="{D7F0E91F-53E3-3744-9BA4-D68BCC3396F3}"/>
+                  </a:ext>
+                </a:extLst>
+              </p:cNvPr>
+              <p:cNvSpPr txBox="1"/>
+              <p:nvPr/>
+            </p:nvSpPr>
+            <p:spPr>
+              <a:xfrm>
+                <a:off x="3967017" y="5531823"/>
+                <a:ext cx="282450" cy="184666"/>
+              </a:xfrm>
+              <a:prstGeom prst="rect">
+                <a:avLst/>
+              </a:prstGeom>
+              <a:noFill/>
+            </p:spPr>
+            <p:txBody>
+              <a:bodyPr wrap="none" rtlCol="0">
+                <a:spAutoFit/>
+              </a:bodyPr>
+              <a:lstStyle/>
+              <a:p>
+                <a:pPr algn="r"/>
+                <a:r>
+                  <a:rPr lang="en-US" sz="600" b="1" dirty="0"/>
+                  <a:t>.02</a:t>
+                </a:r>
+              </a:p>
+            </p:txBody>
+          </p:sp>
+          <p:sp>
+            <p:nvSpPr>
+              <p:cNvPr id="95" name="TextBox 94">
+                <a:extLst>
+                  <a:ext uri="{FF2B5EF4-FFF2-40B4-BE49-F238E27FC236}">
+                    <a16:creationId xmlns:a16="http://schemas.microsoft.com/office/drawing/2014/main" id="{C5BEB80C-1B21-894F-BA5F-7CE211184C24}"/>
+                  </a:ext>
+                </a:extLst>
+              </p:cNvPr>
+              <p:cNvSpPr txBox="1"/>
+              <p:nvPr/>
+            </p:nvSpPr>
+            <p:spPr>
+              <a:xfrm>
+                <a:off x="3971638" y="5269696"/>
+                <a:ext cx="282450" cy="184666"/>
+              </a:xfrm>
+              <a:prstGeom prst="rect">
+                <a:avLst/>
+              </a:prstGeom>
+              <a:noFill/>
+            </p:spPr>
+            <p:txBody>
+              <a:bodyPr wrap="none" rtlCol="0">
+                <a:spAutoFit/>
+              </a:bodyPr>
+              <a:lstStyle/>
+              <a:p>
+                <a:pPr algn="r"/>
+                <a:r>
+                  <a:rPr lang="en-US" sz="600" b="1" dirty="0"/>
+                  <a:t>.05</a:t>
+                </a:r>
+              </a:p>
+            </p:txBody>
+          </p:sp>
+        </p:grpSp>
+        <p:sp>
+          <p:nvSpPr>
+            <p:cNvPr id="102" name="TextBox 101">
+              <a:extLst>
+                <a:ext uri="{FF2B5EF4-FFF2-40B4-BE49-F238E27FC236}">
+                  <a16:creationId xmlns:a16="http://schemas.microsoft.com/office/drawing/2014/main" id="{2B611796-7BBC-9A44-8A89-B7E48D877174}"/>
+                </a:ext>
+              </a:extLst>
+            </p:cNvPr>
+            <p:cNvSpPr txBox="1"/>
+            <p:nvPr/>
+          </p:nvSpPr>
+          <p:spPr>
+            <a:xfrm rot="16200000">
+              <a:off x="4905720" y="6780885"/>
+              <a:ext cx="574196" cy="184666"/>
+            </a:xfrm>
+            <a:prstGeom prst="rect">
+              <a:avLst/>
+            </a:prstGeom>
+            <a:noFill/>
+          </p:spPr>
+          <p:txBody>
+            <a:bodyPr wrap="none" rtlCol="0">
+              <a:spAutoFit/>
+            </a:bodyPr>
+            <a:lstStyle/>
+            <a:p>
+              <a:r>
+                <a:rPr lang="en-US" sz="600" b="1" dirty="0"/>
+                <a:t>Model fit (r)</a:t>
+              </a:r>
+            </a:p>
+          </p:txBody>
+        </p:sp>
+      </p:grpSp>
+      <p:grpSp>
+        <p:nvGrpSpPr>
+          <p:cNvPr id="115" name="Group 114">
+            <a:extLst>
+              <a:ext uri="{FF2B5EF4-FFF2-40B4-BE49-F238E27FC236}">
+                <a16:creationId xmlns:a16="http://schemas.microsoft.com/office/drawing/2014/main" id="{DA520B35-5DDE-C641-9DE5-432CCCDF0CEF}"/>
+              </a:ext>
+            </a:extLst>
+          </p:cNvPr>
+          <p:cNvGrpSpPr/>
+          <p:nvPr/>
+        </p:nvGrpSpPr>
+        <p:grpSpPr>
+          <a:xfrm>
+            <a:off x="2706419" y="5156375"/>
+            <a:ext cx="1076092" cy="1191573"/>
+            <a:chOff x="5053648" y="5045152"/>
+            <a:chExt cx="1076092" cy="1191573"/>
+          </a:xfrm>
+        </p:grpSpPr>
+        <p:pic>
+          <p:nvPicPr>
+            <p:cNvPr id="4" name="Picture 3">
+              <a:extLst>
+                <a:ext uri="{FF2B5EF4-FFF2-40B4-BE49-F238E27FC236}">
+                  <a16:creationId xmlns:a16="http://schemas.microsoft.com/office/drawing/2014/main" id="{3668BE31-A530-3C43-A660-9D48F38560A5}"/>
+                </a:ext>
+              </a:extLst>
+            </p:cNvPr>
+            <p:cNvPicPr>
+              <a:picLocks noChangeAspect="1"/>
+            </p:cNvPicPr>
+            <p:nvPr/>
+          </p:nvPicPr>
+          <p:blipFill rotWithShape="1">
+            <a:blip r:embed="rId6"/>
+            <a:srcRect l="30625" t="9887"/>
+            <a:stretch/>
+          </p:blipFill>
+          <p:spPr>
+            <a:xfrm>
+              <a:off x="5366322" y="5245100"/>
+              <a:ext cx="763418" cy="991625"/>
+            </a:xfrm>
+            <a:prstGeom prst="rect">
+              <a:avLst/>
+            </a:prstGeom>
+          </p:spPr>
+        </p:pic>
+        <p:sp>
+          <p:nvSpPr>
+            <p:cNvPr id="24" name="TextBox 23">
+              <a:extLst>
+                <a:ext uri="{FF2B5EF4-FFF2-40B4-BE49-F238E27FC236}">
+                  <a16:creationId xmlns:a16="http://schemas.microsoft.com/office/drawing/2014/main" id="{03B5C69E-AC8A-5341-9556-EB6824EA745B}"/>
+                </a:ext>
+              </a:extLst>
+            </p:cNvPr>
+            <p:cNvSpPr txBox="1"/>
+            <p:nvPr/>
+          </p:nvSpPr>
+          <p:spPr>
+            <a:xfrm>
+              <a:off x="5359229" y="5045152"/>
+              <a:ext cx="752129" cy="215444"/>
+            </a:xfrm>
+            <a:prstGeom prst="rect">
+              <a:avLst/>
+            </a:prstGeom>
+            <a:solidFill>
+              <a:schemeClr val="bg1"/>
+            </a:solidFill>
+          </p:spPr>
+          <p:txBody>
+            <a:bodyPr wrap="none" rtlCol="0">
+              <a:spAutoFit/>
+            </a:bodyPr>
+            <a:lstStyle/>
+            <a:p>
+              <a:r>
+                <a:rPr lang="en-US" sz="800" b="1" dirty="0"/>
+                <a:t>DSM (IV) Cat.</a:t>
+              </a:r>
+            </a:p>
+          </p:txBody>
+        </p:sp>
+        <p:grpSp>
+          <p:nvGrpSpPr>
+            <p:cNvPr id="85" name="Group 84">
+              <a:extLst>
+                <a:ext uri="{FF2B5EF4-FFF2-40B4-BE49-F238E27FC236}">
+                  <a16:creationId xmlns:a16="http://schemas.microsoft.com/office/drawing/2014/main" id="{01C36B28-408B-A048-82FF-B63975762E18}"/>
+                </a:ext>
+              </a:extLst>
+            </p:cNvPr>
+            <p:cNvGrpSpPr/>
+            <p:nvPr/>
+          </p:nvGrpSpPr>
+          <p:grpSpPr>
+            <a:xfrm>
+              <a:off x="5120171" y="5243035"/>
+              <a:ext cx="320922" cy="818859"/>
+              <a:chOff x="3917546" y="5267276"/>
+              <a:chExt cx="320922" cy="818859"/>
+            </a:xfrm>
+          </p:grpSpPr>
+          <p:sp>
+            <p:nvSpPr>
+              <p:cNvPr id="86" name="TextBox 85">
+                <a:extLst>
+                  <a:ext uri="{FF2B5EF4-FFF2-40B4-BE49-F238E27FC236}">
+                    <a16:creationId xmlns:a16="http://schemas.microsoft.com/office/drawing/2014/main" id="{57F8F121-408D-7C47-B72E-E449027641F4}"/>
+                  </a:ext>
+                </a:extLst>
+              </p:cNvPr>
+              <p:cNvSpPr txBox="1"/>
+              <p:nvPr/>
+            </p:nvSpPr>
+            <p:spPr>
+              <a:xfrm>
+                <a:off x="3929084" y="5901469"/>
+                <a:ext cx="306495" cy="184666"/>
+              </a:xfrm>
+              <a:prstGeom prst="rect">
+                <a:avLst/>
+              </a:prstGeom>
+              <a:noFill/>
+            </p:spPr>
+            <p:txBody>
+              <a:bodyPr wrap="none" rtlCol="0">
+                <a:spAutoFit/>
+              </a:bodyPr>
+              <a:lstStyle/>
+              <a:p>
+                <a:pPr algn="r"/>
+                <a:r>
+                  <a:rPr lang="en-US" sz="600" b="1" dirty="0"/>
+                  <a:t>-.02</a:t>
+                </a:r>
+              </a:p>
+            </p:txBody>
+          </p:sp>
+          <p:sp>
+            <p:nvSpPr>
+              <p:cNvPr id="87" name="TextBox 86">
+                <a:extLst>
+                  <a:ext uri="{FF2B5EF4-FFF2-40B4-BE49-F238E27FC236}">
+                    <a16:creationId xmlns:a16="http://schemas.microsoft.com/office/drawing/2014/main" id="{C4DBF35F-482E-F54D-B9F4-62E163F6A251}"/>
+                  </a:ext>
+                </a:extLst>
+              </p:cNvPr>
+              <p:cNvSpPr txBox="1"/>
+              <p:nvPr/>
+            </p:nvSpPr>
+            <p:spPr>
+              <a:xfrm>
+                <a:off x="3917546" y="5626301"/>
+                <a:ext cx="320922" cy="184666"/>
+              </a:xfrm>
+              <a:prstGeom prst="rect">
+                <a:avLst/>
+              </a:prstGeom>
+              <a:noFill/>
+            </p:spPr>
+            <p:txBody>
+              <a:bodyPr wrap="none" rtlCol="0">
+                <a:spAutoFit/>
+              </a:bodyPr>
+              <a:lstStyle/>
+              <a:p>
+                <a:pPr algn="r"/>
+                <a:r>
+                  <a:rPr lang="en-US" sz="600" b="1" dirty="0"/>
+                  <a:t>0.04</a:t>
+                </a:r>
+              </a:p>
+            </p:txBody>
+          </p:sp>
+          <p:sp>
+            <p:nvSpPr>
+              <p:cNvPr id="88" name="TextBox 87">
+                <a:extLst>
+                  <a:ext uri="{FF2B5EF4-FFF2-40B4-BE49-F238E27FC236}">
+                    <a16:creationId xmlns:a16="http://schemas.microsoft.com/office/drawing/2014/main" id="{4A57EB9A-79DB-1B42-B07B-70ABF4A6D075}"/>
+                  </a:ext>
+                </a:extLst>
+              </p:cNvPr>
+              <p:cNvSpPr txBox="1"/>
+              <p:nvPr/>
+            </p:nvSpPr>
+            <p:spPr>
+              <a:xfrm>
+                <a:off x="3946243" y="5443625"/>
+                <a:ext cx="282450" cy="184666"/>
+              </a:xfrm>
+              <a:prstGeom prst="rect">
+                <a:avLst/>
+              </a:prstGeom>
+              <a:noFill/>
+            </p:spPr>
+            <p:txBody>
+              <a:bodyPr wrap="none" rtlCol="0">
+                <a:spAutoFit/>
+              </a:bodyPr>
+              <a:lstStyle/>
+              <a:p>
+                <a:pPr algn="r"/>
+                <a:r>
+                  <a:rPr lang="en-US" sz="600" b="1" dirty="0"/>
+                  <a:t>.08</a:t>
+                </a:r>
+              </a:p>
+            </p:txBody>
+          </p:sp>
+          <p:sp>
+            <p:nvSpPr>
+              <p:cNvPr id="89" name="TextBox 88">
+                <a:extLst>
+                  <a:ext uri="{FF2B5EF4-FFF2-40B4-BE49-F238E27FC236}">
+                    <a16:creationId xmlns:a16="http://schemas.microsoft.com/office/drawing/2014/main" id="{6E6C0D4E-A68B-9F4F-8104-66E694AB90B0}"/>
+                  </a:ext>
+                </a:extLst>
+              </p:cNvPr>
+              <p:cNvSpPr txBox="1"/>
+              <p:nvPr/>
+            </p:nvSpPr>
+            <p:spPr>
+              <a:xfrm>
+                <a:off x="3940469" y="5267276"/>
+                <a:ext cx="282450" cy="184666"/>
+              </a:xfrm>
+              <a:prstGeom prst="rect">
+                <a:avLst/>
+              </a:prstGeom>
+              <a:noFill/>
+            </p:spPr>
+            <p:txBody>
+              <a:bodyPr wrap="none" rtlCol="0">
+                <a:spAutoFit/>
+              </a:bodyPr>
+              <a:lstStyle/>
+              <a:p>
+                <a:pPr algn="r"/>
+                <a:r>
+                  <a:rPr lang="en-US" sz="600" b="1" dirty="0"/>
+                  <a:t>.12</a:t>
+                </a:r>
+              </a:p>
+            </p:txBody>
+          </p:sp>
+          <p:sp>
+            <p:nvSpPr>
+              <p:cNvPr id="90" name="TextBox 89">
+                <a:extLst>
+                  <a:ext uri="{FF2B5EF4-FFF2-40B4-BE49-F238E27FC236}">
+                    <a16:creationId xmlns:a16="http://schemas.microsoft.com/office/drawing/2014/main" id="{CB0DF2E6-FB18-7E4A-B150-2A3163F8DC28}"/>
+                  </a:ext>
+                </a:extLst>
+              </p:cNvPr>
+              <p:cNvSpPr txBox="1"/>
+              <p:nvPr/>
+            </p:nvSpPr>
+            <p:spPr>
+              <a:xfrm>
+                <a:off x="4006759" y="5801178"/>
+                <a:ext cx="223138" cy="184666"/>
+              </a:xfrm>
+              <a:prstGeom prst="rect">
+                <a:avLst/>
+              </a:prstGeom>
+              <a:noFill/>
+            </p:spPr>
+            <p:txBody>
+              <a:bodyPr wrap="none" rtlCol="0">
+                <a:spAutoFit/>
+              </a:bodyPr>
+              <a:lstStyle/>
+              <a:p>
+                <a:pPr algn="r"/>
+                <a:r>
+                  <a:rPr lang="en-US" sz="600" b="1" dirty="0"/>
+                  <a:t>0</a:t>
+                </a:r>
+              </a:p>
+            </p:txBody>
+          </p:sp>
+        </p:grpSp>
+        <p:sp>
+          <p:nvSpPr>
+            <p:cNvPr id="103" name="TextBox 102">
+              <a:extLst>
+                <a:ext uri="{FF2B5EF4-FFF2-40B4-BE49-F238E27FC236}">
+                  <a16:creationId xmlns:a16="http://schemas.microsoft.com/office/drawing/2014/main" id="{3FF50F1C-FE9C-C246-9A82-5B57F541996D}"/>
+                </a:ext>
+              </a:extLst>
+            </p:cNvPr>
+            <p:cNvSpPr txBox="1"/>
+            <p:nvPr/>
+          </p:nvSpPr>
+          <p:spPr>
+            <a:xfrm rot="16200000">
+              <a:off x="4858883" y="5536542"/>
+              <a:ext cx="574196" cy="184666"/>
+            </a:xfrm>
+            <a:prstGeom prst="rect">
+              <a:avLst/>
+            </a:prstGeom>
+            <a:noFill/>
+          </p:spPr>
+          <p:txBody>
+            <a:bodyPr wrap="none" rtlCol="0">
+              <a:spAutoFit/>
+            </a:bodyPr>
+            <a:lstStyle/>
+            <a:p>
+              <a:r>
+                <a:rPr lang="en-US" sz="600" b="1" dirty="0"/>
+                <a:t>Model fit (r)</a:t>
+              </a:r>
+            </a:p>
+          </p:txBody>
+        </p:sp>
+      </p:grpSp>
+      <p:grpSp>
+        <p:nvGrpSpPr>
+          <p:cNvPr id="114" name="Group 113">
+            <a:extLst>
+              <a:ext uri="{FF2B5EF4-FFF2-40B4-BE49-F238E27FC236}">
+                <a16:creationId xmlns:a16="http://schemas.microsoft.com/office/drawing/2014/main" id="{742FA03D-13F9-A04C-B4C8-0DBBC1A0106D}"/>
+              </a:ext>
+            </a:extLst>
+          </p:cNvPr>
+          <p:cNvGrpSpPr/>
+          <p:nvPr/>
+        </p:nvGrpSpPr>
+        <p:grpSpPr>
+          <a:xfrm>
+            <a:off x="1489731" y="5156500"/>
+            <a:ext cx="1088214" cy="1201623"/>
+            <a:chOff x="3844706" y="5047946"/>
+            <a:chExt cx="1088214" cy="1201623"/>
+          </a:xfrm>
+        </p:grpSpPr>
+        <p:pic>
+          <p:nvPicPr>
+            <p:cNvPr id="5" name="Picture 4">
+              <a:extLst>
+                <a:ext uri="{FF2B5EF4-FFF2-40B4-BE49-F238E27FC236}">
+                  <a16:creationId xmlns:a16="http://schemas.microsoft.com/office/drawing/2014/main" id="{38B9FB06-838B-674A-9657-7CFCC21FD998}"/>
+                </a:ext>
+              </a:extLst>
+            </p:cNvPr>
+            <p:cNvPicPr>
+              <a:picLocks noChangeAspect="1"/>
+            </p:cNvPicPr>
+            <p:nvPr/>
+          </p:nvPicPr>
+          <p:blipFill rotWithShape="1">
+            <a:blip r:embed="rId7"/>
+            <a:srcRect l="28719" t="11027"/>
+            <a:stretch/>
+          </p:blipFill>
+          <p:spPr>
+            <a:xfrm>
+              <a:off x="4148528" y="5270500"/>
+              <a:ext cx="784392" cy="979069"/>
+            </a:xfrm>
+            <a:prstGeom prst="rect">
+              <a:avLst/>
+            </a:prstGeom>
+          </p:spPr>
+        </p:pic>
+        <p:sp>
+          <p:nvSpPr>
+            <p:cNvPr id="23" name="TextBox 22">
+              <a:extLst>
+                <a:ext uri="{FF2B5EF4-FFF2-40B4-BE49-F238E27FC236}">
+                  <a16:creationId xmlns:a16="http://schemas.microsoft.com/office/drawing/2014/main" id="{3A663DD7-6C6C-2F46-B7BF-AD79BAA19022}"/>
+                </a:ext>
+              </a:extLst>
+            </p:cNvPr>
+            <p:cNvSpPr txBox="1"/>
+            <p:nvPr/>
+          </p:nvSpPr>
+          <p:spPr>
+            <a:xfrm>
+              <a:off x="4235579" y="5047946"/>
+              <a:ext cx="599844" cy="215444"/>
+            </a:xfrm>
+            <a:prstGeom prst="rect">
+              <a:avLst/>
+            </a:prstGeom>
+            <a:noFill/>
+          </p:spPr>
+          <p:txBody>
+            <a:bodyPr wrap="none" rtlCol="0">
+              <a:spAutoFit/>
+            </a:bodyPr>
+            <a:lstStyle/>
+            <a:p>
+              <a:r>
+                <a:rPr lang="en-US" sz="800" b="1" dirty="0"/>
+                <a:t>Genotype</a:t>
+              </a:r>
+            </a:p>
+          </p:txBody>
+        </p:sp>
+        <p:grpSp>
+          <p:nvGrpSpPr>
+            <p:cNvPr id="79" name="Group 78">
+              <a:extLst>
+                <a:ext uri="{FF2B5EF4-FFF2-40B4-BE49-F238E27FC236}">
+                  <a16:creationId xmlns:a16="http://schemas.microsoft.com/office/drawing/2014/main" id="{7094A0BD-FACD-9E49-87FD-D078FE6781CD}"/>
+                </a:ext>
+              </a:extLst>
+            </p:cNvPr>
+            <p:cNvGrpSpPr/>
+            <p:nvPr/>
+          </p:nvGrpSpPr>
+          <p:grpSpPr>
+            <a:xfrm>
+              <a:off x="3917546" y="5267276"/>
+              <a:ext cx="320922" cy="818859"/>
+              <a:chOff x="3917546" y="5267276"/>
+              <a:chExt cx="320922" cy="818859"/>
+            </a:xfrm>
+          </p:grpSpPr>
+          <p:sp>
+            <p:nvSpPr>
+              <p:cNvPr id="80" name="TextBox 79">
+                <a:extLst>
+                  <a:ext uri="{FF2B5EF4-FFF2-40B4-BE49-F238E27FC236}">
+                    <a16:creationId xmlns:a16="http://schemas.microsoft.com/office/drawing/2014/main" id="{813879E9-3D38-4045-BDBA-747A9A9F6086}"/>
+                  </a:ext>
+                </a:extLst>
+              </p:cNvPr>
+              <p:cNvSpPr txBox="1"/>
+              <p:nvPr/>
+            </p:nvSpPr>
+            <p:spPr>
+              <a:xfrm>
+                <a:off x="3929084" y="5901469"/>
+                <a:ext cx="306495" cy="184666"/>
+              </a:xfrm>
+              <a:prstGeom prst="rect">
+                <a:avLst/>
+              </a:prstGeom>
+              <a:noFill/>
+            </p:spPr>
+            <p:txBody>
+              <a:bodyPr wrap="none" rtlCol="0">
+                <a:spAutoFit/>
+              </a:bodyPr>
+              <a:lstStyle/>
+              <a:p>
+                <a:pPr algn="r"/>
+                <a:r>
+                  <a:rPr lang="en-US" sz="600" b="1" dirty="0"/>
+                  <a:t>-.02</a:t>
+                </a:r>
+              </a:p>
+            </p:txBody>
+          </p:sp>
+          <p:sp>
+            <p:nvSpPr>
+              <p:cNvPr id="81" name="TextBox 80">
+                <a:extLst>
+                  <a:ext uri="{FF2B5EF4-FFF2-40B4-BE49-F238E27FC236}">
+                    <a16:creationId xmlns:a16="http://schemas.microsoft.com/office/drawing/2014/main" id="{95F6FA12-7F42-F84B-922D-B39C4CA71183}"/>
+                  </a:ext>
+                </a:extLst>
+              </p:cNvPr>
+              <p:cNvSpPr txBox="1"/>
+              <p:nvPr/>
+            </p:nvSpPr>
+            <p:spPr>
+              <a:xfrm>
+                <a:off x="3917546" y="5626301"/>
+                <a:ext cx="320922" cy="184666"/>
+              </a:xfrm>
+              <a:prstGeom prst="rect">
+                <a:avLst/>
+              </a:prstGeom>
+              <a:noFill/>
+            </p:spPr>
+            <p:txBody>
+              <a:bodyPr wrap="none" rtlCol="0">
+                <a:spAutoFit/>
+              </a:bodyPr>
+              <a:lstStyle/>
+              <a:p>
+                <a:pPr algn="r"/>
+                <a:r>
+                  <a:rPr lang="en-US" sz="600" b="1" dirty="0"/>
+                  <a:t>0.04</a:t>
+                </a:r>
+              </a:p>
+            </p:txBody>
+          </p:sp>
+          <p:sp>
+            <p:nvSpPr>
+              <p:cNvPr id="82" name="TextBox 81">
+                <a:extLst>
+                  <a:ext uri="{FF2B5EF4-FFF2-40B4-BE49-F238E27FC236}">
+                    <a16:creationId xmlns:a16="http://schemas.microsoft.com/office/drawing/2014/main" id="{B0D722CC-2C74-0B4C-97C1-3551AE049FF0}"/>
+                  </a:ext>
+                </a:extLst>
+              </p:cNvPr>
+              <p:cNvSpPr txBox="1"/>
+              <p:nvPr/>
+            </p:nvSpPr>
+            <p:spPr>
+              <a:xfrm>
+                <a:off x="3946243" y="5443625"/>
+                <a:ext cx="282450" cy="184666"/>
+              </a:xfrm>
+              <a:prstGeom prst="rect">
+                <a:avLst/>
+              </a:prstGeom>
+              <a:noFill/>
+            </p:spPr>
+            <p:txBody>
+              <a:bodyPr wrap="none" rtlCol="0">
+                <a:spAutoFit/>
+              </a:bodyPr>
+              <a:lstStyle/>
+              <a:p>
+                <a:pPr algn="r"/>
+                <a:r>
+                  <a:rPr lang="en-US" sz="600" b="1" dirty="0"/>
+                  <a:t>.08</a:t>
+                </a:r>
+              </a:p>
+            </p:txBody>
+          </p:sp>
+          <p:sp>
+            <p:nvSpPr>
+              <p:cNvPr id="83" name="TextBox 82">
+                <a:extLst>
+                  <a:ext uri="{FF2B5EF4-FFF2-40B4-BE49-F238E27FC236}">
+                    <a16:creationId xmlns:a16="http://schemas.microsoft.com/office/drawing/2014/main" id="{6EFCFDC2-0481-2143-ABB8-A56A4162A608}"/>
+                  </a:ext>
+                </a:extLst>
+              </p:cNvPr>
+              <p:cNvSpPr txBox="1"/>
+              <p:nvPr/>
+            </p:nvSpPr>
+            <p:spPr>
+              <a:xfrm>
+                <a:off x="3940469" y="5267276"/>
+                <a:ext cx="282450" cy="184666"/>
+              </a:xfrm>
+              <a:prstGeom prst="rect">
+                <a:avLst/>
+              </a:prstGeom>
+              <a:noFill/>
+            </p:spPr>
+            <p:txBody>
+              <a:bodyPr wrap="none" rtlCol="0">
+                <a:spAutoFit/>
+              </a:bodyPr>
+              <a:lstStyle/>
+              <a:p>
+                <a:pPr algn="r"/>
+                <a:r>
+                  <a:rPr lang="en-US" sz="600" b="1" dirty="0"/>
+                  <a:t>.12</a:t>
+                </a:r>
+              </a:p>
+            </p:txBody>
+          </p:sp>
+          <p:sp>
+            <p:nvSpPr>
+              <p:cNvPr id="84" name="TextBox 83">
+                <a:extLst>
+                  <a:ext uri="{FF2B5EF4-FFF2-40B4-BE49-F238E27FC236}">
+                    <a16:creationId xmlns:a16="http://schemas.microsoft.com/office/drawing/2014/main" id="{EE79B0A7-424B-8945-B0C0-35D1A6C16C3B}"/>
+                  </a:ext>
+                </a:extLst>
+              </p:cNvPr>
+              <p:cNvSpPr txBox="1"/>
+              <p:nvPr/>
+            </p:nvSpPr>
+            <p:spPr>
+              <a:xfrm>
+                <a:off x="4006759" y="5801178"/>
+                <a:ext cx="223138" cy="184666"/>
+              </a:xfrm>
+              <a:prstGeom prst="rect">
+                <a:avLst/>
+              </a:prstGeom>
+              <a:noFill/>
+            </p:spPr>
+            <p:txBody>
+              <a:bodyPr wrap="none" rtlCol="0">
+                <a:spAutoFit/>
+              </a:bodyPr>
+              <a:lstStyle/>
+              <a:p>
+                <a:pPr algn="r"/>
+                <a:r>
+                  <a:rPr lang="en-US" sz="600" b="1" dirty="0"/>
+                  <a:t>0</a:t>
+                </a:r>
+              </a:p>
+            </p:txBody>
+          </p:sp>
+        </p:grpSp>
+        <p:sp>
+          <p:nvSpPr>
+            <p:cNvPr id="104" name="TextBox 103">
+              <a:extLst>
+                <a:ext uri="{FF2B5EF4-FFF2-40B4-BE49-F238E27FC236}">
+                  <a16:creationId xmlns:a16="http://schemas.microsoft.com/office/drawing/2014/main" id="{F0F719C6-FB4B-554B-A4B0-12DE809C3155}"/>
+                </a:ext>
+              </a:extLst>
+            </p:cNvPr>
+            <p:cNvSpPr txBox="1"/>
+            <p:nvPr/>
+          </p:nvSpPr>
+          <p:spPr>
+            <a:xfrm rot="16200000">
+              <a:off x="3649941" y="5606413"/>
+              <a:ext cx="574196" cy="184666"/>
+            </a:xfrm>
+            <a:prstGeom prst="rect">
+              <a:avLst/>
+            </a:prstGeom>
+            <a:noFill/>
+          </p:spPr>
+          <p:txBody>
+            <a:bodyPr wrap="none" rtlCol="0">
+              <a:spAutoFit/>
+            </a:bodyPr>
+            <a:lstStyle/>
+            <a:p>
+              <a:r>
+                <a:rPr lang="en-US" sz="600" b="1" dirty="0"/>
+                <a:t>Model fit (r)</a:t>
+              </a:r>
+            </a:p>
+          </p:txBody>
+        </p:sp>
+      </p:grpSp>
+      <p:grpSp>
+        <p:nvGrpSpPr>
+          <p:cNvPr id="111" name="Group 110">
+            <a:extLst>
+              <a:ext uri="{FF2B5EF4-FFF2-40B4-BE49-F238E27FC236}">
+                <a16:creationId xmlns:a16="http://schemas.microsoft.com/office/drawing/2014/main" id="{F3422042-B189-AB42-A587-5EA50E9839E6}"/>
+              </a:ext>
+            </a:extLst>
+          </p:cNvPr>
+          <p:cNvGrpSpPr/>
+          <p:nvPr/>
+        </p:nvGrpSpPr>
+        <p:grpSpPr>
+          <a:xfrm>
+            <a:off x="2736605" y="2508737"/>
+            <a:ext cx="1047670" cy="1206461"/>
+            <a:chOff x="5169543" y="2507577"/>
+            <a:chExt cx="1047670" cy="1206461"/>
+          </a:xfrm>
+        </p:grpSpPr>
+        <p:pic>
+          <p:nvPicPr>
+            <p:cNvPr id="8" name="Picture 7">
+              <a:extLst>
+                <a:ext uri="{FF2B5EF4-FFF2-40B4-BE49-F238E27FC236}">
+                  <a16:creationId xmlns:a16="http://schemas.microsoft.com/office/drawing/2014/main" id="{562E12F1-60D1-9843-BFE4-E50E4E2FEFFE}"/>
+                </a:ext>
+              </a:extLst>
+            </p:cNvPr>
+            <p:cNvPicPr>
+              <a:picLocks noChangeAspect="1"/>
+            </p:cNvPicPr>
+            <p:nvPr/>
+          </p:nvPicPr>
+          <p:blipFill rotWithShape="1">
+            <a:blip r:embed="rId8"/>
+            <a:srcRect l="29501" t="9290"/>
+            <a:stretch/>
+          </p:blipFill>
+          <p:spPr>
+            <a:xfrm>
+              <a:off x="5441430" y="2715846"/>
+              <a:ext cx="775783" cy="998192"/>
+            </a:xfrm>
+            <a:prstGeom prst="rect">
+              <a:avLst/>
+            </a:prstGeom>
+          </p:spPr>
+        </p:pic>
+        <p:sp>
+          <p:nvSpPr>
+            <p:cNvPr id="20" name="TextBox 19">
+              <a:extLst>
+                <a:ext uri="{FF2B5EF4-FFF2-40B4-BE49-F238E27FC236}">
+                  <a16:creationId xmlns:a16="http://schemas.microsoft.com/office/drawing/2014/main" id="{F803ED46-9D4E-6A45-96D6-56E355521122}"/>
+                </a:ext>
+              </a:extLst>
+            </p:cNvPr>
+            <p:cNvSpPr txBox="1"/>
+            <p:nvPr/>
+          </p:nvSpPr>
+          <p:spPr>
+            <a:xfrm>
+              <a:off x="5408166" y="2507577"/>
+              <a:ext cx="752129" cy="215444"/>
+            </a:xfrm>
+            <a:prstGeom prst="rect">
+              <a:avLst/>
+            </a:prstGeom>
+            <a:noFill/>
+          </p:spPr>
+          <p:txBody>
+            <a:bodyPr wrap="none" rtlCol="0">
+              <a:spAutoFit/>
+            </a:bodyPr>
+            <a:lstStyle/>
+            <a:p>
+              <a:r>
+                <a:rPr lang="en-US" sz="800" b="1" dirty="0"/>
+                <a:t>DSM (IV) Cat.</a:t>
+              </a:r>
+            </a:p>
+          </p:txBody>
+        </p:sp>
+        <p:grpSp>
+          <p:nvGrpSpPr>
+            <p:cNvPr id="65" name="Group 64">
+              <a:extLst>
+                <a:ext uri="{FF2B5EF4-FFF2-40B4-BE49-F238E27FC236}">
+                  <a16:creationId xmlns:a16="http://schemas.microsoft.com/office/drawing/2014/main" id="{71383ACA-9494-6446-B0AF-538C64941798}"/>
+                </a:ext>
+              </a:extLst>
+            </p:cNvPr>
+            <p:cNvGrpSpPr/>
+            <p:nvPr/>
+          </p:nvGrpSpPr>
+          <p:grpSpPr>
+            <a:xfrm>
+              <a:off x="5219718" y="2764638"/>
+              <a:ext cx="304892" cy="828943"/>
+              <a:chOff x="5219718" y="2764638"/>
+              <a:chExt cx="304892" cy="828943"/>
+            </a:xfrm>
+          </p:grpSpPr>
+          <p:sp>
+            <p:nvSpPr>
+              <p:cNvPr id="66" name="TextBox 65">
+                <a:extLst>
+                  <a:ext uri="{FF2B5EF4-FFF2-40B4-BE49-F238E27FC236}">
+                    <a16:creationId xmlns:a16="http://schemas.microsoft.com/office/drawing/2014/main" id="{2F21A6EF-2F6B-7F48-9F3B-1D8A8B62BE85}"/>
+                  </a:ext>
+                </a:extLst>
+              </p:cNvPr>
+              <p:cNvSpPr txBox="1"/>
+              <p:nvPr/>
+            </p:nvSpPr>
+            <p:spPr>
+              <a:xfrm>
+                <a:off x="5219718" y="3408915"/>
+                <a:ext cx="304892" cy="184666"/>
+              </a:xfrm>
+              <a:prstGeom prst="rect">
+                <a:avLst/>
+              </a:prstGeom>
+              <a:noFill/>
+            </p:spPr>
+            <p:txBody>
+              <a:bodyPr wrap="none" rtlCol="0">
+                <a:spAutoFit/>
+              </a:bodyPr>
+              <a:lstStyle/>
+              <a:p>
+                <a:r>
+                  <a:rPr lang="en-US" sz="600" b="1" dirty="0"/>
+                  <a:t>-.02</a:t>
+                </a:r>
+              </a:p>
+            </p:txBody>
+          </p:sp>
+          <p:sp>
+            <p:nvSpPr>
+              <p:cNvPr id="67" name="TextBox 66">
+                <a:extLst>
+                  <a:ext uri="{FF2B5EF4-FFF2-40B4-BE49-F238E27FC236}">
+                    <a16:creationId xmlns:a16="http://schemas.microsoft.com/office/drawing/2014/main" id="{9E966A2D-7537-8242-8EF9-F0DD684BBF06}"/>
+                  </a:ext>
+                </a:extLst>
+              </p:cNvPr>
+              <p:cNvSpPr txBox="1"/>
+              <p:nvPr/>
+            </p:nvSpPr>
+            <p:spPr>
+              <a:xfrm>
+                <a:off x="5242160" y="3197718"/>
+                <a:ext cx="282450" cy="184666"/>
+              </a:xfrm>
+              <a:prstGeom prst="rect">
+                <a:avLst/>
+              </a:prstGeom>
+              <a:noFill/>
+            </p:spPr>
+            <p:txBody>
+              <a:bodyPr wrap="none" rtlCol="0">
+                <a:spAutoFit/>
+              </a:bodyPr>
+              <a:lstStyle/>
+              <a:p>
+                <a:r>
+                  <a:rPr lang="en-US" sz="600" b="1" dirty="0"/>
+                  <a:t>.02</a:t>
+                </a:r>
+              </a:p>
+            </p:txBody>
+          </p:sp>
+          <p:sp>
+            <p:nvSpPr>
+              <p:cNvPr id="68" name="TextBox 67">
+                <a:extLst>
+                  <a:ext uri="{FF2B5EF4-FFF2-40B4-BE49-F238E27FC236}">
+                    <a16:creationId xmlns:a16="http://schemas.microsoft.com/office/drawing/2014/main" id="{049A7150-6282-1F4F-91B4-CD8C732C3E6B}"/>
+                  </a:ext>
+                </a:extLst>
+              </p:cNvPr>
+              <p:cNvSpPr txBox="1"/>
+              <p:nvPr/>
+            </p:nvSpPr>
+            <p:spPr>
+              <a:xfrm>
+                <a:off x="5280632" y="2764638"/>
+                <a:ext cx="243978" cy="184666"/>
+              </a:xfrm>
+              <a:prstGeom prst="rect">
+                <a:avLst/>
+              </a:prstGeom>
+              <a:noFill/>
+            </p:spPr>
+            <p:txBody>
+              <a:bodyPr wrap="none" rtlCol="0">
+                <a:spAutoFit/>
+              </a:bodyPr>
+              <a:lstStyle/>
+              <a:p>
+                <a:r>
+                  <a:rPr lang="en-US" sz="600" b="1" dirty="0"/>
+                  <a:t>.1</a:t>
+                </a:r>
+              </a:p>
+            </p:txBody>
+          </p:sp>
+          <p:sp>
+            <p:nvSpPr>
+              <p:cNvPr id="69" name="TextBox 68">
+                <a:extLst>
+                  <a:ext uri="{FF2B5EF4-FFF2-40B4-BE49-F238E27FC236}">
+                    <a16:creationId xmlns:a16="http://schemas.microsoft.com/office/drawing/2014/main" id="{1FBD340D-C629-424D-BFC3-2D6F661A2D21}"/>
+                  </a:ext>
+                </a:extLst>
+              </p:cNvPr>
+              <p:cNvSpPr txBox="1"/>
+              <p:nvPr/>
+            </p:nvSpPr>
+            <p:spPr>
+              <a:xfrm>
+                <a:off x="5242160" y="2978321"/>
+                <a:ext cx="282450" cy="184666"/>
+              </a:xfrm>
+              <a:prstGeom prst="rect">
+                <a:avLst/>
+              </a:prstGeom>
+              <a:noFill/>
+            </p:spPr>
+            <p:txBody>
+              <a:bodyPr wrap="none" rtlCol="0">
+                <a:spAutoFit/>
+              </a:bodyPr>
+              <a:lstStyle/>
+              <a:p>
+                <a:r>
+                  <a:rPr lang="en-US" sz="600" b="1" dirty="0"/>
+                  <a:t>.06</a:t>
+                </a:r>
+              </a:p>
+            </p:txBody>
+          </p:sp>
+        </p:grpSp>
+        <p:sp>
+          <p:nvSpPr>
+            <p:cNvPr id="107" name="TextBox 106">
+              <a:extLst>
+                <a:ext uri="{FF2B5EF4-FFF2-40B4-BE49-F238E27FC236}">
+                  <a16:creationId xmlns:a16="http://schemas.microsoft.com/office/drawing/2014/main" id="{C2D5F5D0-80F7-BD4F-AB0C-83A0967CAC9C}"/>
+                </a:ext>
+              </a:extLst>
+            </p:cNvPr>
+            <p:cNvSpPr txBox="1"/>
+            <p:nvPr/>
+          </p:nvSpPr>
+          <p:spPr>
+            <a:xfrm rot="16200000">
+              <a:off x="4974778" y="3037864"/>
+              <a:ext cx="574196" cy="184666"/>
+            </a:xfrm>
+            <a:prstGeom prst="rect">
+              <a:avLst/>
+            </a:prstGeom>
+            <a:noFill/>
+          </p:spPr>
+          <p:txBody>
+            <a:bodyPr wrap="none" rtlCol="0">
+              <a:spAutoFit/>
+            </a:bodyPr>
+            <a:lstStyle/>
+            <a:p>
+              <a:r>
+                <a:rPr lang="en-US" sz="600" b="1" dirty="0"/>
+                <a:t>Model fit (r)</a:t>
+              </a:r>
+            </a:p>
+          </p:txBody>
+        </p:sp>
+      </p:grpSp>
+      <p:grpSp>
+        <p:nvGrpSpPr>
+          <p:cNvPr id="113" name="Group 112">
+            <a:extLst>
+              <a:ext uri="{FF2B5EF4-FFF2-40B4-BE49-F238E27FC236}">
+                <a16:creationId xmlns:a16="http://schemas.microsoft.com/office/drawing/2014/main" id="{E5C76423-2DF8-6842-AF15-EB6822D52DE5}"/>
+              </a:ext>
+            </a:extLst>
+          </p:cNvPr>
+          <p:cNvGrpSpPr/>
+          <p:nvPr/>
+        </p:nvGrpSpPr>
+        <p:grpSpPr>
+          <a:xfrm>
+            <a:off x="2715193" y="3681676"/>
+            <a:ext cx="1069083" cy="1181474"/>
+            <a:chOff x="5148131" y="3656453"/>
+            <a:chExt cx="1069083" cy="1181474"/>
+          </a:xfrm>
+        </p:grpSpPr>
+        <p:pic>
+          <p:nvPicPr>
+            <p:cNvPr id="6" name="Picture 5">
+              <a:extLst>
+                <a:ext uri="{FF2B5EF4-FFF2-40B4-BE49-F238E27FC236}">
+                  <a16:creationId xmlns:a16="http://schemas.microsoft.com/office/drawing/2014/main" id="{85580487-5094-7E4F-B795-E4267984D3C6}"/>
+                </a:ext>
+              </a:extLst>
+            </p:cNvPr>
+            <p:cNvPicPr>
+              <a:picLocks noChangeAspect="1"/>
+            </p:cNvPicPr>
+            <p:nvPr/>
+          </p:nvPicPr>
+          <p:blipFill rotWithShape="1">
+            <a:blip r:embed="rId9"/>
+            <a:srcRect l="29501" t="11019"/>
+            <a:stretch/>
+          </p:blipFill>
+          <p:spPr>
+            <a:xfrm>
+              <a:off x="5441430" y="3858761"/>
+              <a:ext cx="775784" cy="979166"/>
+            </a:xfrm>
+            <a:prstGeom prst="rect">
+              <a:avLst/>
+            </a:prstGeom>
+          </p:spPr>
+        </p:pic>
+        <p:sp>
+          <p:nvSpPr>
+            <p:cNvPr id="22" name="TextBox 21">
+              <a:extLst>
+                <a:ext uri="{FF2B5EF4-FFF2-40B4-BE49-F238E27FC236}">
+                  <a16:creationId xmlns:a16="http://schemas.microsoft.com/office/drawing/2014/main" id="{B7E2C22A-6BBF-F946-9BD8-BAF5A4AA1961}"/>
+                </a:ext>
+              </a:extLst>
+            </p:cNvPr>
+            <p:cNvSpPr txBox="1"/>
+            <p:nvPr/>
+          </p:nvSpPr>
+          <p:spPr>
+            <a:xfrm>
+              <a:off x="5570485" y="3656453"/>
+              <a:ext cx="498855" cy="215444"/>
+            </a:xfrm>
+            <a:prstGeom prst="rect">
+              <a:avLst/>
+            </a:prstGeom>
+            <a:noFill/>
+          </p:spPr>
+          <p:txBody>
+            <a:bodyPr wrap="none" rtlCol="0">
+              <a:spAutoFit/>
+            </a:bodyPr>
+            <a:lstStyle/>
+            <a:p>
+              <a:r>
+                <a:rPr lang="en-US" sz="800" b="1" dirty="0"/>
+                <a:t>Gender</a:t>
+              </a:r>
+            </a:p>
+          </p:txBody>
+        </p:sp>
+        <p:sp>
+          <p:nvSpPr>
+            <p:cNvPr id="75" name="TextBox 74">
+              <a:extLst>
+                <a:ext uri="{FF2B5EF4-FFF2-40B4-BE49-F238E27FC236}">
+                  <a16:creationId xmlns:a16="http://schemas.microsoft.com/office/drawing/2014/main" id="{5C413321-7CE8-4B4C-A217-C0C548982B18}"/>
+                </a:ext>
+              </a:extLst>
+            </p:cNvPr>
+            <p:cNvSpPr txBox="1"/>
+            <p:nvPr/>
+          </p:nvSpPr>
+          <p:spPr>
+            <a:xfrm>
+              <a:off x="5192818" y="4499524"/>
+              <a:ext cx="306495" cy="184666"/>
+            </a:xfrm>
+            <a:prstGeom prst="rect">
+              <a:avLst/>
+            </a:prstGeom>
+            <a:noFill/>
+          </p:spPr>
+          <p:txBody>
+            <a:bodyPr wrap="none" rtlCol="0">
+              <a:spAutoFit/>
+            </a:bodyPr>
+            <a:lstStyle/>
+            <a:p>
+              <a:pPr algn="r"/>
+              <a:r>
+                <a:rPr lang="en-US" sz="600" b="1" dirty="0"/>
+                <a:t>-.04</a:t>
+              </a:r>
+            </a:p>
+          </p:txBody>
+        </p:sp>
+        <p:sp>
+          <p:nvSpPr>
+            <p:cNvPr id="76" name="TextBox 75">
+              <a:extLst>
+                <a:ext uri="{FF2B5EF4-FFF2-40B4-BE49-F238E27FC236}">
+                  <a16:creationId xmlns:a16="http://schemas.microsoft.com/office/drawing/2014/main" id="{B702C470-AA70-8640-9F45-5F863896BCA8}"/>
+                </a:ext>
+              </a:extLst>
+            </p:cNvPr>
+            <p:cNvSpPr txBox="1"/>
+            <p:nvPr/>
+          </p:nvSpPr>
+          <p:spPr>
+            <a:xfrm>
+              <a:off x="5276175" y="4292682"/>
+              <a:ext cx="223138" cy="184666"/>
+            </a:xfrm>
+            <a:prstGeom prst="rect">
+              <a:avLst/>
+            </a:prstGeom>
+            <a:noFill/>
+          </p:spPr>
+          <p:txBody>
+            <a:bodyPr wrap="none" rtlCol="0">
+              <a:spAutoFit/>
+            </a:bodyPr>
+            <a:lstStyle/>
+            <a:p>
+              <a:pPr algn="r"/>
+              <a:r>
+                <a:rPr lang="en-US" sz="600" b="1" dirty="0"/>
+                <a:t>0</a:t>
+              </a:r>
+            </a:p>
+          </p:txBody>
+        </p:sp>
+        <p:sp>
+          <p:nvSpPr>
+            <p:cNvPr id="77" name="TextBox 76">
+              <a:extLst>
+                <a:ext uri="{FF2B5EF4-FFF2-40B4-BE49-F238E27FC236}">
+                  <a16:creationId xmlns:a16="http://schemas.microsoft.com/office/drawing/2014/main" id="{5EF76BF0-65B0-C242-A220-10949C526B5E}"/>
+                </a:ext>
+              </a:extLst>
+            </p:cNvPr>
+            <p:cNvSpPr txBox="1"/>
+            <p:nvPr/>
+          </p:nvSpPr>
+          <p:spPr>
+            <a:xfrm>
+              <a:off x="5239223" y="4061993"/>
+              <a:ext cx="282450" cy="184666"/>
+            </a:xfrm>
+            <a:prstGeom prst="rect">
+              <a:avLst/>
+            </a:prstGeom>
+            <a:noFill/>
+          </p:spPr>
+          <p:txBody>
+            <a:bodyPr wrap="none" rtlCol="0">
+              <a:spAutoFit/>
+            </a:bodyPr>
+            <a:lstStyle/>
+            <a:p>
+              <a:pPr algn="r"/>
+              <a:r>
+                <a:rPr lang="en-US" sz="600" b="1" dirty="0"/>
+                <a:t>.04</a:t>
+              </a:r>
+            </a:p>
+          </p:txBody>
+        </p:sp>
+        <p:sp>
+          <p:nvSpPr>
+            <p:cNvPr id="78" name="TextBox 77">
+              <a:extLst>
+                <a:ext uri="{FF2B5EF4-FFF2-40B4-BE49-F238E27FC236}">
+                  <a16:creationId xmlns:a16="http://schemas.microsoft.com/office/drawing/2014/main" id="{930F6B58-582C-AE43-B084-19E7D0E2B75B}"/>
+                </a:ext>
+              </a:extLst>
+            </p:cNvPr>
+            <p:cNvSpPr txBox="1"/>
+            <p:nvPr/>
+          </p:nvSpPr>
+          <p:spPr>
+            <a:xfrm>
+              <a:off x="5231525" y="3838098"/>
+              <a:ext cx="282450" cy="184666"/>
+            </a:xfrm>
+            <a:prstGeom prst="rect">
+              <a:avLst/>
+            </a:prstGeom>
+            <a:noFill/>
+          </p:spPr>
+          <p:txBody>
+            <a:bodyPr wrap="none" rtlCol="0">
+              <a:spAutoFit/>
+            </a:bodyPr>
+            <a:lstStyle/>
+            <a:p>
+              <a:pPr algn="r"/>
+              <a:r>
+                <a:rPr lang="en-US" sz="600" b="1" dirty="0"/>
+                <a:t>.08</a:t>
+              </a:r>
+            </a:p>
+          </p:txBody>
+        </p:sp>
+        <p:sp>
+          <p:nvSpPr>
+            <p:cNvPr id="108" name="TextBox 107">
+              <a:extLst>
+                <a:ext uri="{FF2B5EF4-FFF2-40B4-BE49-F238E27FC236}">
+                  <a16:creationId xmlns:a16="http://schemas.microsoft.com/office/drawing/2014/main" id="{587D7E7B-7C82-DE44-8D90-ACA004F5E75D}"/>
+                </a:ext>
+              </a:extLst>
+            </p:cNvPr>
+            <p:cNvSpPr txBox="1"/>
+            <p:nvPr/>
+          </p:nvSpPr>
+          <p:spPr>
+            <a:xfrm rot="16200000">
+              <a:off x="4953366" y="4168510"/>
+              <a:ext cx="574196" cy="184666"/>
+            </a:xfrm>
+            <a:prstGeom prst="rect">
+              <a:avLst/>
+            </a:prstGeom>
+            <a:noFill/>
+          </p:spPr>
+          <p:txBody>
+            <a:bodyPr wrap="none" rtlCol="0">
+              <a:spAutoFit/>
+            </a:bodyPr>
+            <a:lstStyle/>
+            <a:p>
+              <a:r>
+                <a:rPr lang="en-US" sz="600" b="1" dirty="0"/>
+                <a:t>Model fit (r)</a:t>
+              </a:r>
+            </a:p>
+          </p:txBody>
+        </p:sp>
+      </p:grpSp>
+      <p:cxnSp>
+        <p:nvCxnSpPr>
+          <p:cNvPr id="127" name="Straight Connector 126">
+            <a:extLst>
+              <a:ext uri="{FF2B5EF4-FFF2-40B4-BE49-F238E27FC236}">
+                <a16:creationId xmlns:a16="http://schemas.microsoft.com/office/drawing/2014/main" id="{00899164-8D35-4F48-8E84-D39EBB1D669B}"/>
+              </a:ext>
+            </a:extLst>
+          </p:cNvPr>
+          <p:cNvCxnSpPr>
+            <a:cxnSpLocks/>
+          </p:cNvCxnSpPr>
+          <p:nvPr/>
+        </p:nvCxnSpPr>
+        <p:spPr>
+          <a:xfrm>
+            <a:off x="-60324" y="9462050"/>
+            <a:ext cx="6317288" cy="0"/>
+          </a:xfrm>
+          <a:prstGeom prst="line">
+            <a:avLst/>
+          </a:prstGeom>
+        </p:spPr>
+        <p:style>
+          <a:lnRef idx="1">
+            <a:schemeClr val="accent1"/>
+          </a:lnRef>
+          <a:fillRef idx="0">
+            <a:schemeClr val="accent1"/>
+          </a:fillRef>
+          <a:effectRef idx="0">
+            <a:schemeClr val="accent1"/>
+          </a:effectRef>
+          <a:fontRef idx="minor">
+            <a:schemeClr val="tx1"/>
+          </a:fontRef>
+        </p:style>
+      </p:cxnSp>
+      <p:grpSp>
+        <p:nvGrpSpPr>
+          <p:cNvPr id="137" name="Group 136">
+            <a:extLst>
+              <a:ext uri="{FF2B5EF4-FFF2-40B4-BE49-F238E27FC236}">
+                <a16:creationId xmlns:a16="http://schemas.microsoft.com/office/drawing/2014/main" id="{BFDCAC23-7EE0-514A-9E54-64200E19F601}"/>
+              </a:ext>
+            </a:extLst>
+          </p:cNvPr>
+          <p:cNvGrpSpPr/>
+          <p:nvPr/>
+        </p:nvGrpSpPr>
+        <p:grpSpPr>
+          <a:xfrm>
+            <a:off x="209074" y="2158084"/>
+            <a:ext cx="3485252" cy="276999"/>
+            <a:chOff x="677364" y="-977862"/>
+            <a:chExt cx="3485252" cy="276999"/>
+          </a:xfrm>
+        </p:grpSpPr>
+        <p:sp>
+          <p:nvSpPr>
+            <p:cNvPr id="133" name="TextBox 132">
+              <a:extLst>
+                <a:ext uri="{FF2B5EF4-FFF2-40B4-BE49-F238E27FC236}">
+                  <a16:creationId xmlns:a16="http://schemas.microsoft.com/office/drawing/2014/main" id="{752E61E5-54B4-6447-BCCA-C49FEC473299}"/>
+                </a:ext>
+              </a:extLst>
+            </p:cNvPr>
+            <p:cNvSpPr txBox="1"/>
+            <p:nvPr/>
+          </p:nvSpPr>
+          <p:spPr>
+            <a:xfrm>
+              <a:off x="1752403" y="-977862"/>
+              <a:ext cx="1335174" cy="276999"/>
+            </a:xfrm>
+            <a:prstGeom prst="rect">
+              <a:avLst/>
+            </a:prstGeom>
+            <a:noFill/>
+          </p:spPr>
+          <p:txBody>
+            <a:bodyPr wrap="none" rtlCol="0">
+              <a:spAutoFit/>
+            </a:bodyPr>
+            <a:lstStyle/>
+            <a:p>
+              <a:r>
+                <a:rPr lang="en-US" sz="1200" dirty="0"/>
+                <a:t>RSA results: ABIDE</a:t>
+              </a:r>
+            </a:p>
+          </p:txBody>
+        </p:sp>
+        <p:cxnSp>
+          <p:nvCxnSpPr>
+            <p:cNvPr id="134" name="Straight Connector 133">
+              <a:extLst>
+                <a:ext uri="{FF2B5EF4-FFF2-40B4-BE49-F238E27FC236}">
+                  <a16:creationId xmlns:a16="http://schemas.microsoft.com/office/drawing/2014/main" id="{61C43D7B-DDFA-5547-95A8-FF7A3E4527B3}"/>
+                </a:ext>
+              </a:extLst>
+            </p:cNvPr>
+            <p:cNvCxnSpPr>
+              <a:cxnSpLocks/>
+            </p:cNvCxnSpPr>
+            <p:nvPr/>
+          </p:nvCxnSpPr>
+          <p:spPr>
+            <a:xfrm>
+              <a:off x="677364" y="-700863"/>
+              <a:ext cx="3485252" cy="0"/>
+            </a:xfrm>
+            <a:prstGeom prst="line">
+              <a:avLst/>
+            </a:prstGeom>
+          </p:spPr>
+          <p:style>
+            <a:lnRef idx="1">
+              <a:schemeClr val="accent1"/>
+            </a:lnRef>
+            <a:fillRef idx="0">
+              <a:schemeClr val="accent1"/>
+            </a:fillRef>
+            <a:effectRef idx="0">
+              <a:schemeClr val="accent1"/>
+            </a:effectRef>
+            <a:fontRef idx="minor">
+              <a:schemeClr val="tx1"/>
+            </a:fontRef>
+          </p:style>
+        </p:cxnSp>
+      </p:grpSp>
+      <p:grpSp>
+        <p:nvGrpSpPr>
+          <p:cNvPr id="138" name="Group 137">
+            <a:extLst>
+              <a:ext uri="{FF2B5EF4-FFF2-40B4-BE49-F238E27FC236}">
+                <a16:creationId xmlns:a16="http://schemas.microsoft.com/office/drawing/2014/main" id="{9939F3EA-3927-1F43-89BD-42E4C21CB68D}"/>
+              </a:ext>
+            </a:extLst>
+          </p:cNvPr>
+          <p:cNvGrpSpPr/>
+          <p:nvPr/>
+        </p:nvGrpSpPr>
+        <p:grpSpPr>
+          <a:xfrm>
+            <a:off x="211379" y="4871338"/>
+            <a:ext cx="3485252" cy="251760"/>
+            <a:chOff x="1344951" y="887476"/>
+            <a:chExt cx="3485252" cy="304629"/>
+          </a:xfrm>
+        </p:grpSpPr>
+        <p:sp>
+          <p:nvSpPr>
+            <p:cNvPr id="135" name="TextBox 134">
+              <a:extLst>
+                <a:ext uri="{FF2B5EF4-FFF2-40B4-BE49-F238E27FC236}">
+                  <a16:creationId xmlns:a16="http://schemas.microsoft.com/office/drawing/2014/main" id="{94CEB806-786C-F84E-9005-1219C10C73C7}"/>
+                </a:ext>
+              </a:extLst>
+            </p:cNvPr>
+            <p:cNvSpPr txBox="1"/>
+            <p:nvPr/>
+          </p:nvSpPr>
+          <p:spPr>
+            <a:xfrm>
+              <a:off x="2439413" y="887476"/>
+              <a:ext cx="1297663" cy="276999"/>
+            </a:xfrm>
+            <a:prstGeom prst="rect">
+              <a:avLst/>
+            </a:prstGeom>
+            <a:noFill/>
+          </p:spPr>
+          <p:txBody>
+            <a:bodyPr wrap="none" rtlCol="0">
+              <a:spAutoFit/>
+            </a:bodyPr>
+            <a:lstStyle/>
+            <a:p>
+              <a:r>
+                <a:rPr lang="en-US" sz="1200" dirty="0"/>
+                <a:t>RSA results: SFARI</a:t>
+              </a:r>
+            </a:p>
+          </p:txBody>
+        </p:sp>
+        <p:cxnSp>
+          <p:nvCxnSpPr>
+            <p:cNvPr id="136" name="Straight Connector 135">
+              <a:extLst>
+                <a:ext uri="{FF2B5EF4-FFF2-40B4-BE49-F238E27FC236}">
+                  <a16:creationId xmlns:a16="http://schemas.microsoft.com/office/drawing/2014/main" id="{40EB3E15-4286-5A4A-9564-23F698172EE4}"/>
+                </a:ext>
+              </a:extLst>
+            </p:cNvPr>
+            <p:cNvCxnSpPr>
+              <a:cxnSpLocks/>
+            </p:cNvCxnSpPr>
+            <p:nvPr/>
+          </p:nvCxnSpPr>
+          <p:spPr>
+            <a:xfrm>
+              <a:off x="1344951" y="1192105"/>
+              <a:ext cx="3485252" cy="0"/>
+            </a:xfrm>
+            <a:prstGeom prst="line">
+              <a:avLst/>
+            </a:prstGeom>
+          </p:spPr>
+          <p:style>
+            <a:lnRef idx="1">
+              <a:schemeClr val="accent1"/>
+            </a:lnRef>
+            <a:fillRef idx="0">
+              <a:schemeClr val="accent1"/>
+            </a:fillRef>
+            <a:effectRef idx="0">
+              <a:schemeClr val="accent1"/>
+            </a:effectRef>
+            <a:fontRef idx="minor">
+              <a:schemeClr val="tx1"/>
+            </a:fontRef>
+          </p:style>
+        </p:cxnSp>
+      </p:grpSp>
+      <p:cxnSp>
+        <p:nvCxnSpPr>
+          <p:cNvPr id="139" name="Straight Connector 138">
+            <a:extLst>
+              <a:ext uri="{FF2B5EF4-FFF2-40B4-BE49-F238E27FC236}">
+                <a16:creationId xmlns:a16="http://schemas.microsoft.com/office/drawing/2014/main" id="{344C23FD-DE78-954C-9A25-A0A5B27670E9}"/>
+              </a:ext>
+            </a:extLst>
+          </p:cNvPr>
+          <p:cNvCxnSpPr>
+            <a:cxnSpLocks/>
+          </p:cNvCxnSpPr>
+          <p:nvPr/>
+        </p:nvCxnSpPr>
+        <p:spPr>
+          <a:xfrm flipH="1">
+            <a:off x="3880061" y="3044848"/>
+            <a:ext cx="0" cy="4348007"/>
+          </a:xfrm>
+          <a:prstGeom prst="line">
+            <a:avLst/>
+          </a:prstGeom>
+        </p:spPr>
+        <p:style>
+          <a:lnRef idx="1">
+            <a:schemeClr val="accent1"/>
+          </a:lnRef>
+          <a:fillRef idx="0">
+            <a:schemeClr val="accent1"/>
+          </a:fillRef>
+          <a:effectRef idx="0">
+            <a:schemeClr val="accent1"/>
+          </a:effectRef>
+          <a:fontRef idx="minor">
+            <a:schemeClr val="tx1"/>
+          </a:fontRef>
+        </p:style>
+      </p:cxnSp>
+      <p:sp>
+        <p:nvSpPr>
+          <p:cNvPr id="143" name="TextBox 142">
+            <a:extLst>
+              <a:ext uri="{FF2B5EF4-FFF2-40B4-BE49-F238E27FC236}">
+                <a16:creationId xmlns:a16="http://schemas.microsoft.com/office/drawing/2014/main" id="{5D85A313-99C3-4443-B484-520FEABAF1B5}"/>
+              </a:ext>
+            </a:extLst>
+          </p:cNvPr>
+          <p:cNvSpPr txBox="1"/>
+          <p:nvPr/>
+        </p:nvSpPr>
+        <p:spPr>
+          <a:xfrm>
+            <a:off x="4604432" y="2167514"/>
+            <a:ext cx="1335174" cy="276999"/>
+          </a:xfrm>
+          <a:prstGeom prst="rect">
+            <a:avLst/>
+          </a:prstGeom>
+          <a:noFill/>
+        </p:spPr>
+        <p:txBody>
+          <a:bodyPr wrap="square" rtlCol="0">
+            <a:spAutoFit/>
+          </a:bodyPr>
+          <a:lstStyle/>
+          <a:p>
+            <a:r>
+              <a:rPr lang="en-US" sz="1200" dirty="0"/>
+              <a:t>Optimal clustering</a:t>
+            </a:r>
+          </a:p>
+        </p:txBody>
+      </p:sp>
+      <p:cxnSp>
+        <p:nvCxnSpPr>
+          <p:cNvPr id="144" name="Straight Connector 143">
+            <a:extLst>
+              <a:ext uri="{FF2B5EF4-FFF2-40B4-BE49-F238E27FC236}">
+                <a16:creationId xmlns:a16="http://schemas.microsoft.com/office/drawing/2014/main" id="{E5A6B780-1FD7-324F-B7D0-257188A16FD4}"/>
+              </a:ext>
+            </a:extLst>
+          </p:cNvPr>
+          <p:cNvCxnSpPr>
+            <a:cxnSpLocks/>
+          </p:cNvCxnSpPr>
+          <p:nvPr/>
+        </p:nvCxnSpPr>
+        <p:spPr>
+          <a:xfrm>
+            <a:off x="3949000" y="2435083"/>
+            <a:ext cx="2586584" cy="0"/>
+          </a:xfrm>
+          <a:prstGeom prst="line">
+            <a:avLst/>
+          </a:prstGeom>
+        </p:spPr>
+        <p:style>
+          <a:lnRef idx="1">
+            <a:schemeClr val="accent1"/>
+          </a:lnRef>
+          <a:fillRef idx="0">
+            <a:schemeClr val="accent1"/>
+          </a:fillRef>
+          <a:effectRef idx="0">
+            <a:schemeClr val="accent1"/>
+          </a:effectRef>
+          <a:fontRef idx="minor">
+            <a:schemeClr val="tx1"/>
+          </a:fontRef>
+        </p:style>
+      </p:cxnSp>
+      <p:grpSp>
+        <p:nvGrpSpPr>
+          <p:cNvPr id="159" name="Group 158">
+            <a:extLst>
+              <a:ext uri="{FF2B5EF4-FFF2-40B4-BE49-F238E27FC236}">
+                <a16:creationId xmlns:a16="http://schemas.microsoft.com/office/drawing/2014/main" id="{1C5D6247-63AB-1646-A5FA-B13EADFA8741}"/>
+              </a:ext>
+            </a:extLst>
+          </p:cNvPr>
+          <p:cNvGrpSpPr/>
+          <p:nvPr/>
+        </p:nvGrpSpPr>
+        <p:grpSpPr>
+          <a:xfrm>
+            <a:off x="4604432" y="2599907"/>
+            <a:ext cx="1462839" cy="215444"/>
+            <a:chOff x="4816457" y="2631991"/>
+            <a:chExt cx="1462839" cy="215444"/>
+          </a:xfrm>
+        </p:grpSpPr>
+        <p:cxnSp>
+          <p:nvCxnSpPr>
+            <p:cNvPr id="149" name="Straight Connector 148">
+              <a:extLst>
+                <a:ext uri="{FF2B5EF4-FFF2-40B4-BE49-F238E27FC236}">
+                  <a16:creationId xmlns:a16="http://schemas.microsoft.com/office/drawing/2014/main" id="{4F42E30B-2745-7746-ABA7-7D88D4FE424D}"/>
+                </a:ext>
+              </a:extLst>
+            </p:cNvPr>
+            <p:cNvCxnSpPr>
+              <a:cxnSpLocks/>
+            </p:cNvCxnSpPr>
+            <p:nvPr/>
+          </p:nvCxnSpPr>
+          <p:spPr>
+            <a:xfrm>
+              <a:off x="4816457" y="2808667"/>
+              <a:ext cx="1462839" cy="0"/>
+            </a:xfrm>
+            <a:prstGeom prst="line">
+              <a:avLst/>
+            </a:prstGeom>
+          </p:spPr>
+          <p:style>
+            <a:lnRef idx="1">
+              <a:schemeClr val="accent1"/>
+            </a:lnRef>
+            <a:fillRef idx="0">
+              <a:schemeClr val="accent1"/>
+            </a:fillRef>
+            <a:effectRef idx="0">
+              <a:schemeClr val="accent1"/>
+            </a:effectRef>
+            <a:fontRef idx="minor">
+              <a:schemeClr val="tx1"/>
+            </a:fontRef>
+          </p:style>
+        </p:cxnSp>
+        <p:sp>
+          <p:nvSpPr>
+            <p:cNvPr id="151" name="TextBox 150">
+              <a:extLst>
+                <a:ext uri="{FF2B5EF4-FFF2-40B4-BE49-F238E27FC236}">
+                  <a16:creationId xmlns:a16="http://schemas.microsoft.com/office/drawing/2014/main" id="{F623F55D-9F43-5741-B5D2-881436C5DB7F}"/>
+                </a:ext>
+              </a:extLst>
+            </p:cNvPr>
+            <p:cNvSpPr txBox="1"/>
+            <p:nvPr/>
+          </p:nvSpPr>
+          <p:spPr>
+            <a:xfrm>
+              <a:off x="5001592" y="2631991"/>
+              <a:ext cx="1200990" cy="215444"/>
+            </a:xfrm>
+            <a:prstGeom prst="rect">
+              <a:avLst/>
+            </a:prstGeom>
+            <a:noFill/>
+          </p:spPr>
+          <p:txBody>
+            <a:bodyPr wrap="square" rtlCol="0">
+              <a:spAutoFit/>
+            </a:bodyPr>
+            <a:lstStyle/>
+            <a:p>
+              <a:r>
+                <a:rPr lang="en-US" sz="800" dirty="0"/>
+                <a:t>Shared-feature space</a:t>
+              </a:r>
+            </a:p>
+          </p:txBody>
+        </p:sp>
+      </p:grpSp>
+      <p:sp>
+        <p:nvSpPr>
+          <p:cNvPr id="152" name="TextBox 151">
+            <a:extLst>
+              <a:ext uri="{FF2B5EF4-FFF2-40B4-BE49-F238E27FC236}">
+                <a16:creationId xmlns:a16="http://schemas.microsoft.com/office/drawing/2014/main" id="{00307C7F-6C4B-4B4B-941B-EF62E7E5787A}"/>
+              </a:ext>
+            </a:extLst>
+          </p:cNvPr>
+          <p:cNvSpPr txBox="1"/>
+          <p:nvPr/>
+        </p:nvSpPr>
+        <p:spPr>
+          <a:xfrm>
+            <a:off x="4221664" y="2812788"/>
+            <a:ext cx="1033311" cy="215444"/>
+          </a:xfrm>
+          <a:prstGeom prst="rect">
+            <a:avLst/>
+          </a:prstGeom>
+          <a:noFill/>
+        </p:spPr>
+        <p:txBody>
+          <a:bodyPr wrap="square" rtlCol="0">
+            <a:spAutoFit/>
+          </a:bodyPr>
+          <a:lstStyle/>
+          <a:p>
+            <a:r>
+              <a:rPr lang="en-US" sz="800" dirty="0"/>
+              <a:t>Subject similarity</a:t>
+            </a:r>
+          </a:p>
+        </p:txBody>
+      </p:sp>
+      <p:sp>
+        <p:nvSpPr>
+          <p:cNvPr id="153" name="TextBox 152">
+            <a:extLst>
+              <a:ext uri="{FF2B5EF4-FFF2-40B4-BE49-F238E27FC236}">
+                <a16:creationId xmlns:a16="http://schemas.microsoft.com/office/drawing/2014/main" id="{F622A04C-359B-AB42-8ED6-AB167B5943F7}"/>
+              </a:ext>
+            </a:extLst>
+          </p:cNvPr>
+          <p:cNvSpPr txBox="1"/>
+          <p:nvPr/>
+        </p:nvSpPr>
+        <p:spPr>
+          <a:xfrm>
+            <a:off x="5779052" y="2812788"/>
+            <a:ext cx="1033311" cy="215444"/>
+          </a:xfrm>
+          <a:prstGeom prst="rect">
+            <a:avLst/>
+          </a:prstGeom>
+          <a:noFill/>
+        </p:spPr>
+        <p:txBody>
+          <a:bodyPr wrap="square" rtlCol="0">
+            <a:spAutoFit/>
+          </a:bodyPr>
+          <a:lstStyle/>
+          <a:p>
+            <a:r>
+              <a:rPr lang="en-US" sz="800" dirty="0"/>
+              <a:t>Cluster fit</a:t>
+            </a:r>
+          </a:p>
+        </p:txBody>
+      </p:sp>
+      <p:grpSp>
+        <p:nvGrpSpPr>
+          <p:cNvPr id="156" name="Group 155">
+            <a:extLst>
+              <a:ext uri="{FF2B5EF4-FFF2-40B4-BE49-F238E27FC236}">
+                <a16:creationId xmlns:a16="http://schemas.microsoft.com/office/drawing/2014/main" id="{81035290-0D42-AC4E-AD87-0A3CD3A3A0C7}"/>
+              </a:ext>
+            </a:extLst>
+          </p:cNvPr>
+          <p:cNvGrpSpPr/>
+          <p:nvPr/>
+        </p:nvGrpSpPr>
+        <p:grpSpPr>
+          <a:xfrm>
+            <a:off x="4691530" y="4258499"/>
+            <a:ext cx="1635004" cy="215444"/>
+            <a:chOff x="4968857" y="2774009"/>
+            <a:chExt cx="1635004" cy="215444"/>
+          </a:xfrm>
+        </p:grpSpPr>
+        <p:cxnSp>
+          <p:nvCxnSpPr>
+            <p:cNvPr id="154" name="Straight Connector 153">
+              <a:extLst>
+                <a:ext uri="{FF2B5EF4-FFF2-40B4-BE49-F238E27FC236}">
+                  <a16:creationId xmlns:a16="http://schemas.microsoft.com/office/drawing/2014/main" id="{5AF9110B-46E7-9942-A74E-F96DECE37268}"/>
+                </a:ext>
+              </a:extLst>
+            </p:cNvPr>
+            <p:cNvCxnSpPr>
+              <a:cxnSpLocks/>
+            </p:cNvCxnSpPr>
+            <p:nvPr/>
+          </p:nvCxnSpPr>
+          <p:spPr>
+            <a:xfrm>
+              <a:off x="4968857" y="2961067"/>
+              <a:ext cx="1462839" cy="0"/>
+            </a:xfrm>
+            <a:prstGeom prst="line">
+              <a:avLst/>
+            </a:prstGeom>
+          </p:spPr>
+          <p:style>
+            <a:lnRef idx="1">
+              <a:schemeClr val="accent1"/>
+            </a:lnRef>
+            <a:fillRef idx="0">
+              <a:schemeClr val="accent1"/>
+            </a:fillRef>
+            <a:effectRef idx="0">
+              <a:schemeClr val="accent1"/>
+            </a:effectRef>
+            <a:fontRef idx="minor">
+              <a:schemeClr val="tx1"/>
+            </a:fontRef>
+          </p:style>
+        </p:cxnSp>
+        <p:sp>
+          <p:nvSpPr>
+            <p:cNvPr id="155" name="TextBox 154">
+              <a:extLst>
+                <a:ext uri="{FF2B5EF4-FFF2-40B4-BE49-F238E27FC236}">
+                  <a16:creationId xmlns:a16="http://schemas.microsoft.com/office/drawing/2014/main" id="{252BCAED-8837-2141-8684-509AE0F893A7}"/>
+                </a:ext>
+              </a:extLst>
+            </p:cNvPr>
+            <p:cNvSpPr txBox="1"/>
+            <p:nvPr/>
+          </p:nvSpPr>
+          <p:spPr>
+            <a:xfrm>
+              <a:off x="5066894" y="2774009"/>
+              <a:ext cx="1536967" cy="215444"/>
+            </a:xfrm>
+            <a:prstGeom prst="rect">
+              <a:avLst/>
+            </a:prstGeom>
+            <a:noFill/>
+          </p:spPr>
+          <p:txBody>
+            <a:bodyPr wrap="square" rtlCol="0">
+              <a:spAutoFit/>
+            </a:bodyPr>
+            <a:lstStyle/>
+            <a:p>
+              <a:r>
+                <a:rPr lang="en-US" sz="800" dirty="0"/>
+                <a:t>ASD-specific feature space</a:t>
+              </a:r>
+            </a:p>
+          </p:txBody>
+        </p:sp>
+      </p:grpSp>
+      <p:grpSp>
+        <p:nvGrpSpPr>
+          <p:cNvPr id="170" name="Group 169">
+            <a:extLst>
+              <a:ext uri="{FF2B5EF4-FFF2-40B4-BE49-F238E27FC236}">
+                <a16:creationId xmlns:a16="http://schemas.microsoft.com/office/drawing/2014/main" id="{E32D81BD-6482-E742-9B3E-A3E9D6F3DD31}"/>
+              </a:ext>
+            </a:extLst>
+          </p:cNvPr>
+          <p:cNvGrpSpPr/>
+          <p:nvPr/>
+        </p:nvGrpSpPr>
+        <p:grpSpPr>
+          <a:xfrm>
+            <a:off x="4562895" y="5860999"/>
+            <a:ext cx="1544390" cy="215444"/>
+            <a:chOff x="4824007" y="6031100"/>
+            <a:chExt cx="1544390" cy="215444"/>
+          </a:xfrm>
+        </p:grpSpPr>
+        <p:cxnSp>
+          <p:nvCxnSpPr>
+            <p:cNvPr id="157" name="Straight Connector 156">
+              <a:extLst>
+                <a:ext uri="{FF2B5EF4-FFF2-40B4-BE49-F238E27FC236}">
+                  <a16:creationId xmlns:a16="http://schemas.microsoft.com/office/drawing/2014/main" id="{83914F85-171F-3A44-B719-604A4D4100E7}"/>
+                </a:ext>
+              </a:extLst>
+            </p:cNvPr>
+            <p:cNvCxnSpPr>
+              <a:cxnSpLocks/>
+            </p:cNvCxnSpPr>
+            <p:nvPr/>
+          </p:nvCxnSpPr>
+          <p:spPr>
+            <a:xfrm>
+              <a:off x="4824007" y="6224728"/>
+              <a:ext cx="1462839" cy="0"/>
+            </a:xfrm>
+            <a:prstGeom prst="line">
+              <a:avLst/>
+            </a:prstGeom>
+          </p:spPr>
+          <p:style>
+            <a:lnRef idx="1">
+              <a:schemeClr val="accent1"/>
+            </a:lnRef>
+            <a:fillRef idx="0">
+              <a:schemeClr val="accent1"/>
+            </a:fillRef>
+            <a:effectRef idx="0">
+              <a:schemeClr val="accent1"/>
+            </a:effectRef>
+            <a:fontRef idx="minor">
+              <a:schemeClr val="tx1"/>
+            </a:fontRef>
+          </p:style>
+        </p:cxnSp>
+        <p:sp>
+          <p:nvSpPr>
+            <p:cNvPr id="158" name="TextBox 157">
+              <a:extLst>
+                <a:ext uri="{FF2B5EF4-FFF2-40B4-BE49-F238E27FC236}">
+                  <a16:creationId xmlns:a16="http://schemas.microsoft.com/office/drawing/2014/main" id="{20C1796C-EF60-8B4A-A46C-42B45FE68042}"/>
+                </a:ext>
+              </a:extLst>
+            </p:cNvPr>
+            <p:cNvSpPr txBox="1"/>
+            <p:nvPr/>
+          </p:nvSpPr>
+          <p:spPr>
+            <a:xfrm>
+              <a:off x="5335086" y="6031100"/>
+              <a:ext cx="1033311" cy="215444"/>
+            </a:xfrm>
+            <a:prstGeom prst="rect">
+              <a:avLst/>
+            </a:prstGeom>
+            <a:noFill/>
+          </p:spPr>
+          <p:txBody>
+            <a:bodyPr wrap="square" rtlCol="0">
+              <a:spAutoFit/>
+            </a:bodyPr>
+            <a:lstStyle/>
+            <a:p>
+              <a:r>
+                <a:rPr lang="en-US" sz="800" dirty="0"/>
+                <a:t>VAE  space</a:t>
+              </a:r>
+            </a:p>
+          </p:txBody>
+        </p:sp>
+      </p:grpSp>
+      <p:sp>
+        <p:nvSpPr>
+          <p:cNvPr id="162" name="TextBox 161">
+            <a:extLst>
+              <a:ext uri="{FF2B5EF4-FFF2-40B4-BE49-F238E27FC236}">
+                <a16:creationId xmlns:a16="http://schemas.microsoft.com/office/drawing/2014/main" id="{5193754C-8FEE-7044-A738-45DBCAF702E2}"/>
+              </a:ext>
+            </a:extLst>
+          </p:cNvPr>
+          <p:cNvSpPr txBox="1"/>
+          <p:nvPr/>
+        </p:nvSpPr>
+        <p:spPr>
+          <a:xfrm>
+            <a:off x="5824689" y="4512856"/>
+            <a:ext cx="1033311" cy="215444"/>
+          </a:xfrm>
+          <a:prstGeom prst="rect">
+            <a:avLst/>
+          </a:prstGeom>
+          <a:noFill/>
+        </p:spPr>
+        <p:txBody>
+          <a:bodyPr wrap="square" rtlCol="0">
+            <a:spAutoFit/>
+          </a:bodyPr>
+          <a:lstStyle/>
+          <a:p>
+            <a:r>
+              <a:rPr lang="en-US" sz="800" dirty="0"/>
+              <a:t>Cluster fit</a:t>
+            </a:r>
+          </a:p>
+        </p:txBody>
+      </p:sp>
+      <p:sp>
+        <p:nvSpPr>
+          <p:cNvPr id="163" name="TextBox 162">
+            <a:extLst>
+              <a:ext uri="{FF2B5EF4-FFF2-40B4-BE49-F238E27FC236}">
+                <a16:creationId xmlns:a16="http://schemas.microsoft.com/office/drawing/2014/main" id="{2D0D5A96-DAC9-3E47-B2D9-2B4D1FD98DCA}"/>
+              </a:ext>
+            </a:extLst>
+          </p:cNvPr>
+          <p:cNvSpPr txBox="1"/>
+          <p:nvPr/>
+        </p:nvSpPr>
+        <p:spPr>
+          <a:xfrm>
+            <a:off x="4193357" y="4504786"/>
+            <a:ext cx="1033311" cy="215444"/>
+          </a:xfrm>
+          <a:prstGeom prst="rect">
+            <a:avLst/>
+          </a:prstGeom>
+          <a:noFill/>
+        </p:spPr>
+        <p:txBody>
+          <a:bodyPr wrap="square" rtlCol="0">
+            <a:spAutoFit/>
+          </a:bodyPr>
+          <a:lstStyle/>
+          <a:p>
+            <a:r>
+              <a:rPr lang="en-US" sz="800" dirty="0"/>
+              <a:t>Subject similarity</a:t>
+            </a:r>
+          </a:p>
+        </p:txBody>
+      </p:sp>
+      <p:sp>
+        <p:nvSpPr>
+          <p:cNvPr id="166" name="TextBox 165">
+            <a:extLst>
+              <a:ext uri="{FF2B5EF4-FFF2-40B4-BE49-F238E27FC236}">
+                <a16:creationId xmlns:a16="http://schemas.microsoft.com/office/drawing/2014/main" id="{9FCE5EE2-0726-6B48-BC3C-569949053B93}"/>
+              </a:ext>
+            </a:extLst>
+          </p:cNvPr>
+          <p:cNvSpPr txBox="1"/>
+          <p:nvPr/>
+        </p:nvSpPr>
+        <p:spPr>
+          <a:xfrm>
+            <a:off x="4211504" y="6092436"/>
+            <a:ext cx="1033311" cy="215444"/>
+          </a:xfrm>
+          <a:prstGeom prst="rect">
+            <a:avLst/>
+          </a:prstGeom>
+          <a:noFill/>
+        </p:spPr>
+        <p:txBody>
+          <a:bodyPr wrap="square" rtlCol="0">
+            <a:spAutoFit/>
+          </a:bodyPr>
+          <a:lstStyle/>
+          <a:p>
+            <a:r>
+              <a:rPr lang="en-US" sz="800" dirty="0"/>
+              <a:t>Subject similarity</a:t>
+            </a:r>
+          </a:p>
+        </p:txBody>
+      </p:sp>
+      <p:sp>
+        <p:nvSpPr>
+          <p:cNvPr id="168" name="TextBox 167">
+            <a:extLst>
+              <a:ext uri="{FF2B5EF4-FFF2-40B4-BE49-F238E27FC236}">
+                <a16:creationId xmlns:a16="http://schemas.microsoft.com/office/drawing/2014/main" id="{970F3871-F54A-174D-9E06-65CDE1B39084}"/>
+              </a:ext>
+            </a:extLst>
+          </p:cNvPr>
+          <p:cNvSpPr txBox="1"/>
+          <p:nvPr/>
+        </p:nvSpPr>
+        <p:spPr>
+          <a:xfrm>
+            <a:off x="5809879" y="6043252"/>
+            <a:ext cx="1033311" cy="215444"/>
+          </a:xfrm>
+          <a:prstGeom prst="rect">
+            <a:avLst/>
+          </a:prstGeom>
+          <a:noFill/>
+        </p:spPr>
+        <p:txBody>
+          <a:bodyPr wrap="square" rtlCol="0">
+            <a:spAutoFit/>
+          </a:bodyPr>
+          <a:lstStyle/>
+          <a:p>
+            <a:r>
+              <a:rPr lang="en-US" sz="800" dirty="0"/>
+              <a:t>Cluster fit</a:t>
+            </a:r>
+          </a:p>
+        </p:txBody>
+      </p:sp>
+      <p:grpSp>
+        <p:nvGrpSpPr>
+          <p:cNvPr id="186" name="Group 185">
+            <a:extLst>
+              <a:ext uri="{FF2B5EF4-FFF2-40B4-BE49-F238E27FC236}">
+                <a16:creationId xmlns:a16="http://schemas.microsoft.com/office/drawing/2014/main" id="{3FB53721-0556-AF42-A9CB-FB52931971B5}"/>
+              </a:ext>
+            </a:extLst>
+          </p:cNvPr>
+          <p:cNvGrpSpPr/>
+          <p:nvPr/>
+        </p:nvGrpSpPr>
+        <p:grpSpPr>
+          <a:xfrm>
+            <a:off x="1508464" y="3680443"/>
+            <a:ext cx="1087916" cy="1188292"/>
+            <a:chOff x="3941402" y="3615115"/>
+            <a:chExt cx="1087916" cy="1188292"/>
+          </a:xfrm>
+        </p:grpSpPr>
+        <p:pic>
+          <p:nvPicPr>
+            <p:cNvPr id="187" name="Picture 186">
+              <a:extLst>
+                <a:ext uri="{FF2B5EF4-FFF2-40B4-BE49-F238E27FC236}">
+                  <a16:creationId xmlns:a16="http://schemas.microsoft.com/office/drawing/2014/main" id="{114A17D4-87A2-A340-829E-2D619A9613BA}"/>
+                </a:ext>
+              </a:extLst>
+            </p:cNvPr>
+            <p:cNvPicPr>
+              <a:picLocks noChangeAspect="1"/>
+            </p:cNvPicPr>
+            <p:nvPr/>
+          </p:nvPicPr>
+          <p:blipFill rotWithShape="1">
+            <a:blip r:embed="rId10"/>
+            <a:srcRect l="28813" t="10307"/>
+            <a:stretch/>
+          </p:blipFill>
+          <p:spPr>
+            <a:xfrm>
+              <a:off x="4245963" y="3816402"/>
+              <a:ext cx="783355" cy="987005"/>
+            </a:xfrm>
+            <a:prstGeom prst="rect">
+              <a:avLst/>
+            </a:prstGeom>
+          </p:spPr>
+        </p:pic>
+        <p:sp>
+          <p:nvSpPr>
+            <p:cNvPr id="188" name="TextBox 187">
+              <a:extLst>
+                <a:ext uri="{FF2B5EF4-FFF2-40B4-BE49-F238E27FC236}">
+                  <a16:creationId xmlns:a16="http://schemas.microsoft.com/office/drawing/2014/main" id="{5ACDA977-7079-C443-9441-366A24E0C4F5}"/>
+                </a:ext>
+              </a:extLst>
+            </p:cNvPr>
+            <p:cNvSpPr txBox="1"/>
+            <p:nvPr/>
+          </p:nvSpPr>
+          <p:spPr>
+            <a:xfrm>
+              <a:off x="4420982" y="3615115"/>
+              <a:ext cx="410720" cy="215444"/>
+            </a:xfrm>
+            <a:prstGeom prst="rect">
+              <a:avLst/>
+            </a:prstGeom>
+            <a:solidFill>
+              <a:schemeClr val="bg1"/>
+            </a:solidFill>
+          </p:spPr>
+          <p:txBody>
+            <a:bodyPr wrap="square" rtlCol="0">
+              <a:spAutoFit/>
+            </a:bodyPr>
+            <a:lstStyle/>
+            <a:p>
+              <a:r>
+                <a:rPr lang="en-US" sz="800" b="1" dirty="0"/>
+                <a:t>Age</a:t>
+              </a:r>
+            </a:p>
+          </p:txBody>
+        </p:sp>
+        <p:grpSp>
+          <p:nvGrpSpPr>
+            <p:cNvPr id="189" name="Group 188">
+              <a:extLst>
+                <a:ext uri="{FF2B5EF4-FFF2-40B4-BE49-F238E27FC236}">
+                  <a16:creationId xmlns:a16="http://schemas.microsoft.com/office/drawing/2014/main" id="{7F76E253-F675-194C-8934-529D90EC7703}"/>
+                </a:ext>
+              </a:extLst>
+            </p:cNvPr>
+            <p:cNvGrpSpPr/>
+            <p:nvPr/>
+          </p:nvGrpSpPr>
+          <p:grpSpPr>
+            <a:xfrm>
+              <a:off x="4036058" y="3851280"/>
+              <a:ext cx="282450" cy="808518"/>
+              <a:chOff x="4036058" y="3851280"/>
+              <a:chExt cx="282450" cy="808518"/>
+            </a:xfrm>
+          </p:grpSpPr>
+          <p:sp>
+            <p:nvSpPr>
+              <p:cNvPr id="191" name="TextBox 190">
+                <a:extLst>
+                  <a:ext uri="{FF2B5EF4-FFF2-40B4-BE49-F238E27FC236}">
+                    <a16:creationId xmlns:a16="http://schemas.microsoft.com/office/drawing/2014/main" id="{8DD9D9AA-FA8A-F245-9995-3D9E34338868}"/>
+                  </a:ext>
+                </a:extLst>
+              </p:cNvPr>
+              <p:cNvSpPr txBox="1"/>
+              <p:nvPr/>
+            </p:nvSpPr>
+            <p:spPr>
+              <a:xfrm>
+                <a:off x="4095370" y="4475132"/>
+                <a:ext cx="223138" cy="184666"/>
+              </a:xfrm>
+              <a:prstGeom prst="rect">
+                <a:avLst/>
+              </a:prstGeom>
+              <a:noFill/>
+            </p:spPr>
+            <p:txBody>
+              <a:bodyPr wrap="none" rtlCol="0">
+                <a:spAutoFit/>
+              </a:bodyPr>
+              <a:lstStyle/>
+              <a:p>
+                <a:pPr algn="r"/>
+                <a:r>
+                  <a:rPr lang="en-US" sz="600" b="1" dirty="0"/>
+                  <a:t>0</a:t>
+                </a:r>
+              </a:p>
+            </p:txBody>
+          </p:sp>
+          <p:sp>
+            <p:nvSpPr>
+              <p:cNvPr id="192" name="TextBox 191">
+                <a:extLst>
+                  <a:ext uri="{FF2B5EF4-FFF2-40B4-BE49-F238E27FC236}">
+                    <a16:creationId xmlns:a16="http://schemas.microsoft.com/office/drawing/2014/main" id="{BD190B76-00F1-2043-B339-78771B968D74}"/>
+                  </a:ext>
+                </a:extLst>
+              </p:cNvPr>
+              <p:cNvSpPr txBox="1"/>
+              <p:nvPr/>
+            </p:nvSpPr>
+            <p:spPr>
+              <a:xfrm>
+                <a:off x="4036058" y="4268290"/>
+                <a:ext cx="282450" cy="184666"/>
+              </a:xfrm>
+              <a:prstGeom prst="rect">
+                <a:avLst/>
+              </a:prstGeom>
+              <a:noFill/>
+            </p:spPr>
+            <p:txBody>
+              <a:bodyPr wrap="none" rtlCol="0">
+                <a:spAutoFit/>
+              </a:bodyPr>
+              <a:lstStyle/>
+              <a:p>
+                <a:pPr algn="r"/>
+                <a:r>
+                  <a:rPr lang="en-US" sz="600" b="1" dirty="0"/>
+                  <a:t>.05</a:t>
+                </a:r>
+              </a:p>
+            </p:txBody>
+          </p:sp>
+          <p:sp>
+            <p:nvSpPr>
+              <p:cNvPr id="193" name="TextBox 192">
+                <a:extLst>
+                  <a:ext uri="{FF2B5EF4-FFF2-40B4-BE49-F238E27FC236}">
+                    <a16:creationId xmlns:a16="http://schemas.microsoft.com/office/drawing/2014/main" id="{C76B1449-39DF-9A48-9D1E-961AADA5CC61}"/>
+                  </a:ext>
+                </a:extLst>
+              </p:cNvPr>
+              <p:cNvSpPr txBox="1"/>
+              <p:nvPr/>
+            </p:nvSpPr>
+            <p:spPr>
+              <a:xfrm>
+                <a:off x="4074530" y="4052256"/>
+                <a:ext cx="243978" cy="184666"/>
+              </a:xfrm>
+              <a:prstGeom prst="rect">
+                <a:avLst/>
+              </a:prstGeom>
+              <a:noFill/>
+            </p:spPr>
+            <p:txBody>
+              <a:bodyPr wrap="none" rtlCol="0">
+                <a:spAutoFit/>
+              </a:bodyPr>
+              <a:lstStyle/>
+              <a:p>
+                <a:pPr algn="r"/>
+                <a:r>
+                  <a:rPr lang="en-US" sz="600" b="1" dirty="0"/>
+                  <a:t>.1</a:t>
+                </a:r>
+              </a:p>
+            </p:txBody>
+          </p:sp>
+          <p:sp>
+            <p:nvSpPr>
+              <p:cNvPr id="194" name="TextBox 193">
+                <a:extLst>
+                  <a:ext uri="{FF2B5EF4-FFF2-40B4-BE49-F238E27FC236}">
+                    <a16:creationId xmlns:a16="http://schemas.microsoft.com/office/drawing/2014/main" id="{CA1D677E-AEEA-E642-B730-7E8268089293}"/>
+                  </a:ext>
+                </a:extLst>
+              </p:cNvPr>
+              <p:cNvSpPr txBox="1"/>
+              <p:nvPr/>
+            </p:nvSpPr>
+            <p:spPr>
+              <a:xfrm>
+                <a:off x="4036058" y="3851280"/>
+                <a:ext cx="282450" cy="184666"/>
+              </a:xfrm>
+              <a:prstGeom prst="rect">
+                <a:avLst/>
+              </a:prstGeom>
+              <a:noFill/>
+            </p:spPr>
+            <p:txBody>
+              <a:bodyPr wrap="none" rtlCol="0">
+                <a:spAutoFit/>
+              </a:bodyPr>
+              <a:lstStyle/>
+              <a:p>
+                <a:pPr algn="r"/>
+                <a:r>
+                  <a:rPr lang="en-US" sz="600" b="1" dirty="0"/>
+                  <a:t>.15</a:t>
+                </a:r>
+              </a:p>
+            </p:txBody>
+          </p:sp>
+        </p:grpSp>
+        <p:sp>
+          <p:nvSpPr>
+            <p:cNvPr id="190" name="TextBox 189">
+              <a:extLst>
+                <a:ext uri="{FF2B5EF4-FFF2-40B4-BE49-F238E27FC236}">
+                  <a16:creationId xmlns:a16="http://schemas.microsoft.com/office/drawing/2014/main" id="{42CEEB8E-7A0F-A048-9FBE-15000CC88F9C}"/>
+                </a:ext>
+              </a:extLst>
+            </p:cNvPr>
+            <p:cNvSpPr txBox="1"/>
+            <p:nvPr/>
+          </p:nvSpPr>
+          <p:spPr>
+            <a:xfrm rot="16200000">
+              <a:off x="3746637" y="4182327"/>
+              <a:ext cx="574196" cy="184666"/>
+            </a:xfrm>
+            <a:prstGeom prst="rect">
+              <a:avLst/>
+            </a:prstGeom>
+            <a:noFill/>
+          </p:spPr>
+          <p:txBody>
+            <a:bodyPr wrap="none" rtlCol="0">
+              <a:spAutoFit/>
+            </a:bodyPr>
+            <a:lstStyle/>
+            <a:p>
+              <a:r>
+                <a:rPr lang="en-US" sz="600" b="1" dirty="0"/>
+                <a:t>Model fit (r)</a:t>
+              </a:r>
+            </a:p>
+          </p:txBody>
+        </p:sp>
+      </p:grpSp>
+      <p:sp>
+        <p:nvSpPr>
+          <p:cNvPr id="195" name="Rectangle 194">
+            <a:extLst>
+              <a:ext uri="{FF2B5EF4-FFF2-40B4-BE49-F238E27FC236}">
+                <a16:creationId xmlns:a16="http://schemas.microsoft.com/office/drawing/2014/main" id="{71564800-40DD-1D44-BE5A-461272B81681}"/>
+              </a:ext>
+            </a:extLst>
+          </p:cNvPr>
+          <p:cNvSpPr/>
+          <p:nvPr/>
+        </p:nvSpPr>
+        <p:spPr>
+          <a:xfrm>
+            <a:off x="199638" y="2444512"/>
+            <a:ext cx="52590" cy="2204129"/>
+          </a:xfrm>
+          <a:prstGeom prst="rect">
+            <a:avLst/>
+          </a:prstGeom>
+          <a:solidFill>
+            <a:schemeClr val="bg1"/>
+          </a:solidFill>
+          <a:ln>
+            <a:noFill/>
+          </a:ln>
+        </p:spPr>
+        <p:style>
+          <a:lnRef idx="2">
+            <a:schemeClr val="accent1">
+              <a:shade val="50000"/>
+            </a:schemeClr>
+          </a:lnRef>
+          <a:fillRef idx="1">
+            <a:schemeClr val="accent1"/>
+          </a:fillRef>
+          <a:effectRef idx="0">
+            <a:schemeClr val="accent1"/>
+          </a:effectRef>
+          <a:fontRef idx="minor">
+            <a:schemeClr val="lt1"/>
+          </a:fontRef>
+        </p:style>
+        <p:txBody>
+          <a:bodyPr rtlCol="0" anchor="ctr"/>
+          <a:lstStyle/>
+          <a:p>
+            <a:pPr algn="ctr"/>
+            <a:endParaRPr lang="en-US"/>
+          </a:p>
+        </p:txBody>
+      </p:sp>
+      <p:sp>
+        <p:nvSpPr>
+          <p:cNvPr id="197" name="Rectangle 196">
+            <a:extLst>
+              <a:ext uri="{FF2B5EF4-FFF2-40B4-BE49-F238E27FC236}">
+                <a16:creationId xmlns:a16="http://schemas.microsoft.com/office/drawing/2014/main" id="{FB1C151C-2115-844F-8815-F0B81F492A82}"/>
+              </a:ext>
+            </a:extLst>
+          </p:cNvPr>
+          <p:cNvSpPr/>
+          <p:nvPr/>
+        </p:nvSpPr>
+        <p:spPr>
+          <a:xfrm>
+            <a:off x="3267984" y="6496960"/>
+            <a:ext cx="186514" cy="82400"/>
+          </a:xfrm>
+          <a:prstGeom prst="rect">
+            <a:avLst/>
+          </a:prstGeom>
+          <a:solidFill>
+            <a:schemeClr val="bg1"/>
+          </a:solidFill>
+          <a:ln>
+            <a:noFill/>
+          </a:ln>
+        </p:spPr>
+        <p:style>
+          <a:lnRef idx="2">
+            <a:schemeClr val="accent1">
+              <a:shade val="50000"/>
+            </a:schemeClr>
+          </a:lnRef>
+          <a:fillRef idx="1">
+            <a:schemeClr val="accent1"/>
+          </a:fillRef>
+          <a:effectRef idx="0">
+            <a:schemeClr val="accent1"/>
+          </a:effectRef>
+          <a:fontRef idx="minor">
+            <a:schemeClr val="lt1"/>
+          </a:fontRef>
+        </p:style>
+        <p:txBody>
+          <a:bodyPr rtlCol="0" anchor="ctr"/>
+          <a:lstStyle/>
+          <a:p>
+            <a:pPr algn="ctr"/>
+            <a:endParaRPr lang="en-US"/>
+          </a:p>
+        </p:txBody>
+      </p:sp>
+      <p:pic>
+        <p:nvPicPr>
+          <p:cNvPr id="150" name="Picture 149">
+            <a:extLst>
+              <a:ext uri="{FF2B5EF4-FFF2-40B4-BE49-F238E27FC236}">
+                <a16:creationId xmlns:a16="http://schemas.microsoft.com/office/drawing/2014/main" id="{27E09788-004E-AF44-B3D5-1E97D8E6F429}"/>
+              </a:ext>
+            </a:extLst>
+          </p:cNvPr>
+          <p:cNvPicPr>
+            <a:picLocks noChangeAspect="1"/>
+          </p:cNvPicPr>
+          <p:nvPr/>
+        </p:nvPicPr>
+        <p:blipFill rotWithShape="1">
+          <a:blip r:embed="rId11"/>
+          <a:srcRect t="9431"/>
+          <a:stretch/>
+        </p:blipFill>
+        <p:spPr>
+          <a:xfrm>
+            <a:off x="5306093" y="4653238"/>
+            <a:ext cx="1221926" cy="1260780"/>
+          </a:xfrm>
+          <a:prstGeom prst="rect">
+            <a:avLst/>
+          </a:prstGeom>
+        </p:spPr>
+      </p:pic>
+      <p:pic>
+        <p:nvPicPr>
+          <p:cNvPr id="171" name="Picture 170">
+            <a:extLst>
+              <a:ext uri="{FF2B5EF4-FFF2-40B4-BE49-F238E27FC236}">
+                <a16:creationId xmlns:a16="http://schemas.microsoft.com/office/drawing/2014/main" id="{52274609-04E7-274D-83DD-E90165ADDBE2}"/>
+              </a:ext>
+            </a:extLst>
+          </p:cNvPr>
+          <p:cNvPicPr>
+            <a:picLocks noChangeAspect="1"/>
+          </p:cNvPicPr>
+          <p:nvPr/>
+        </p:nvPicPr>
+        <p:blipFill rotWithShape="1">
+          <a:blip r:embed="rId12"/>
+          <a:srcRect t="10964"/>
+          <a:stretch/>
+        </p:blipFill>
+        <p:spPr>
+          <a:xfrm>
+            <a:off x="5301633" y="6270071"/>
+            <a:ext cx="1214012" cy="1231409"/>
+          </a:xfrm>
+          <a:prstGeom prst="rect">
+            <a:avLst/>
+          </a:prstGeom>
+        </p:spPr>
+      </p:pic>
+      <p:pic>
+        <p:nvPicPr>
+          <p:cNvPr id="172" name="Picture 171">
+            <a:extLst>
+              <a:ext uri="{FF2B5EF4-FFF2-40B4-BE49-F238E27FC236}">
+                <a16:creationId xmlns:a16="http://schemas.microsoft.com/office/drawing/2014/main" id="{050F3996-A8F4-EE46-9865-2604038B1D93}"/>
+              </a:ext>
+            </a:extLst>
+          </p:cNvPr>
+          <p:cNvPicPr>
+            <a:picLocks noChangeAspect="1"/>
+          </p:cNvPicPr>
+          <p:nvPr/>
+        </p:nvPicPr>
+        <p:blipFill rotWithShape="1">
+          <a:blip r:embed="rId13"/>
+          <a:srcRect t="10791"/>
+          <a:stretch/>
+        </p:blipFill>
+        <p:spPr>
+          <a:xfrm>
+            <a:off x="5301633" y="2991204"/>
+            <a:ext cx="1221927" cy="1241854"/>
+          </a:xfrm>
+          <a:prstGeom prst="rect">
+            <a:avLst/>
+          </a:prstGeom>
+        </p:spPr>
+      </p:pic>
+      <p:cxnSp>
+        <p:nvCxnSpPr>
+          <p:cNvPr id="173" name="Straight Connector 172">
+            <a:extLst>
+              <a:ext uri="{FF2B5EF4-FFF2-40B4-BE49-F238E27FC236}">
+                <a16:creationId xmlns:a16="http://schemas.microsoft.com/office/drawing/2014/main" id="{10D62A06-7FA6-8D4E-91C1-452D1228A89F}"/>
+              </a:ext>
+            </a:extLst>
+          </p:cNvPr>
+          <p:cNvCxnSpPr>
+            <a:cxnSpLocks/>
+          </p:cNvCxnSpPr>
+          <p:nvPr/>
+        </p:nvCxnSpPr>
+        <p:spPr>
+          <a:xfrm>
+            <a:off x="7088710" y="1375153"/>
+            <a:ext cx="0" cy="7958210"/>
+          </a:xfrm>
+          <a:prstGeom prst="line">
+            <a:avLst/>
+          </a:prstGeom>
+        </p:spPr>
+        <p:style>
+          <a:lnRef idx="1">
+            <a:schemeClr val="accent1"/>
+          </a:lnRef>
+          <a:fillRef idx="0">
+            <a:schemeClr val="accent1"/>
+          </a:fillRef>
+          <a:effectRef idx="0">
+            <a:schemeClr val="accent1"/>
+          </a:effectRef>
+          <a:fontRef idx="minor">
+            <a:schemeClr val="tx1"/>
+          </a:fontRef>
+        </p:style>
+      </p:cxnSp>
+      <p:pic>
+        <p:nvPicPr>
+          <p:cNvPr id="174" name="Picture 173">
+            <a:extLst>
+              <a:ext uri="{FF2B5EF4-FFF2-40B4-BE49-F238E27FC236}">
+                <a16:creationId xmlns:a16="http://schemas.microsoft.com/office/drawing/2014/main" id="{5FC604F1-78B5-EE4B-9218-47A701616EEC}"/>
+              </a:ext>
+            </a:extLst>
+          </p:cNvPr>
+          <p:cNvPicPr>
+            <a:picLocks noChangeAspect="1"/>
+          </p:cNvPicPr>
+          <p:nvPr/>
+        </p:nvPicPr>
+        <p:blipFill rotWithShape="1">
+          <a:blip r:embed="rId14"/>
+          <a:srcRect l="7593" t="11425" r="64576" b="-5870"/>
+          <a:stretch/>
+        </p:blipFill>
+        <p:spPr>
+          <a:xfrm>
+            <a:off x="4038801" y="2991256"/>
+            <a:ext cx="1147477" cy="1297978"/>
+          </a:xfrm>
+          <a:prstGeom prst="rect">
+            <a:avLst/>
+          </a:prstGeom>
+        </p:spPr>
+      </p:pic>
+      <p:pic>
+        <p:nvPicPr>
+          <p:cNvPr id="175" name="Picture 174">
+            <a:extLst>
+              <a:ext uri="{FF2B5EF4-FFF2-40B4-BE49-F238E27FC236}">
+                <a16:creationId xmlns:a16="http://schemas.microsoft.com/office/drawing/2014/main" id="{27A0EADA-5909-C244-8025-1DF8174C910E}"/>
+              </a:ext>
+            </a:extLst>
+          </p:cNvPr>
+          <p:cNvPicPr>
+            <a:picLocks noChangeAspect="1"/>
+          </p:cNvPicPr>
+          <p:nvPr/>
+        </p:nvPicPr>
+        <p:blipFill rotWithShape="1">
+          <a:blip r:embed="rId14"/>
+          <a:srcRect l="35331" t="10717" r="37169" b="-3093"/>
+          <a:stretch/>
+        </p:blipFill>
+        <p:spPr>
+          <a:xfrm>
+            <a:off x="4041085" y="4685026"/>
+            <a:ext cx="1141883" cy="1278558"/>
+          </a:xfrm>
+          <a:prstGeom prst="rect">
+            <a:avLst/>
+          </a:prstGeom>
+        </p:spPr>
+      </p:pic>
+      <p:pic>
+        <p:nvPicPr>
+          <p:cNvPr id="176" name="Picture 175">
+            <a:extLst>
+              <a:ext uri="{FF2B5EF4-FFF2-40B4-BE49-F238E27FC236}">
+                <a16:creationId xmlns:a16="http://schemas.microsoft.com/office/drawing/2014/main" id="{ED779203-B77F-2749-8F8E-C04B8322550C}"/>
+              </a:ext>
+            </a:extLst>
+          </p:cNvPr>
+          <p:cNvPicPr>
+            <a:picLocks noChangeAspect="1"/>
+          </p:cNvPicPr>
+          <p:nvPr/>
+        </p:nvPicPr>
+        <p:blipFill rotWithShape="1">
+          <a:blip r:embed="rId14"/>
+          <a:srcRect l="63109" t="11147" r="9298"/>
+          <a:stretch/>
+        </p:blipFill>
+        <p:spPr>
+          <a:xfrm>
+            <a:off x="4070852" y="6277145"/>
+            <a:ext cx="1101119" cy="1181921"/>
+          </a:xfrm>
+          <a:prstGeom prst="rect">
+            <a:avLst/>
+          </a:prstGeom>
+        </p:spPr>
+      </p:pic>
+      <p:sp>
+        <p:nvSpPr>
+          <p:cNvPr id="7" name="TextBox 6">
+            <a:extLst>
+              <a:ext uri="{FF2B5EF4-FFF2-40B4-BE49-F238E27FC236}">
+                <a16:creationId xmlns:a16="http://schemas.microsoft.com/office/drawing/2014/main" id="{1E614BB7-E5A5-8B4C-BD6D-F5B64C785311}"/>
+              </a:ext>
+            </a:extLst>
+          </p:cNvPr>
+          <p:cNvSpPr txBox="1"/>
+          <p:nvPr/>
+        </p:nvSpPr>
+        <p:spPr>
+          <a:xfrm>
+            <a:off x="162409" y="4631991"/>
+            <a:ext cx="266420" cy="153888"/>
+          </a:xfrm>
+          <a:prstGeom prst="rect">
+            <a:avLst/>
+          </a:prstGeom>
+          <a:noFill/>
+        </p:spPr>
+        <p:txBody>
+          <a:bodyPr wrap="none" rtlCol="0">
+            <a:spAutoFit/>
+          </a:bodyPr>
+          <a:lstStyle/>
+          <a:p>
+            <a:r>
+              <a:rPr lang="en-US" sz="400" b="1" dirty="0"/>
+              <a:t>-0.2</a:t>
+            </a:r>
+          </a:p>
+        </p:txBody>
+      </p:sp>
+      <p:sp>
+        <p:nvSpPr>
+          <p:cNvPr id="145" name="TextBox 144">
+            <a:extLst>
+              <a:ext uri="{FF2B5EF4-FFF2-40B4-BE49-F238E27FC236}">
+                <a16:creationId xmlns:a16="http://schemas.microsoft.com/office/drawing/2014/main" id="{A31C8A34-C023-0741-81F3-833E41CE9117}"/>
+              </a:ext>
+            </a:extLst>
+          </p:cNvPr>
+          <p:cNvSpPr txBox="1"/>
+          <p:nvPr/>
+        </p:nvSpPr>
+        <p:spPr>
+          <a:xfrm>
+            <a:off x="386852" y="4631991"/>
+            <a:ext cx="266420" cy="153888"/>
+          </a:xfrm>
+          <a:prstGeom prst="rect">
+            <a:avLst/>
+          </a:prstGeom>
+          <a:noFill/>
+        </p:spPr>
+        <p:txBody>
+          <a:bodyPr wrap="none" rtlCol="0">
+            <a:spAutoFit/>
+          </a:bodyPr>
+          <a:lstStyle/>
+          <a:p>
+            <a:r>
+              <a:rPr lang="en-US" sz="400" b="1" dirty="0"/>
+              <a:t>-0.1</a:t>
+            </a:r>
+          </a:p>
+        </p:txBody>
+      </p:sp>
+      <p:sp>
+        <p:nvSpPr>
+          <p:cNvPr id="146" name="TextBox 145">
+            <a:extLst>
+              <a:ext uri="{FF2B5EF4-FFF2-40B4-BE49-F238E27FC236}">
+                <a16:creationId xmlns:a16="http://schemas.microsoft.com/office/drawing/2014/main" id="{D3FEAD97-D78E-B245-8C82-3572267B668C}"/>
+              </a:ext>
+            </a:extLst>
+          </p:cNvPr>
+          <p:cNvSpPr txBox="1"/>
+          <p:nvPr/>
+        </p:nvSpPr>
+        <p:spPr>
+          <a:xfrm>
+            <a:off x="634149" y="4631991"/>
+            <a:ext cx="250390" cy="153888"/>
+          </a:xfrm>
+          <a:prstGeom prst="rect">
+            <a:avLst/>
+          </a:prstGeom>
+          <a:noFill/>
+        </p:spPr>
+        <p:txBody>
+          <a:bodyPr wrap="none" rtlCol="0">
+            <a:spAutoFit/>
+          </a:bodyPr>
+          <a:lstStyle/>
+          <a:p>
+            <a:r>
+              <a:rPr lang="en-US" sz="400" b="1" dirty="0"/>
+              <a:t>0.0</a:t>
+            </a:r>
+          </a:p>
+        </p:txBody>
+      </p:sp>
+      <p:sp>
+        <p:nvSpPr>
+          <p:cNvPr id="147" name="TextBox 146">
+            <a:extLst>
+              <a:ext uri="{FF2B5EF4-FFF2-40B4-BE49-F238E27FC236}">
+                <a16:creationId xmlns:a16="http://schemas.microsoft.com/office/drawing/2014/main" id="{892124CC-16CE-F943-8C2E-68A74FBF0837}"/>
+              </a:ext>
+            </a:extLst>
+          </p:cNvPr>
+          <p:cNvSpPr txBox="1"/>
+          <p:nvPr/>
+        </p:nvSpPr>
+        <p:spPr>
+          <a:xfrm>
+            <a:off x="859574" y="4631991"/>
+            <a:ext cx="250390" cy="153888"/>
+          </a:xfrm>
+          <a:prstGeom prst="rect">
+            <a:avLst/>
+          </a:prstGeom>
+          <a:noFill/>
+        </p:spPr>
+        <p:txBody>
+          <a:bodyPr wrap="none" rtlCol="0">
+            <a:spAutoFit/>
+          </a:bodyPr>
+          <a:lstStyle/>
+          <a:p>
+            <a:r>
+              <a:rPr lang="en-US" sz="400" b="1" dirty="0"/>
+              <a:t>0.1</a:t>
+            </a:r>
+          </a:p>
+        </p:txBody>
+      </p:sp>
+      <p:sp>
+        <p:nvSpPr>
+          <p:cNvPr id="148" name="TextBox 147">
+            <a:extLst>
+              <a:ext uri="{FF2B5EF4-FFF2-40B4-BE49-F238E27FC236}">
+                <a16:creationId xmlns:a16="http://schemas.microsoft.com/office/drawing/2014/main" id="{BCDEFEDB-D076-934B-9BC7-0AF78BA9F24B}"/>
+              </a:ext>
+            </a:extLst>
+          </p:cNvPr>
+          <p:cNvSpPr txBox="1"/>
+          <p:nvPr/>
+        </p:nvSpPr>
+        <p:spPr>
+          <a:xfrm>
+            <a:off x="1087426" y="4631991"/>
+            <a:ext cx="250390" cy="153888"/>
+          </a:xfrm>
+          <a:prstGeom prst="rect">
+            <a:avLst/>
+          </a:prstGeom>
+          <a:noFill/>
+        </p:spPr>
+        <p:txBody>
+          <a:bodyPr wrap="none" rtlCol="0">
+            <a:spAutoFit/>
+          </a:bodyPr>
+          <a:lstStyle/>
+          <a:p>
+            <a:r>
+              <a:rPr lang="en-US" sz="400" b="1" dirty="0"/>
+              <a:t>0.2</a:t>
+            </a:r>
+          </a:p>
+        </p:txBody>
+      </p:sp>
+      <p:sp>
+        <p:nvSpPr>
+          <p:cNvPr id="161" name="TextBox 160">
+            <a:extLst>
+              <a:ext uri="{FF2B5EF4-FFF2-40B4-BE49-F238E27FC236}">
+                <a16:creationId xmlns:a16="http://schemas.microsoft.com/office/drawing/2014/main" id="{5AB48F9C-5ACA-3541-80EF-560500420E11}"/>
+              </a:ext>
+            </a:extLst>
+          </p:cNvPr>
+          <p:cNvSpPr txBox="1"/>
+          <p:nvPr/>
+        </p:nvSpPr>
+        <p:spPr>
+          <a:xfrm>
+            <a:off x="226523" y="7300624"/>
+            <a:ext cx="292068" cy="153888"/>
+          </a:xfrm>
+          <a:prstGeom prst="rect">
+            <a:avLst/>
+          </a:prstGeom>
+          <a:noFill/>
+        </p:spPr>
+        <p:txBody>
+          <a:bodyPr wrap="none" rtlCol="0">
+            <a:spAutoFit/>
+          </a:bodyPr>
+          <a:lstStyle/>
+          <a:p>
+            <a:r>
+              <a:rPr lang="en-US" sz="400" b="1" dirty="0"/>
+              <a:t>-0.15</a:t>
+            </a:r>
+          </a:p>
+        </p:txBody>
+      </p:sp>
+      <p:sp>
+        <p:nvSpPr>
+          <p:cNvPr id="164" name="TextBox 163">
+            <a:extLst>
+              <a:ext uri="{FF2B5EF4-FFF2-40B4-BE49-F238E27FC236}">
+                <a16:creationId xmlns:a16="http://schemas.microsoft.com/office/drawing/2014/main" id="{0F30D010-002D-DC4A-A3A0-24B4B2ED9739}"/>
+              </a:ext>
+            </a:extLst>
+          </p:cNvPr>
+          <p:cNvSpPr txBox="1"/>
+          <p:nvPr/>
+        </p:nvSpPr>
+        <p:spPr>
+          <a:xfrm>
+            <a:off x="406516" y="7300624"/>
+            <a:ext cx="292068" cy="153888"/>
+          </a:xfrm>
+          <a:prstGeom prst="rect">
+            <a:avLst/>
+          </a:prstGeom>
+          <a:noFill/>
+        </p:spPr>
+        <p:txBody>
+          <a:bodyPr wrap="none" rtlCol="0">
+            <a:spAutoFit/>
+          </a:bodyPr>
+          <a:lstStyle/>
+          <a:p>
+            <a:r>
+              <a:rPr lang="en-US" sz="400" b="1" dirty="0"/>
+              <a:t>-0.10</a:t>
+            </a:r>
+          </a:p>
+        </p:txBody>
+      </p:sp>
+      <p:sp>
+        <p:nvSpPr>
+          <p:cNvPr id="165" name="TextBox 164">
+            <a:extLst>
+              <a:ext uri="{FF2B5EF4-FFF2-40B4-BE49-F238E27FC236}">
+                <a16:creationId xmlns:a16="http://schemas.microsoft.com/office/drawing/2014/main" id="{00A24157-9BCA-CC46-952D-A1178C99A258}"/>
+              </a:ext>
+            </a:extLst>
+          </p:cNvPr>
+          <p:cNvSpPr txBox="1"/>
+          <p:nvPr/>
+        </p:nvSpPr>
+        <p:spPr>
+          <a:xfrm>
+            <a:off x="580788" y="7300624"/>
+            <a:ext cx="292068" cy="153888"/>
+          </a:xfrm>
+          <a:prstGeom prst="rect">
+            <a:avLst/>
+          </a:prstGeom>
+          <a:noFill/>
+        </p:spPr>
+        <p:txBody>
+          <a:bodyPr wrap="none" rtlCol="0">
+            <a:spAutoFit/>
+          </a:bodyPr>
+          <a:lstStyle/>
+          <a:p>
+            <a:r>
+              <a:rPr lang="en-US" sz="400" b="1" dirty="0"/>
+              <a:t>-0.05</a:t>
+            </a:r>
+          </a:p>
+        </p:txBody>
+      </p:sp>
+      <p:sp>
+        <p:nvSpPr>
+          <p:cNvPr id="167" name="TextBox 166">
+            <a:extLst>
+              <a:ext uri="{FF2B5EF4-FFF2-40B4-BE49-F238E27FC236}">
+                <a16:creationId xmlns:a16="http://schemas.microsoft.com/office/drawing/2014/main" id="{4CA4E731-097D-5C42-B2DA-04BEC75D5159}"/>
+              </a:ext>
+            </a:extLst>
+          </p:cNvPr>
+          <p:cNvSpPr txBox="1"/>
+          <p:nvPr/>
+        </p:nvSpPr>
+        <p:spPr>
+          <a:xfrm>
+            <a:off x="764938" y="7300624"/>
+            <a:ext cx="276038" cy="153888"/>
+          </a:xfrm>
+          <a:prstGeom prst="rect">
+            <a:avLst/>
+          </a:prstGeom>
+          <a:noFill/>
+        </p:spPr>
+        <p:txBody>
+          <a:bodyPr wrap="none" rtlCol="0">
+            <a:spAutoFit/>
+          </a:bodyPr>
+          <a:lstStyle/>
+          <a:p>
+            <a:r>
+              <a:rPr lang="en-US" sz="400" b="1" dirty="0"/>
+              <a:t>0.00</a:t>
+            </a:r>
+          </a:p>
+        </p:txBody>
+      </p:sp>
+      <p:sp>
+        <p:nvSpPr>
+          <p:cNvPr id="169" name="TextBox 168">
+            <a:extLst>
+              <a:ext uri="{FF2B5EF4-FFF2-40B4-BE49-F238E27FC236}">
+                <a16:creationId xmlns:a16="http://schemas.microsoft.com/office/drawing/2014/main" id="{DAFB72AD-38C0-7341-B51E-63F7FBFEA9FA}"/>
+              </a:ext>
+            </a:extLst>
+          </p:cNvPr>
+          <p:cNvSpPr txBox="1"/>
+          <p:nvPr/>
+        </p:nvSpPr>
+        <p:spPr>
+          <a:xfrm>
+            <a:off x="1113440" y="7300624"/>
+            <a:ext cx="276038" cy="153888"/>
+          </a:xfrm>
+          <a:prstGeom prst="rect">
+            <a:avLst/>
+          </a:prstGeom>
+          <a:noFill/>
+        </p:spPr>
+        <p:txBody>
+          <a:bodyPr wrap="none" rtlCol="0">
+            <a:spAutoFit/>
+          </a:bodyPr>
+          <a:lstStyle/>
+          <a:p>
+            <a:r>
+              <a:rPr lang="en-US" sz="400" b="1" dirty="0"/>
+              <a:t>0.10</a:t>
+            </a:r>
+          </a:p>
+        </p:txBody>
+      </p:sp>
+      <p:sp>
+        <p:nvSpPr>
+          <p:cNvPr id="177" name="TextBox 176">
+            <a:extLst>
+              <a:ext uri="{FF2B5EF4-FFF2-40B4-BE49-F238E27FC236}">
+                <a16:creationId xmlns:a16="http://schemas.microsoft.com/office/drawing/2014/main" id="{2DA01427-E955-504A-A884-12D943951BDC}"/>
+              </a:ext>
+            </a:extLst>
+          </p:cNvPr>
+          <p:cNvSpPr txBox="1"/>
+          <p:nvPr/>
+        </p:nvSpPr>
+        <p:spPr>
+          <a:xfrm>
+            <a:off x="942738" y="7300624"/>
+            <a:ext cx="276038" cy="153888"/>
+          </a:xfrm>
+          <a:prstGeom prst="rect">
+            <a:avLst/>
+          </a:prstGeom>
+          <a:noFill/>
+        </p:spPr>
+        <p:txBody>
+          <a:bodyPr wrap="none" rtlCol="0">
+            <a:spAutoFit/>
+          </a:bodyPr>
+          <a:lstStyle/>
+          <a:p>
+            <a:r>
+              <a:rPr lang="en-US" sz="400" b="1" dirty="0"/>
+              <a:t>0.05</a:t>
+            </a:r>
+          </a:p>
+        </p:txBody>
+      </p:sp>
+      <p:sp>
+        <p:nvSpPr>
+          <p:cNvPr id="178" name="TextBox 177">
+            <a:extLst>
+              <a:ext uri="{FF2B5EF4-FFF2-40B4-BE49-F238E27FC236}">
+                <a16:creationId xmlns:a16="http://schemas.microsoft.com/office/drawing/2014/main" id="{E1FD441A-1321-9845-B081-80C3C078C8F1}"/>
+              </a:ext>
+            </a:extLst>
+          </p:cNvPr>
+          <p:cNvSpPr txBox="1"/>
+          <p:nvPr/>
+        </p:nvSpPr>
+        <p:spPr>
+          <a:xfrm>
+            <a:off x="261299" y="7376743"/>
+            <a:ext cx="1095172" cy="153888"/>
+          </a:xfrm>
+          <a:prstGeom prst="rect">
+            <a:avLst/>
+          </a:prstGeom>
+          <a:noFill/>
+        </p:spPr>
+        <p:txBody>
+          <a:bodyPr wrap="none" rtlCol="0">
+            <a:spAutoFit/>
+          </a:bodyPr>
+          <a:lstStyle/>
+          <a:p>
+            <a:r>
+              <a:rPr lang="en-US" sz="400" b="1" dirty="0"/>
+              <a:t>Model fit difference (ASD-specific - Shared)</a:t>
+            </a:r>
+          </a:p>
+        </p:txBody>
+      </p:sp>
+      <p:grpSp>
+        <p:nvGrpSpPr>
+          <p:cNvPr id="12" name="Group 11">
+            <a:extLst>
+              <a:ext uri="{FF2B5EF4-FFF2-40B4-BE49-F238E27FC236}">
+                <a16:creationId xmlns:a16="http://schemas.microsoft.com/office/drawing/2014/main" id="{AC6A979F-AABB-6C46-8FE7-9B4567FD7AB8}"/>
+              </a:ext>
+            </a:extLst>
+          </p:cNvPr>
+          <p:cNvGrpSpPr/>
+          <p:nvPr/>
+        </p:nvGrpSpPr>
+        <p:grpSpPr>
+          <a:xfrm>
+            <a:off x="1501070" y="2511432"/>
+            <a:ext cx="1073900" cy="1212068"/>
+            <a:chOff x="1501070" y="2511432"/>
+            <a:chExt cx="1073900" cy="1212068"/>
+          </a:xfrm>
+        </p:grpSpPr>
+        <p:grpSp>
+          <p:nvGrpSpPr>
+            <p:cNvPr id="110" name="Group 109">
+              <a:extLst>
+                <a:ext uri="{FF2B5EF4-FFF2-40B4-BE49-F238E27FC236}">
+                  <a16:creationId xmlns:a16="http://schemas.microsoft.com/office/drawing/2014/main" id="{5B209358-11AA-B048-BA9C-9CC0166AF324}"/>
+                </a:ext>
+              </a:extLst>
+            </p:cNvPr>
+            <p:cNvGrpSpPr/>
+            <p:nvPr/>
+          </p:nvGrpSpPr>
+          <p:grpSpPr>
+            <a:xfrm>
+              <a:off x="1501070" y="2511432"/>
+              <a:ext cx="1073900" cy="1212068"/>
+              <a:chOff x="3934008" y="2494230"/>
+              <a:chExt cx="1073900" cy="1212068"/>
+            </a:xfrm>
+          </p:grpSpPr>
+          <p:pic>
+            <p:nvPicPr>
+              <p:cNvPr id="2" name="Picture 1">
+                <a:extLst>
+                  <a:ext uri="{FF2B5EF4-FFF2-40B4-BE49-F238E27FC236}">
+                    <a16:creationId xmlns:a16="http://schemas.microsoft.com/office/drawing/2014/main" id="{668CB729-195C-6E4B-9D93-CDF8EB8AC0A5}"/>
+                  </a:ext>
+                </a:extLst>
+              </p:cNvPr>
+              <p:cNvPicPr>
+                <a:picLocks noChangeAspect="1"/>
+              </p:cNvPicPr>
+              <p:nvPr/>
+            </p:nvPicPr>
+            <p:blipFill rotWithShape="1">
+              <a:blip r:embed="rId15"/>
+              <a:srcRect l="29397" t="11116"/>
+              <a:stretch/>
+            </p:blipFill>
+            <p:spPr>
+              <a:xfrm>
+                <a:off x="4230973" y="2728210"/>
+                <a:ext cx="776935" cy="978088"/>
+              </a:xfrm>
+              <a:prstGeom prst="rect">
+                <a:avLst/>
+              </a:prstGeom>
+            </p:spPr>
+          </p:pic>
+          <p:sp>
+            <p:nvSpPr>
+              <p:cNvPr id="19" name="TextBox 18">
+                <a:extLst>
+                  <a:ext uri="{FF2B5EF4-FFF2-40B4-BE49-F238E27FC236}">
+                    <a16:creationId xmlns:a16="http://schemas.microsoft.com/office/drawing/2014/main" id="{D8B5A775-5508-DA41-84DD-914013FC5CC9}"/>
+                  </a:ext>
+                </a:extLst>
+              </p:cNvPr>
+              <p:cNvSpPr txBox="1"/>
+              <p:nvPr/>
+            </p:nvSpPr>
+            <p:spPr>
+              <a:xfrm>
+                <a:off x="4277898" y="2494230"/>
+                <a:ext cx="652743" cy="215444"/>
+              </a:xfrm>
+              <a:prstGeom prst="rect">
+                <a:avLst/>
+              </a:prstGeom>
+              <a:noFill/>
+            </p:spPr>
+            <p:txBody>
+              <a:bodyPr wrap="none" rtlCol="0">
+                <a:spAutoFit/>
+              </a:bodyPr>
+              <a:lstStyle/>
+              <a:p>
+                <a:r>
+                  <a:rPr lang="en-US" sz="800" b="1" dirty="0"/>
+                  <a:t>ADOS total</a:t>
+                </a:r>
+              </a:p>
+            </p:txBody>
+          </p:sp>
+          <p:grpSp>
+            <p:nvGrpSpPr>
+              <p:cNvPr id="59" name="Group 58">
+                <a:extLst>
+                  <a:ext uri="{FF2B5EF4-FFF2-40B4-BE49-F238E27FC236}">
+                    <a16:creationId xmlns:a16="http://schemas.microsoft.com/office/drawing/2014/main" id="{62B6BBB1-579F-C94C-9091-1B7E337CC964}"/>
+                  </a:ext>
+                </a:extLst>
+              </p:cNvPr>
+              <p:cNvGrpSpPr/>
+              <p:nvPr/>
+            </p:nvGrpSpPr>
+            <p:grpSpPr>
+              <a:xfrm>
+                <a:off x="4012014" y="2791465"/>
+                <a:ext cx="306494" cy="803464"/>
+                <a:chOff x="4012014" y="2791465"/>
+                <a:chExt cx="306494" cy="803464"/>
+              </a:xfrm>
+            </p:grpSpPr>
+            <p:sp>
+              <p:nvSpPr>
+                <p:cNvPr id="60" name="TextBox 59">
+                  <a:extLst>
+                    <a:ext uri="{FF2B5EF4-FFF2-40B4-BE49-F238E27FC236}">
+                      <a16:creationId xmlns:a16="http://schemas.microsoft.com/office/drawing/2014/main" id="{C3099FC1-2F4C-B548-B99C-47C0CE7B51FA}"/>
+                    </a:ext>
+                  </a:extLst>
+                </p:cNvPr>
+                <p:cNvSpPr txBox="1"/>
+                <p:nvPr/>
+              </p:nvSpPr>
+              <p:spPr>
+                <a:xfrm>
+                  <a:off x="4012014" y="3410263"/>
+                  <a:ext cx="306494" cy="184666"/>
+                </a:xfrm>
+                <a:prstGeom prst="rect">
+                  <a:avLst/>
+                </a:prstGeom>
+                <a:noFill/>
+              </p:spPr>
+              <p:txBody>
+                <a:bodyPr wrap="none" rtlCol="0">
+                  <a:spAutoFit/>
+                </a:bodyPr>
+                <a:lstStyle/>
+                <a:p>
+                  <a:r>
+                    <a:rPr lang="en-US" sz="600" b="1" dirty="0"/>
+                    <a:t>-.04</a:t>
+                  </a:r>
+                </a:p>
+              </p:txBody>
+            </p:sp>
+            <p:sp>
+              <p:nvSpPr>
+                <p:cNvPr id="61" name="TextBox 60">
+                  <a:extLst>
+                    <a:ext uri="{FF2B5EF4-FFF2-40B4-BE49-F238E27FC236}">
+                      <a16:creationId xmlns:a16="http://schemas.microsoft.com/office/drawing/2014/main" id="{356AC229-12FE-634A-B952-4A6C20A19B7F}"/>
+                    </a:ext>
+                  </a:extLst>
+                </p:cNvPr>
+                <p:cNvSpPr txBox="1"/>
+                <p:nvPr/>
+              </p:nvSpPr>
+              <p:spPr>
+                <a:xfrm>
+                  <a:off x="4013616" y="3256771"/>
+                  <a:ext cx="304892" cy="184666"/>
+                </a:xfrm>
+                <a:prstGeom prst="rect">
+                  <a:avLst/>
+                </a:prstGeom>
+                <a:noFill/>
+              </p:spPr>
+              <p:txBody>
+                <a:bodyPr wrap="none" rtlCol="0">
+                  <a:spAutoFit/>
+                </a:bodyPr>
+                <a:lstStyle/>
+                <a:p>
+                  <a:r>
+                    <a:rPr lang="en-US" sz="600" b="1" dirty="0"/>
+                    <a:t>-.02</a:t>
+                  </a:r>
+                </a:p>
+              </p:txBody>
+            </p:sp>
+            <p:sp>
+              <p:nvSpPr>
+                <p:cNvPr id="62" name="TextBox 61">
+                  <a:extLst>
+                    <a:ext uri="{FF2B5EF4-FFF2-40B4-BE49-F238E27FC236}">
+                      <a16:creationId xmlns:a16="http://schemas.microsoft.com/office/drawing/2014/main" id="{EFE00909-3B6B-3A41-984C-43C00C2EFA6B}"/>
+                    </a:ext>
+                  </a:extLst>
+                </p:cNvPr>
+                <p:cNvSpPr txBox="1"/>
+                <p:nvPr/>
+              </p:nvSpPr>
+              <p:spPr>
+                <a:xfrm>
+                  <a:off x="4095370" y="3102389"/>
+                  <a:ext cx="223138" cy="184666"/>
+                </a:xfrm>
+                <a:prstGeom prst="rect">
+                  <a:avLst/>
+                </a:prstGeom>
+                <a:noFill/>
+              </p:spPr>
+              <p:txBody>
+                <a:bodyPr wrap="none" rtlCol="0">
+                  <a:spAutoFit/>
+                </a:bodyPr>
+                <a:lstStyle/>
+                <a:p>
+                  <a:r>
+                    <a:rPr lang="en-US" sz="600" b="1" dirty="0"/>
+                    <a:t>0</a:t>
+                  </a:r>
+                </a:p>
+              </p:txBody>
+            </p:sp>
+            <p:sp>
+              <p:nvSpPr>
+                <p:cNvPr id="63" name="TextBox 62">
+                  <a:extLst>
+                    <a:ext uri="{FF2B5EF4-FFF2-40B4-BE49-F238E27FC236}">
+                      <a16:creationId xmlns:a16="http://schemas.microsoft.com/office/drawing/2014/main" id="{1F3D49A3-756D-4B4C-9A61-689DBAD569AC}"/>
+                    </a:ext>
+                  </a:extLst>
+                </p:cNvPr>
+                <p:cNvSpPr txBox="1"/>
+                <p:nvPr/>
+              </p:nvSpPr>
+              <p:spPr>
+                <a:xfrm>
+                  <a:off x="4036058" y="2943397"/>
+                  <a:ext cx="282450" cy="184666"/>
+                </a:xfrm>
+                <a:prstGeom prst="rect">
+                  <a:avLst/>
+                </a:prstGeom>
+                <a:noFill/>
+              </p:spPr>
+              <p:txBody>
+                <a:bodyPr wrap="none" rtlCol="0">
+                  <a:spAutoFit/>
+                </a:bodyPr>
+                <a:lstStyle/>
+                <a:p>
+                  <a:r>
+                    <a:rPr lang="en-US" sz="600" b="1" dirty="0"/>
+                    <a:t>.02</a:t>
+                  </a:r>
+                </a:p>
+              </p:txBody>
+            </p:sp>
+            <p:sp>
+              <p:nvSpPr>
+                <p:cNvPr id="64" name="TextBox 63">
+                  <a:extLst>
+                    <a:ext uri="{FF2B5EF4-FFF2-40B4-BE49-F238E27FC236}">
+                      <a16:creationId xmlns:a16="http://schemas.microsoft.com/office/drawing/2014/main" id="{0878982E-6CB2-E744-8FFC-DF5EBF0DE114}"/>
+                    </a:ext>
+                  </a:extLst>
+                </p:cNvPr>
+                <p:cNvSpPr txBox="1"/>
+                <p:nvPr/>
+              </p:nvSpPr>
+              <p:spPr>
+                <a:xfrm>
+                  <a:off x="4036058" y="2791465"/>
+                  <a:ext cx="282450" cy="184666"/>
+                </a:xfrm>
+                <a:prstGeom prst="rect">
+                  <a:avLst/>
+                </a:prstGeom>
+                <a:noFill/>
+              </p:spPr>
+              <p:txBody>
+                <a:bodyPr wrap="none" rtlCol="0">
+                  <a:spAutoFit/>
+                </a:bodyPr>
+                <a:lstStyle/>
+                <a:p>
+                  <a:r>
+                    <a:rPr lang="en-US" sz="600" b="1" dirty="0"/>
+                    <a:t>.04</a:t>
+                  </a:r>
+                </a:p>
+              </p:txBody>
+            </p:sp>
+          </p:grpSp>
+          <p:sp>
+            <p:nvSpPr>
+              <p:cNvPr id="106" name="TextBox 105">
+                <a:extLst>
+                  <a:ext uri="{FF2B5EF4-FFF2-40B4-BE49-F238E27FC236}">
+                    <a16:creationId xmlns:a16="http://schemas.microsoft.com/office/drawing/2014/main" id="{D706D84F-E818-9B42-9530-D35B16B98835}"/>
+                  </a:ext>
+                </a:extLst>
+              </p:cNvPr>
+              <p:cNvSpPr txBox="1"/>
+              <p:nvPr/>
+            </p:nvSpPr>
+            <p:spPr>
+              <a:xfrm rot="16200000">
+                <a:off x="3739243" y="3056878"/>
+                <a:ext cx="574196" cy="184666"/>
+              </a:xfrm>
+              <a:prstGeom prst="rect">
+                <a:avLst/>
+              </a:prstGeom>
+              <a:noFill/>
+            </p:spPr>
+            <p:txBody>
+              <a:bodyPr wrap="none" rtlCol="0">
+                <a:spAutoFit/>
+              </a:bodyPr>
+              <a:lstStyle/>
+              <a:p>
+                <a:r>
+                  <a:rPr lang="en-US" sz="600" b="1" dirty="0"/>
+                  <a:t>Model fit (r)</a:t>
+                </a:r>
+              </a:p>
+            </p:txBody>
+          </p:sp>
+        </p:grpSp>
+        <p:sp>
+          <p:nvSpPr>
+            <p:cNvPr id="11" name="Rectangle 10">
+              <a:extLst>
+                <a:ext uri="{FF2B5EF4-FFF2-40B4-BE49-F238E27FC236}">
+                  <a16:creationId xmlns:a16="http://schemas.microsoft.com/office/drawing/2014/main" id="{285E9FDD-341D-DA4B-BA96-D58865272AE0}"/>
+                </a:ext>
+              </a:extLst>
+            </p:cNvPr>
+            <p:cNvSpPr/>
+            <p:nvPr/>
+          </p:nvSpPr>
+          <p:spPr>
+            <a:xfrm>
+              <a:off x="1813025" y="3552798"/>
+              <a:ext cx="716931" cy="165144"/>
+            </a:xfrm>
+            <a:prstGeom prst="rect">
+              <a:avLst/>
+            </a:prstGeom>
+            <a:solidFill>
+              <a:schemeClr val="bg1"/>
+            </a:solidFill>
+            <a:ln>
+              <a:noFill/>
+            </a:ln>
+          </p:spPr>
+          <p:style>
+            <a:lnRef idx="2">
+              <a:schemeClr val="accent1">
+                <a:shade val="50000"/>
+              </a:schemeClr>
+            </a:lnRef>
+            <a:fillRef idx="1">
+              <a:schemeClr val="accent1"/>
+            </a:fillRef>
+            <a:effectRef idx="0">
+              <a:schemeClr val="accent1"/>
+            </a:effectRef>
+            <a:fontRef idx="minor">
+              <a:schemeClr val="lt1"/>
+            </a:fontRef>
+          </p:style>
+          <p:txBody>
+            <a:bodyPr rtlCol="0" anchor="ctr"/>
+            <a:lstStyle/>
+            <a:p>
+              <a:pPr algn="ctr"/>
+              <a:endParaRPr lang="en-US"/>
+            </a:p>
+          </p:txBody>
+        </p:sp>
+      </p:grpSp>
+      <p:sp>
+        <p:nvSpPr>
+          <p:cNvPr id="13" name="TextBox 12">
+            <a:extLst>
+              <a:ext uri="{FF2B5EF4-FFF2-40B4-BE49-F238E27FC236}">
+                <a16:creationId xmlns:a16="http://schemas.microsoft.com/office/drawing/2014/main" id="{1CDEBABB-70E7-A143-B904-7F8E1503D04F}"/>
+              </a:ext>
+            </a:extLst>
+          </p:cNvPr>
+          <p:cNvSpPr txBox="1"/>
+          <p:nvPr/>
+        </p:nvSpPr>
+        <p:spPr>
+          <a:xfrm>
+            <a:off x="2250173" y="3508844"/>
+            <a:ext cx="316112" cy="246221"/>
+          </a:xfrm>
+          <a:prstGeom prst="rect">
+            <a:avLst/>
+          </a:prstGeom>
+          <a:noFill/>
+        </p:spPr>
+        <p:txBody>
+          <a:bodyPr wrap="none" rtlCol="0">
+            <a:spAutoFit/>
+          </a:bodyPr>
+          <a:lstStyle/>
+          <a:p>
+            <a:pPr algn="ctr"/>
+            <a:r>
+              <a:rPr lang="en-US" sz="600" b="1" dirty="0"/>
+              <a:t>ASD</a:t>
+            </a:r>
+          </a:p>
+          <a:p>
+            <a:pPr algn="ctr"/>
+            <a:r>
+              <a:rPr lang="en-US" sz="400" b="1" dirty="0"/>
+              <a:t>(***)</a:t>
+            </a:r>
+          </a:p>
+        </p:txBody>
+      </p:sp>
+      <p:sp>
+        <p:nvSpPr>
+          <p:cNvPr id="179" name="TextBox 178">
+            <a:extLst>
+              <a:ext uri="{FF2B5EF4-FFF2-40B4-BE49-F238E27FC236}">
+                <a16:creationId xmlns:a16="http://schemas.microsoft.com/office/drawing/2014/main" id="{C8BE85A1-D583-9649-974D-55E32D7189FB}"/>
+              </a:ext>
+            </a:extLst>
+          </p:cNvPr>
+          <p:cNvSpPr txBox="1"/>
+          <p:nvPr/>
+        </p:nvSpPr>
+        <p:spPr>
+          <a:xfrm>
+            <a:off x="1983083" y="3512154"/>
+            <a:ext cx="409086" cy="246221"/>
+          </a:xfrm>
+          <a:prstGeom prst="rect">
+            <a:avLst/>
+          </a:prstGeom>
+          <a:noFill/>
+        </p:spPr>
+        <p:txBody>
+          <a:bodyPr wrap="none" rtlCol="0">
+            <a:spAutoFit/>
+          </a:bodyPr>
+          <a:lstStyle/>
+          <a:p>
+            <a:pPr algn="ctr"/>
+            <a:r>
+              <a:rPr lang="en-US" sz="600" b="1" dirty="0"/>
+              <a:t>Shared</a:t>
+            </a:r>
+          </a:p>
+          <a:p>
+            <a:pPr algn="ctr"/>
+            <a:r>
+              <a:rPr lang="en-US" sz="400" b="1" dirty="0"/>
+              <a:t>(</a:t>
+            </a:r>
+            <a:r>
+              <a:rPr lang="en-US" sz="400" b="1" dirty="0" err="1"/>
+              <a:t>n.s</a:t>
+            </a:r>
+            <a:r>
+              <a:rPr lang="en-US" sz="400" b="1" dirty="0"/>
+              <a:t>.)</a:t>
+            </a:r>
+          </a:p>
+        </p:txBody>
+      </p:sp>
+      <p:sp>
+        <p:nvSpPr>
+          <p:cNvPr id="180" name="TextBox 179">
+            <a:extLst>
+              <a:ext uri="{FF2B5EF4-FFF2-40B4-BE49-F238E27FC236}">
+                <a16:creationId xmlns:a16="http://schemas.microsoft.com/office/drawing/2014/main" id="{C48F8E19-6D78-3F4D-8A39-9F66695F9204}"/>
+              </a:ext>
+            </a:extLst>
+          </p:cNvPr>
+          <p:cNvSpPr txBox="1"/>
+          <p:nvPr/>
+        </p:nvSpPr>
+        <p:spPr>
+          <a:xfrm>
+            <a:off x="1783618" y="3512155"/>
+            <a:ext cx="312906" cy="246221"/>
+          </a:xfrm>
+          <a:prstGeom prst="rect">
+            <a:avLst/>
+          </a:prstGeom>
+          <a:noFill/>
+        </p:spPr>
+        <p:txBody>
+          <a:bodyPr wrap="none" rtlCol="0">
+            <a:spAutoFit/>
+          </a:bodyPr>
+          <a:lstStyle/>
+          <a:p>
+            <a:pPr algn="ctr"/>
+            <a:r>
+              <a:rPr lang="en-US" sz="600" b="1" dirty="0"/>
+              <a:t>VAE</a:t>
+            </a:r>
+          </a:p>
+          <a:p>
+            <a:pPr algn="ctr"/>
+            <a:r>
+              <a:rPr lang="en-US" sz="400" b="1" dirty="0"/>
+              <a:t>(</a:t>
+            </a:r>
+            <a:r>
+              <a:rPr lang="en-US" sz="400" b="1" dirty="0" err="1"/>
+              <a:t>n.s</a:t>
+            </a:r>
+            <a:r>
+              <a:rPr lang="en-US" sz="400" b="1" dirty="0"/>
+              <a:t>.)</a:t>
+            </a:r>
+          </a:p>
+        </p:txBody>
+      </p:sp>
+      <p:sp>
+        <p:nvSpPr>
+          <p:cNvPr id="14" name="Rectangle 13">
+            <a:extLst>
+              <a:ext uri="{FF2B5EF4-FFF2-40B4-BE49-F238E27FC236}">
+                <a16:creationId xmlns:a16="http://schemas.microsoft.com/office/drawing/2014/main" id="{3B7C6E6E-4506-CF41-A4A4-2D235B110145}"/>
+              </a:ext>
+            </a:extLst>
+          </p:cNvPr>
+          <p:cNvSpPr/>
+          <p:nvPr/>
+        </p:nvSpPr>
+        <p:spPr>
+          <a:xfrm>
+            <a:off x="3027107" y="3535327"/>
+            <a:ext cx="730539" cy="194638"/>
+          </a:xfrm>
+          <a:prstGeom prst="rect">
+            <a:avLst/>
+          </a:prstGeom>
+          <a:solidFill>
+            <a:schemeClr val="bg1"/>
+          </a:solidFill>
+          <a:ln>
+            <a:noFill/>
+          </a:ln>
+        </p:spPr>
+        <p:style>
+          <a:lnRef idx="2">
+            <a:schemeClr val="accent1">
+              <a:shade val="50000"/>
+            </a:schemeClr>
+          </a:lnRef>
+          <a:fillRef idx="1">
+            <a:schemeClr val="accent1"/>
+          </a:fillRef>
+          <a:effectRef idx="0">
+            <a:schemeClr val="accent1"/>
+          </a:effectRef>
+          <a:fontRef idx="minor">
+            <a:schemeClr val="lt1"/>
+          </a:fontRef>
+        </p:style>
+        <p:txBody>
+          <a:bodyPr rtlCol="0" anchor="ctr"/>
+          <a:lstStyle/>
+          <a:p>
+            <a:pPr algn="ctr"/>
+            <a:endParaRPr lang="en-US"/>
+          </a:p>
+        </p:txBody>
+      </p:sp>
+      <p:sp>
+        <p:nvSpPr>
+          <p:cNvPr id="181" name="Rectangle 180">
+            <a:extLst>
+              <a:ext uri="{FF2B5EF4-FFF2-40B4-BE49-F238E27FC236}">
+                <a16:creationId xmlns:a16="http://schemas.microsoft.com/office/drawing/2014/main" id="{13821D5D-26B7-D343-909A-CACA3979BED5}"/>
+              </a:ext>
+            </a:extLst>
+          </p:cNvPr>
+          <p:cNvSpPr/>
+          <p:nvPr/>
+        </p:nvSpPr>
+        <p:spPr>
+          <a:xfrm>
+            <a:off x="3023181" y="4697582"/>
+            <a:ext cx="730539" cy="194638"/>
+          </a:xfrm>
+          <a:prstGeom prst="rect">
+            <a:avLst/>
+          </a:prstGeom>
+          <a:solidFill>
+            <a:schemeClr val="bg1"/>
+          </a:solidFill>
+          <a:ln>
+            <a:noFill/>
+          </a:ln>
+        </p:spPr>
+        <p:style>
+          <a:lnRef idx="2">
+            <a:schemeClr val="accent1">
+              <a:shade val="50000"/>
+            </a:schemeClr>
+          </a:lnRef>
+          <a:fillRef idx="1">
+            <a:schemeClr val="accent1"/>
+          </a:fillRef>
+          <a:effectRef idx="0">
+            <a:schemeClr val="accent1"/>
+          </a:effectRef>
+          <a:fontRef idx="minor">
+            <a:schemeClr val="lt1"/>
+          </a:fontRef>
+        </p:style>
+        <p:txBody>
+          <a:bodyPr rtlCol="0" anchor="ctr"/>
+          <a:lstStyle/>
+          <a:p>
+            <a:pPr algn="ctr"/>
+            <a:endParaRPr lang="en-US"/>
+          </a:p>
+        </p:txBody>
+      </p:sp>
+      <p:sp>
+        <p:nvSpPr>
+          <p:cNvPr id="182" name="Rectangle 181">
+            <a:extLst>
+              <a:ext uri="{FF2B5EF4-FFF2-40B4-BE49-F238E27FC236}">
+                <a16:creationId xmlns:a16="http://schemas.microsoft.com/office/drawing/2014/main" id="{19FD1CEA-B757-0C45-82D9-367F928B1C35}"/>
+              </a:ext>
+            </a:extLst>
+          </p:cNvPr>
+          <p:cNvSpPr/>
+          <p:nvPr/>
+        </p:nvSpPr>
+        <p:spPr>
+          <a:xfrm>
+            <a:off x="1812018" y="4700643"/>
+            <a:ext cx="730539" cy="194638"/>
+          </a:xfrm>
+          <a:prstGeom prst="rect">
+            <a:avLst/>
+          </a:prstGeom>
+          <a:solidFill>
+            <a:schemeClr val="bg1"/>
+          </a:solidFill>
+          <a:ln>
+            <a:noFill/>
+          </a:ln>
+        </p:spPr>
+        <p:style>
+          <a:lnRef idx="2">
+            <a:schemeClr val="accent1">
+              <a:shade val="50000"/>
+            </a:schemeClr>
+          </a:lnRef>
+          <a:fillRef idx="1">
+            <a:schemeClr val="accent1"/>
+          </a:fillRef>
+          <a:effectRef idx="0">
+            <a:schemeClr val="accent1"/>
+          </a:effectRef>
+          <a:fontRef idx="minor">
+            <a:schemeClr val="lt1"/>
+          </a:fontRef>
+        </p:style>
+        <p:txBody>
+          <a:bodyPr rtlCol="0" anchor="ctr"/>
+          <a:lstStyle/>
+          <a:p>
+            <a:pPr algn="ctr"/>
+            <a:endParaRPr lang="en-US"/>
+          </a:p>
+        </p:txBody>
+      </p:sp>
+      <p:sp>
+        <p:nvSpPr>
+          <p:cNvPr id="183" name="TextBox 182">
+            <a:extLst>
+              <a:ext uri="{FF2B5EF4-FFF2-40B4-BE49-F238E27FC236}">
+                <a16:creationId xmlns:a16="http://schemas.microsoft.com/office/drawing/2014/main" id="{0C4C9764-BC7D-6546-8F90-4F7D5DFCB25E}"/>
+              </a:ext>
+            </a:extLst>
+          </p:cNvPr>
+          <p:cNvSpPr txBox="1"/>
+          <p:nvPr/>
+        </p:nvSpPr>
+        <p:spPr>
+          <a:xfrm>
+            <a:off x="3463125" y="3499000"/>
+            <a:ext cx="316112" cy="246221"/>
+          </a:xfrm>
+          <a:prstGeom prst="rect">
+            <a:avLst/>
+          </a:prstGeom>
+          <a:noFill/>
+        </p:spPr>
+        <p:txBody>
+          <a:bodyPr wrap="none" rtlCol="0">
+            <a:spAutoFit/>
+          </a:bodyPr>
+          <a:lstStyle/>
+          <a:p>
+            <a:pPr algn="ctr"/>
+            <a:r>
+              <a:rPr lang="en-US" sz="600" b="1" dirty="0"/>
+              <a:t>ASD</a:t>
+            </a:r>
+          </a:p>
+          <a:p>
+            <a:pPr algn="ctr"/>
+            <a:r>
+              <a:rPr lang="en-US" sz="400" b="1" dirty="0"/>
+              <a:t>(***)</a:t>
+            </a:r>
+          </a:p>
+        </p:txBody>
+      </p:sp>
+      <p:sp>
+        <p:nvSpPr>
+          <p:cNvPr id="184" name="TextBox 183">
+            <a:extLst>
+              <a:ext uri="{FF2B5EF4-FFF2-40B4-BE49-F238E27FC236}">
+                <a16:creationId xmlns:a16="http://schemas.microsoft.com/office/drawing/2014/main" id="{61EB95E9-4006-424B-A314-C88BAC770A88}"/>
+              </a:ext>
+            </a:extLst>
+          </p:cNvPr>
+          <p:cNvSpPr txBox="1"/>
+          <p:nvPr/>
+        </p:nvSpPr>
+        <p:spPr>
+          <a:xfrm>
+            <a:off x="3196035" y="3502310"/>
+            <a:ext cx="409086" cy="246221"/>
+          </a:xfrm>
+          <a:prstGeom prst="rect">
+            <a:avLst/>
+          </a:prstGeom>
+          <a:noFill/>
+        </p:spPr>
+        <p:txBody>
+          <a:bodyPr wrap="none" rtlCol="0">
+            <a:spAutoFit/>
+          </a:bodyPr>
+          <a:lstStyle/>
+          <a:p>
+            <a:pPr algn="ctr"/>
+            <a:r>
+              <a:rPr lang="en-US" sz="600" b="1" dirty="0"/>
+              <a:t>Shared</a:t>
+            </a:r>
+          </a:p>
+          <a:p>
+            <a:pPr algn="ctr"/>
+            <a:r>
+              <a:rPr lang="en-US" sz="400" b="1" dirty="0"/>
+              <a:t>(***)</a:t>
+            </a:r>
+          </a:p>
+        </p:txBody>
+      </p:sp>
+      <p:sp>
+        <p:nvSpPr>
+          <p:cNvPr id="185" name="TextBox 184">
+            <a:extLst>
+              <a:ext uri="{FF2B5EF4-FFF2-40B4-BE49-F238E27FC236}">
+                <a16:creationId xmlns:a16="http://schemas.microsoft.com/office/drawing/2014/main" id="{DA62B626-4F70-BC47-85EF-2F9654C2A8D4}"/>
+              </a:ext>
+            </a:extLst>
+          </p:cNvPr>
+          <p:cNvSpPr txBox="1"/>
+          <p:nvPr/>
+        </p:nvSpPr>
+        <p:spPr>
+          <a:xfrm>
+            <a:off x="2996570" y="3502311"/>
+            <a:ext cx="312906" cy="246221"/>
+          </a:xfrm>
+          <a:prstGeom prst="rect">
+            <a:avLst/>
+          </a:prstGeom>
+          <a:noFill/>
+        </p:spPr>
+        <p:txBody>
+          <a:bodyPr wrap="none" rtlCol="0">
+            <a:spAutoFit/>
+          </a:bodyPr>
+          <a:lstStyle/>
+          <a:p>
+            <a:pPr algn="ctr"/>
+            <a:r>
+              <a:rPr lang="en-US" sz="600" b="1" dirty="0"/>
+              <a:t>VAE</a:t>
+            </a:r>
+          </a:p>
+          <a:p>
+            <a:pPr algn="ctr"/>
+            <a:r>
+              <a:rPr lang="en-US" sz="400" b="1" dirty="0"/>
+              <a:t>(</a:t>
+            </a:r>
+            <a:r>
+              <a:rPr lang="en-US" sz="400" b="1" dirty="0" err="1"/>
+              <a:t>n.s</a:t>
+            </a:r>
+            <a:r>
+              <a:rPr lang="en-US" sz="400" b="1" dirty="0"/>
+              <a:t>.)</a:t>
+            </a:r>
+          </a:p>
+        </p:txBody>
+      </p:sp>
+      <p:sp>
+        <p:nvSpPr>
+          <p:cNvPr id="196" name="TextBox 195">
+            <a:extLst>
+              <a:ext uri="{FF2B5EF4-FFF2-40B4-BE49-F238E27FC236}">
+                <a16:creationId xmlns:a16="http://schemas.microsoft.com/office/drawing/2014/main" id="{FDCBEE74-306B-2348-9AC1-B82C5ACD82C1}"/>
+              </a:ext>
+            </a:extLst>
+          </p:cNvPr>
+          <p:cNvSpPr txBox="1"/>
+          <p:nvPr/>
+        </p:nvSpPr>
+        <p:spPr>
+          <a:xfrm>
+            <a:off x="3463125" y="4645067"/>
+            <a:ext cx="316112" cy="246221"/>
+          </a:xfrm>
+          <a:prstGeom prst="rect">
+            <a:avLst/>
+          </a:prstGeom>
+          <a:noFill/>
+        </p:spPr>
+        <p:txBody>
+          <a:bodyPr wrap="none" rtlCol="0">
+            <a:spAutoFit/>
+          </a:bodyPr>
+          <a:lstStyle/>
+          <a:p>
+            <a:pPr algn="ctr"/>
+            <a:r>
+              <a:rPr lang="en-US" sz="600" b="1" dirty="0"/>
+              <a:t>ASD</a:t>
+            </a:r>
+          </a:p>
+          <a:p>
+            <a:pPr algn="ctr"/>
+            <a:r>
+              <a:rPr lang="en-US" sz="400" b="1" dirty="0"/>
+              <a:t>(***)</a:t>
+            </a:r>
+          </a:p>
+        </p:txBody>
+      </p:sp>
+      <p:sp>
+        <p:nvSpPr>
+          <p:cNvPr id="198" name="TextBox 197">
+            <a:extLst>
+              <a:ext uri="{FF2B5EF4-FFF2-40B4-BE49-F238E27FC236}">
+                <a16:creationId xmlns:a16="http://schemas.microsoft.com/office/drawing/2014/main" id="{7443F9EB-1FE1-234D-8FDA-54412FEC013B}"/>
+              </a:ext>
+            </a:extLst>
+          </p:cNvPr>
+          <p:cNvSpPr txBox="1"/>
+          <p:nvPr/>
+        </p:nvSpPr>
+        <p:spPr>
+          <a:xfrm>
+            <a:off x="3196035" y="4648377"/>
+            <a:ext cx="409086" cy="246221"/>
+          </a:xfrm>
+          <a:prstGeom prst="rect">
+            <a:avLst/>
+          </a:prstGeom>
+          <a:noFill/>
+        </p:spPr>
+        <p:txBody>
+          <a:bodyPr wrap="none" rtlCol="0">
+            <a:spAutoFit/>
+          </a:bodyPr>
+          <a:lstStyle/>
+          <a:p>
+            <a:pPr algn="ctr"/>
+            <a:r>
+              <a:rPr lang="en-US" sz="600" b="1" dirty="0"/>
+              <a:t>Shared</a:t>
+            </a:r>
+          </a:p>
+          <a:p>
+            <a:pPr algn="ctr"/>
+            <a:r>
+              <a:rPr lang="en-US" sz="400" b="1" dirty="0"/>
+              <a:t>(***)</a:t>
+            </a:r>
+          </a:p>
+        </p:txBody>
+      </p:sp>
+      <p:sp>
+        <p:nvSpPr>
+          <p:cNvPr id="199" name="TextBox 198">
+            <a:extLst>
+              <a:ext uri="{FF2B5EF4-FFF2-40B4-BE49-F238E27FC236}">
+                <a16:creationId xmlns:a16="http://schemas.microsoft.com/office/drawing/2014/main" id="{393494EB-0F2E-1F48-8256-38BB0B9A2D94}"/>
+              </a:ext>
+            </a:extLst>
+          </p:cNvPr>
+          <p:cNvSpPr txBox="1"/>
+          <p:nvPr/>
+        </p:nvSpPr>
+        <p:spPr>
+          <a:xfrm>
+            <a:off x="2996570" y="4648378"/>
+            <a:ext cx="312906" cy="246221"/>
+          </a:xfrm>
+          <a:prstGeom prst="rect">
+            <a:avLst/>
+          </a:prstGeom>
+          <a:noFill/>
+        </p:spPr>
+        <p:txBody>
+          <a:bodyPr wrap="none" rtlCol="0">
+            <a:spAutoFit/>
+          </a:bodyPr>
+          <a:lstStyle/>
+          <a:p>
+            <a:pPr algn="ctr"/>
+            <a:r>
+              <a:rPr lang="en-US" sz="600" b="1" dirty="0"/>
+              <a:t>VAE</a:t>
+            </a:r>
+          </a:p>
+          <a:p>
+            <a:pPr algn="ctr"/>
+            <a:r>
+              <a:rPr lang="en-US" sz="400" b="1" dirty="0"/>
+              <a:t>(*)</a:t>
+            </a:r>
+          </a:p>
+        </p:txBody>
+      </p:sp>
+      <p:sp>
+        <p:nvSpPr>
+          <p:cNvPr id="200" name="TextBox 199">
+            <a:extLst>
+              <a:ext uri="{FF2B5EF4-FFF2-40B4-BE49-F238E27FC236}">
+                <a16:creationId xmlns:a16="http://schemas.microsoft.com/office/drawing/2014/main" id="{9302EEC3-380A-7C4F-AE65-874000F807E1}"/>
+              </a:ext>
+            </a:extLst>
+          </p:cNvPr>
+          <p:cNvSpPr txBox="1"/>
+          <p:nvPr/>
+        </p:nvSpPr>
+        <p:spPr>
+          <a:xfrm>
+            <a:off x="2269223" y="4651844"/>
+            <a:ext cx="316112" cy="246221"/>
+          </a:xfrm>
+          <a:prstGeom prst="rect">
+            <a:avLst/>
+          </a:prstGeom>
+          <a:noFill/>
+        </p:spPr>
+        <p:txBody>
+          <a:bodyPr wrap="none" rtlCol="0">
+            <a:spAutoFit/>
+          </a:bodyPr>
+          <a:lstStyle/>
+          <a:p>
+            <a:pPr algn="ctr"/>
+            <a:r>
+              <a:rPr lang="en-US" sz="600" b="1" dirty="0"/>
+              <a:t>ASD</a:t>
+            </a:r>
+          </a:p>
+          <a:p>
+            <a:pPr algn="ctr"/>
+            <a:r>
+              <a:rPr lang="en-US" sz="400" b="1" dirty="0"/>
+              <a:t>(***)</a:t>
+            </a:r>
+          </a:p>
+        </p:txBody>
+      </p:sp>
+      <p:sp>
+        <p:nvSpPr>
+          <p:cNvPr id="201" name="TextBox 200">
+            <a:extLst>
+              <a:ext uri="{FF2B5EF4-FFF2-40B4-BE49-F238E27FC236}">
+                <a16:creationId xmlns:a16="http://schemas.microsoft.com/office/drawing/2014/main" id="{563C10B3-1BB4-6C4A-B660-83ABD296283B}"/>
+              </a:ext>
+            </a:extLst>
+          </p:cNvPr>
+          <p:cNvSpPr txBox="1"/>
+          <p:nvPr/>
+        </p:nvSpPr>
+        <p:spPr>
+          <a:xfrm>
+            <a:off x="2002133" y="4655154"/>
+            <a:ext cx="409086" cy="246221"/>
+          </a:xfrm>
+          <a:prstGeom prst="rect">
+            <a:avLst/>
+          </a:prstGeom>
+          <a:noFill/>
+        </p:spPr>
+        <p:txBody>
+          <a:bodyPr wrap="none" rtlCol="0">
+            <a:spAutoFit/>
+          </a:bodyPr>
+          <a:lstStyle/>
+          <a:p>
+            <a:pPr algn="ctr"/>
+            <a:r>
+              <a:rPr lang="en-US" sz="600" b="1" dirty="0"/>
+              <a:t>Shared</a:t>
+            </a:r>
+          </a:p>
+          <a:p>
+            <a:pPr algn="ctr"/>
+            <a:r>
+              <a:rPr lang="en-US" sz="400" b="1" dirty="0"/>
+              <a:t>(***)</a:t>
+            </a:r>
+          </a:p>
+        </p:txBody>
+      </p:sp>
+      <p:sp>
+        <p:nvSpPr>
+          <p:cNvPr id="202" name="TextBox 201">
+            <a:extLst>
+              <a:ext uri="{FF2B5EF4-FFF2-40B4-BE49-F238E27FC236}">
+                <a16:creationId xmlns:a16="http://schemas.microsoft.com/office/drawing/2014/main" id="{7933EC5C-5358-5243-A235-C1BEEAD16A70}"/>
+              </a:ext>
+            </a:extLst>
+          </p:cNvPr>
+          <p:cNvSpPr txBox="1"/>
+          <p:nvPr/>
+        </p:nvSpPr>
+        <p:spPr>
+          <a:xfrm>
+            <a:off x="1802667" y="4655155"/>
+            <a:ext cx="312906" cy="246221"/>
+          </a:xfrm>
+          <a:prstGeom prst="rect">
+            <a:avLst/>
+          </a:prstGeom>
+          <a:noFill/>
+        </p:spPr>
+        <p:txBody>
+          <a:bodyPr wrap="none" rtlCol="0">
+            <a:spAutoFit/>
+          </a:bodyPr>
+          <a:lstStyle/>
+          <a:p>
+            <a:pPr algn="ctr"/>
+            <a:r>
+              <a:rPr lang="en-US" sz="600" b="1" dirty="0"/>
+              <a:t>VAE</a:t>
+            </a:r>
+          </a:p>
+          <a:p>
+            <a:pPr algn="ctr"/>
+            <a:r>
+              <a:rPr lang="en-US" sz="400" b="1" dirty="0"/>
+              <a:t>(*)</a:t>
+            </a:r>
+          </a:p>
+        </p:txBody>
+      </p:sp>
+      <p:sp>
+        <p:nvSpPr>
+          <p:cNvPr id="15" name="Rectangle 14">
+            <a:extLst>
+              <a:ext uri="{FF2B5EF4-FFF2-40B4-BE49-F238E27FC236}">
+                <a16:creationId xmlns:a16="http://schemas.microsoft.com/office/drawing/2014/main" id="{86263C6A-B2E3-1B4A-91DF-852EF3E0A9DA}"/>
+              </a:ext>
+            </a:extLst>
+          </p:cNvPr>
+          <p:cNvSpPr/>
+          <p:nvPr/>
+        </p:nvSpPr>
+        <p:spPr>
+          <a:xfrm>
+            <a:off x="1827586" y="6185324"/>
+            <a:ext cx="714972" cy="172799"/>
+          </a:xfrm>
+          <a:prstGeom prst="rect">
+            <a:avLst/>
+          </a:prstGeom>
+          <a:solidFill>
+            <a:schemeClr val="bg1"/>
+          </a:solidFill>
+          <a:ln>
+            <a:noFill/>
+          </a:ln>
+        </p:spPr>
+        <p:style>
+          <a:lnRef idx="2">
+            <a:schemeClr val="accent1">
+              <a:shade val="50000"/>
+            </a:schemeClr>
+          </a:lnRef>
+          <a:fillRef idx="1">
+            <a:schemeClr val="accent1"/>
+          </a:fillRef>
+          <a:effectRef idx="0">
+            <a:schemeClr val="accent1"/>
+          </a:effectRef>
+          <a:fontRef idx="minor">
+            <a:schemeClr val="lt1"/>
+          </a:fontRef>
+        </p:style>
+        <p:txBody>
+          <a:bodyPr rtlCol="0" anchor="ctr"/>
+          <a:lstStyle/>
+          <a:p>
+            <a:pPr algn="ctr"/>
+            <a:endParaRPr lang="en-US"/>
+          </a:p>
+        </p:txBody>
+      </p:sp>
+      <p:sp>
+        <p:nvSpPr>
+          <p:cNvPr id="203" name="Rectangle 202">
+            <a:extLst>
+              <a:ext uri="{FF2B5EF4-FFF2-40B4-BE49-F238E27FC236}">
+                <a16:creationId xmlns:a16="http://schemas.microsoft.com/office/drawing/2014/main" id="{DFF8FF96-ABE7-624D-A8DB-65A880229315}"/>
+              </a:ext>
+            </a:extLst>
+          </p:cNvPr>
+          <p:cNvSpPr/>
+          <p:nvPr/>
+        </p:nvSpPr>
+        <p:spPr>
+          <a:xfrm>
+            <a:off x="3023691" y="6181112"/>
+            <a:ext cx="714972" cy="172799"/>
+          </a:xfrm>
+          <a:prstGeom prst="rect">
+            <a:avLst/>
+          </a:prstGeom>
+          <a:solidFill>
+            <a:schemeClr val="bg1"/>
+          </a:solidFill>
+          <a:ln>
+            <a:noFill/>
+          </a:ln>
+        </p:spPr>
+        <p:style>
+          <a:lnRef idx="2">
+            <a:schemeClr val="accent1">
+              <a:shade val="50000"/>
+            </a:schemeClr>
+          </a:lnRef>
+          <a:fillRef idx="1">
+            <a:schemeClr val="accent1"/>
+          </a:fillRef>
+          <a:effectRef idx="0">
+            <a:schemeClr val="accent1"/>
+          </a:effectRef>
+          <a:fontRef idx="minor">
+            <a:schemeClr val="lt1"/>
+          </a:fontRef>
+        </p:style>
+        <p:txBody>
+          <a:bodyPr rtlCol="0" anchor="ctr"/>
+          <a:lstStyle/>
+          <a:p>
+            <a:pPr algn="ctr"/>
+            <a:endParaRPr lang="en-US"/>
+          </a:p>
+        </p:txBody>
+      </p:sp>
+      <p:sp>
+        <p:nvSpPr>
+          <p:cNvPr id="204" name="Rectangle 203">
+            <a:extLst>
+              <a:ext uri="{FF2B5EF4-FFF2-40B4-BE49-F238E27FC236}">
+                <a16:creationId xmlns:a16="http://schemas.microsoft.com/office/drawing/2014/main" id="{25CDE2BB-5DB5-4F41-885B-428A1BEF16AA}"/>
+              </a:ext>
+            </a:extLst>
+          </p:cNvPr>
+          <p:cNvSpPr/>
+          <p:nvPr/>
+        </p:nvSpPr>
+        <p:spPr>
+          <a:xfrm>
+            <a:off x="3023691" y="7338476"/>
+            <a:ext cx="714972" cy="172799"/>
+          </a:xfrm>
+          <a:prstGeom prst="rect">
+            <a:avLst/>
+          </a:prstGeom>
+          <a:solidFill>
+            <a:schemeClr val="bg1"/>
+          </a:solidFill>
+          <a:ln>
+            <a:noFill/>
+          </a:ln>
+        </p:spPr>
+        <p:style>
+          <a:lnRef idx="2">
+            <a:schemeClr val="accent1">
+              <a:shade val="50000"/>
+            </a:schemeClr>
+          </a:lnRef>
+          <a:fillRef idx="1">
+            <a:schemeClr val="accent1"/>
+          </a:fillRef>
+          <a:effectRef idx="0">
+            <a:schemeClr val="accent1"/>
+          </a:effectRef>
+          <a:fontRef idx="minor">
+            <a:schemeClr val="lt1"/>
+          </a:fontRef>
+        </p:style>
+        <p:txBody>
+          <a:bodyPr rtlCol="0" anchor="ctr"/>
+          <a:lstStyle/>
+          <a:p>
+            <a:pPr algn="ctr"/>
+            <a:endParaRPr lang="en-US"/>
+          </a:p>
+        </p:txBody>
+      </p:sp>
+      <p:sp>
+        <p:nvSpPr>
+          <p:cNvPr id="205" name="Rectangle 204">
+            <a:extLst>
+              <a:ext uri="{FF2B5EF4-FFF2-40B4-BE49-F238E27FC236}">
+                <a16:creationId xmlns:a16="http://schemas.microsoft.com/office/drawing/2014/main" id="{07E9F106-B685-8241-8EB8-C1E13D0604DA}"/>
+              </a:ext>
+            </a:extLst>
+          </p:cNvPr>
+          <p:cNvSpPr/>
+          <p:nvPr/>
+        </p:nvSpPr>
+        <p:spPr>
+          <a:xfrm>
+            <a:off x="1841752" y="7338475"/>
+            <a:ext cx="714972" cy="172799"/>
+          </a:xfrm>
+          <a:prstGeom prst="rect">
+            <a:avLst/>
+          </a:prstGeom>
+          <a:solidFill>
+            <a:schemeClr val="bg1"/>
+          </a:solidFill>
+          <a:ln>
+            <a:noFill/>
+          </a:ln>
+        </p:spPr>
+        <p:style>
+          <a:lnRef idx="2">
+            <a:schemeClr val="accent1">
+              <a:shade val="50000"/>
+            </a:schemeClr>
+          </a:lnRef>
+          <a:fillRef idx="1">
+            <a:schemeClr val="accent1"/>
+          </a:fillRef>
+          <a:effectRef idx="0">
+            <a:schemeClr val="accent1"/>
+          </a:effectRef>
+          <a:fontRef idx="minor">
+            <a:schemeClr val="lt1"/>
+          </a:fontRef>
+        </p:style>
+        <p:txBody>
+          <a:bodyPr rtlCol="0" anchor="ctr"/>
+          <a:lstStyle/>
+          <a:p>
+            <a:pPr algn="ctr"/>
+            <a:endParaRPr lang="en-US"/>
+          </a:p>
+        </p:txBody>
+      </p:sp>
+      <p:sp>
+        <p:nvSpPr>
+          <p:cNvPr id="206" name="TextBox 205">
+            <a:extLst>
+              <a:ext uri="{FF2B5EF4-FFF2-40B4-BE49-F238E27FC236}">
+                <a16:creationId xmlns:a16="http://schemas.microsoft.com/office/drawing/2014/main" id="{E5714244-7A5E-2044-AAD4-D9B7A636596E}"/>
+              </a:ext>
+            </a:extLst>
+          </p:cNvPr>
+          <p:cNvSpPr txBox="1"/>
+          <p:nvPr/>
+        </p:nvSpPr>
+        <p:spPr>
+          <a:xfrm>
+            <a:off x="2260967" y="6140685"/>
+            <a:ext cx="316112" cy="246221"/>
+          </a:xfrm>
+          <a:prstGeom prst="rect">
+            <a:avLst/>
+          </a:prstGeom>
+          <a:noFill/>
+        </p:spPr>
+        <p:txBody>
+          <a:bodyPr wrap="none" rtlCol="0">
+            <a:spAutoFit/>
+          </a:bodyPr>
+          <a:lstStyle/>
+          <a:p>
+            <a:pPr algn="ctr"/>
+            <a:r>
+              <a:rPr lang="en-US" sz="600" b="1" dirty="0"/>
+              <a:t>ASD</a:t>
+            </a:r>
+          </a:p>
+          <a:p>
+            <a:pPr algn="ctr"/>
+            <a:r>
+              <a:rPr lang="en-US" sz="400" b="1" dirty="0"/>
+              <a:t>(***)</a:t>
+            </a:r>
+          </a:p>
+        </p:txBody>
+      </p:sp>
+      <p:sp>
+        <p:nvSpPr>
+          <p:cNvPr id="207" name="TextBox 206">
+            <a:extLst>
+              <a:ext uri="{FF2B5EF4-FFF2-40B4-BE49-F238E27FC236}">
+                <a16:creationId xmlns:a16="http://schemas.microsoft.com/office/drawing/2014/main" id="{D77B4B49-7F0C-544D-9D4A-08809F5B2B5F}"/>
+              </a:ext>
+            </a:extLst>
+          </p:cNvPr>
+          <p:cNvSpPr txBox="1"/>
+          <p:nvPr/>
+        </p:nvSpPr>
+        <p:spPr>
+          <a:xfrm>
+            <a:off x="1993877" y="6143995"/>
+            <a:ext cx="409086" cy="246221"/>
+          </a:xfrm>
+          <a:prstGeom prst="rect">
+            <a:avLst/>
+          </a:prstGeom>
+          <a:noFill/>
+        </p:spPr>
+        <p:txBody>
+          <a:bodyPr wrap="none" rtlCol="0">
+            <a:spAutoFit/>
+          </a:bodyPr>
+          <a:lstStyle/>
+          <a:p>
+            <a:pPr algn="ctr"/>
+            <a:r>
+              <a:rPr lang="en-US" sz="600" b="1" dirty="0"/>
+              <a:t>Shared</a:t>
+            </a:r>
+          </a:p>
+          <a:p>
+            <a:pPr algn="ctr"/>
+            <a:r>
+              <a:rPr lang="en-US" sz="400" b="1" dirty="0"/>
+              <a:t>(***)</a:t>
+            </a:r>
+          </a:p>
+        </p:txBody>
+      </p:sp>
+      <p:sp>
+        <p:nvSpPr>
+          <p:cNvPr id="208" name="TextBox 207">
+            <a:extLst>
+              <a:ext uri="{FF2B5EF4-FFF2-40B4-BE49-F238E27FC236}">
+                <a16:creationId xmlns:a16="http://schemas.microsoft.com/office/drawing/2014/main" id="{9F3FFCD2-439C-CA4F-B776-D048923239CD}"/>
+              </a:ext>
+            </a:extLst>
+          </p:cNvPr>
+          <p:cNvSpPr txBox="1"/>
+          <p:nvPr/>
+        </p:nvSpPr>
+        <p:spPr>
+          <a:xfrm>
+            <a:off x="1794411" y="6143996"/>
+            <a:ext cx="312906" cy="246221"/>
+          </a:xfrm>
+          <a:prstGeom prst="rect">
+            <a:avLst/>
+          </a:prstGeom>
+          <a:noFill/>
+        </p:spPr>
+        <p:txBody>
+          <a:bodyPr wrap="none" rtlCol="0">
+            <a:spAutoFit/>
+          </a:bodyPr>
+          <a:lstStyle/>
+          <a:p>
+            <a:pPr algn="ctr"/>
+            <a:r>
+              <a:rPr lang="en-US" sz="600" b="1" dirty="0"/>
+              <a:t>VAE</a:t>
+            </a:r>
+          </a:p>
+          <a:p>
+            <a:pPr algn="ctr"/>
+            <a:r>
+              <a:rPr lang="en-US" sz="400" b="1" dirty="0"/>
+              <a:t>(</a:t>
+            </a:r>
+            <a:r>
+              <a:rPr lang="en-US" sz="400" b="1" dirty="0" err="1"/>
+              <a:t>n.s</a:t>
+            </a:r>
+            <a:r>
+              <a:rPr lang="en-US" sz="400" b="1" dirty="0"/>
+              <a:t>.)</a:t>
+            </a:r>
+          </a:p>
+        </p:txBody>
+      </p:sp>
+      <p:sp>
+        <p:nvSpPr>
+          <p:cNvPr id="209" name="TextBox 208">
+            <a:extLst>
+              <a:ext uri="{FF2B5EF4-FFF2-40B4-BE49-F238E27FC236}">
+                <a16:creationId xmlns:a16="http://schemas.microsoft.com/office/drawing/2014/main" id="{6597363C-8D40-7647-99FB-DF5E728CBE29}"/>
+              </a:ext>
+            </a:extLst>
+          </p:cNvPr>
+          <p:cNvSpPr txBox="1"/>
+          <p:nvPr/>
+        </p:nvSpPr>
+        <p:spPr>
+          <a:xfrm>
+            <a:off x="3470060" y="6135585"/>
+            <a:ext cx="316112" cy="246221"/>
+          </a:xfrm>
+          <a:prstGeom prst="rect">
+            <a:avLst/>
+          </a:prstGeom>
+          <a:noFill/>
+        </p:spPr>
+        <p:txBody>
+          <a:bodyPr wrap="none" rtlCol="0">
+            <a:spAutoFit/>
+          </a:bodyPr>
+          <a:lstStyle/>
+          <a:p>
+            <a:pPr algn="ctr"/>
+            <a:r>
+              <a:rPr lang="en-US" sz="600" b="1" dirty="0"/>
+              <a:t>ASD</a:t>
+            </a:r>
+          </a:p>
+          <a:p>
+            <a:pPr algn="ctr"/>
+            <a:r>
+              <a:rPr lang="en-US" sz="400" b="1" dirty="0"/>
+              <a:t>(***)</a:t>
+            </a:r>
+          </a:p>
+        </p:txBody>
+      </p:sp>
+      <p:sp>
+        <p:nvSpPr>
+          <p:cNvPr id="210" name="TextBox 209">
+            <a:extLst>
+              <a:ext uri="{FF2B5EF4-FFF2-40B4-BE49-F238E27FC236}">
+                <a16:creationId xmlns:a16="http://schemas.microsoft.com/office/drawing/2014/main" id="{8554594F-2DE9-2947-B12F-A1A7E61689BE}"/>
+              </a:ext>
+            </a:extLst>
+          </p:cNvPr>
+          <p:cNvSpPr txBox="1"/>
+          <p:nvPr/>
+        </p:nvSpPr>
+        <p:spPr>
+          <a:xfrm>
+            <a:off x="3202970" y="6138895"/>
+            <a:ext cx="409086" cy="246221"/>
+          </a:xfrm>
+          <a:prstGeom prst="rect">
+            <a:avLst/>
+          </a:prstGeom>
+          <a:noFill/>
+        </p:spPr>
+        <p:txBody>
+          <a:bodyPr wrap="none" rtlCol="0">
+            <a:spAutoFit/>
+          </a:bodyPr>
+          <a:lstStyle/>
+          <a:p>
+            <a:pPr algn="ctr"/>
+            <a:r>
+              <a:rPr lang="en-US" sz="600" b="1" dirty="0"/>
+              <a:t>Shared</a:t>
+            </a:r>
+          </a:p>
+          <a:p>
+            <a:pPr algn="ctr"/>
+            <a:r>
+              <a:rPr lang="en-US" sz="400" b="1" dirty="0"/>
+              <a:t>(***)</a:t>
+            </a:r>
+          </a:p>
+        </p:txBody>
+      </p:sp>
+      <p:sp>
+        <p:nvSpPr>
+          <p:cNvPr id="211" name="TextBox 210">
+            <a:extLst>
+              <a:ext uri="{FF2B5EF4-FFF2-40B4-BE49-F238E27FC236}">
+                <a16:creationId xmlns:a16="http://schemas.microsoft.com/office/drawing/2014/main" id="{AD99D6A8-5E01-8D4F-9CD3-8542C2A2BF7C}"/>
+              </a:ext>
+            </a:extLst>
+          </p:cNvPr>
+          <p:cNvSpPr txBox="1"/>
+          <p:nvPr/>
+        </p:nvSpPr>
+        <p:spPr>
+          <a:xfrm>
+            <a:off x="3003504" y="6138896"/>
+            <a:ext cx="312906" cy="246221"/>
+          </a:xfrm>
+          <a:prstGeom prst="rect">
+            <a:avLst/>
+          </a:prstGeom>
+          <a:noFill/>
+        </p:spPr>
+        <p:txBody>
+          <a:bodyPr wrap="none" rtlCol="0">
+            <a:spAutoFit/>
+          </a:bodyPr>
+          <a:lstStyle/>
+          <a:p>
+            <a:pPr algn="ctr"/>
+            <a:r>
+              <a:rPr lang="en-US" sz="600" b="1" dirty="0"/>
+              <a:t>VAE</a:t>
+            </a:r>
+          </a:p>
+          <a:p>
+            <a:pPr algn="ctr"/>
+            <a:r>
+              <a:rPr lang="en-US" sz="400" b="1" dirty="0"/>
+              <a:t>(</a:t>
+            </a:r>
+            <a:r>
+              <a:rPr lang="en-US" sz="400" b="1" dirty="0" err="1"/>
+              <a:t>n.s</a:t>
+            </a:r>
+            <a:r>
+              <a:rPr lang="en-US" sz="400" b="1" dirty="0"/>
+              <a:t>.)</a:t>
+            </a:r>
+          </a:p>
+        </p:txBody>
+      </p:sp>
+      <p:sp>
+        <p:nvSpPr>
+          <p:cNvPr id="212" name="TextBox 211">
+            <a:extLst>
+              <a:ext uri="{FF2B5EF4-FFF2-40B4-BE49-F238E27FC236}">
+                <a16:creationId xmlns:a16="http://schemas.microsoft.com/office/drawing/2014/main" id="{25FC6383-185C-994A-9901-D66BDAADF178}"/>
+              </a:ext>
+            </a:extLst>
+          </p:cNvPr>
+          <p:cNvSpPr txBox="1"/>
+          <p:nvPr/>
+        </p:nvSpPr>
+        <p:spPr>
+          <a:xfrm>
+            <a:off x="3460765" y="7292567"/>
+            <a:ext cx="316112" cy="246221"/>
+          </a:xfrm>
+          <a:prstGeom prst="rect">
+            <a:avLst/>
+          </a:prstGeom>
+          <a:noFill/>
+        </p:spPr>
+        <p:txBody>
+          <a:bodyPr wrap="none" rtlCol="0">
+            <a:spAutoFit/>
+          </a:bodyPr>
+          <a:lstStyle/>
+          <a:p>
+            <a:pPr algn="ctr"/>
+            <a:r>
+              <a:rPr lang="en-US" sz="600" b="1" dirty="0"/>
+              <a:t>ASD</a:t>
+            </a:r>
+          </a:p>
+          <a:p>
+            <a:pPr algn="ctr"/>
+            <a:r>
+              <a:rPr lang="en-US" sz="400" b="1" dirty="0"/>
+              <a:t>(**)</a:t>
+            </a:r>
+          </a:p>
+        </p:txBody>
+      </p:sp>
+      <p:sp>
+        <p:nvSpPr>
+          <p:cNvPr id="213" name="TextBox 212">
+            <a:extLst>
+              <a:ext uri="{FF2B5EF4-FFF2-40B4-BE49-F238E27FC236}">
+                <a16:creationId xmlns:a16="http://schemas.microsoft.com/office/drawing/2014/main" id="{C839F5E7-5AF9-0B49-B934-DC668A99CC98}"/>
+              </a:ext>
+            </a:extLst>
+          </p:cNvPr>
+          <p:cNvSpPr txBox="1"/>
+          <p:nvPr/>
+        </p:nvSpPr>
+        <p:spPr>
+          <a:xfrm>
+            <a:off x="3193675" y="7295877"/>
+            <a:ext cx="409086" cy="246221"/>
+          </a:xfrm>
+          <a:prstGeom prst="rect">
+            <a:avLst/>
+          </a:prstGeom>
+          <a:noFill/>
+        </p:spPr>
+        <p:txBody>
+          <a:bodyPr wrap="none" rtlCol="0">
+            <a:spAutoFit/>
+          </a:bodyPr>
+          <a:lstStyle/>
+          <a:p>
+            <a:pPr algn="ctr"/>
+            <a:r>
+              <a:rPr lang="en-US" sz="600" b="1" dirty="0"/>
+              <a:t>Shared</a:t>
+            </a:r>
+          </a:p>
+          <a:p>
+            <a:pPr algn="ctr"/>
+            <a:r>
+              <a:rPr lang="en-US" sz="400" b="1" dirty="0"/>
+              <a:t>(***)</a:t>
+            </a:r>
+          </a:p>
+        </p:txBody>
+      </p:sp>
+      <p:sp>
+        <p:nvSpPr>
+          <p:cNvPr id="214" name="TextBox 213">
+            <a:extLst>
+              <a:ext uri="{FF2B5EF4-FFF2-40B4-BE49-F238E27FC236}">
+                <a16:creationId xmlns:a16="http://schemas.microsoft.com/office/drawing/2014/main" id="{BC2B456E-C4D5-2649-BFF9-994350EC63AE}"/>
+              </a:ext>
+            </a:extLst>
+          </p:cNvPr>
+          <p:cNvSpPr txBox="1"/>
+          <p:nvPr/>
+        </p:nvSpPr>
+        <p:spPr>
+          <a:xfrm>
+            <a:off x="2994209" y="7295878"/>
+            <a:ext cx="312906" cy="246221"/>
+          </a:xfrm>
+          <a:prstGeom prst="rect">
+            <a:avLst/>
+          </a:prstGeom>
+          <a:noFill/>
+        </p:spPr>
+        <p:txBody>
+          <a:bodyPr wrap="none" rtlCol="0">
+            <a:spAutoFit/>
+          </a:bodyPr>
+          <a:lstStyle/>
+          <a:p>
+            <a:pPr algn="ctr"/>
+            <a:r>
+              <a:rPr lang="en-US" sz="600" b="1" dirty="0"/>
+              <a:t>VAE</a:t>
+            </a:r>
+          </a:p>
+          <a:p>
+            <a:pPr algn="ctr"/>
+            <a:r>
+              <a:rPr lang="en-US" sz="400" b="1" dirty="0"/>
+              <a:t>(*)</a:t>
+            </a:r>
+          </a:p>
+        </p:txBody>
+      </p:sp>
+      <p:sp>
+        <p:nvSpPr>
+          <p:cNvPr id="215" name="TextBox 214">
+            <a:extLst>
+              <a:ext uri="{FF2B5EF4-FFF2-40B4-BE49-F238E27FC236}">
+                <a16:creationId xmlns:a16="http://schemas.microsoft.com/office/drawing/2014/main" id="{5EEE2A73-5D88-0442-A886-964D329F4ED0}"/>
+              </a:ext>
+            </a:extLst>
+          </p:cNvPr>
+          <p:cNvSpPr txBox="1"/>
+          <p:nvPr/>
+        </p:nvSpPr>
+        <p:spPr>
+          <a:xfrm>
+            <a:off x="2259100" y="7297139"/>
+            <a:ext cx="316112" cy="246221"/>
+          </a:xfrm>
+          <a:prstGeom prst="rect">
+            <a:avLst/>
+          </a:prstGeom>
+          <a:noFill/>
+        </p:spPr>
+        <p:txBody>
+          <a:bodyPr wrap="none" rtlCol="0">
+            <a:spAutoFit/>
+          </a:bodyPr>
+          <a:lstStyle/>
+          <a:p>
+            <a:pPr algn="ctr"/>
+            <a:r>
+              <a:rPr lang="en-US" sz="600" b="1" dirty="0"/>
+              <a:t>ASD</a:t>
+            </a:r>
+          </a:p>
+          <a:p>
+            <a:pPr algn="ctr"/>
+            <a:r>
+              <a:rPr lang="en-US" sz="400" b="1" dirty="0"/>
+              <a:t>(*)</a:t>
+            </a:r>
+          </a:p>
+        </p:txBody>
+      </p:sp>
+      <p:sp>
+        <p:nvSpPr>
+          <p:cNvPr id="216" name="TextBox 215">
+            <a:extLst>
+              <a:ext uri="{FF2B5EF4-FFF2-40B4-BE49-F238E27FC236}">
+                <a16:creationId xmlns:a16="http://schemas.microsoft.com/office/drawing/2014/main" id="{85FEF06B-91D6-A94D-8C8E-EC5222A73F3F}"/>
+              </a:ext>
+            </a:extLst>
+          </p:cNvPr>
+          <p:cNvSpPr txBox="1"/>
+          <p:nvPr/>
+        </p:nvSpPr>
+        <p:spPr>
+          <a:xfrm>
+            <a:off x="1992010" y="7300449"/>
+            <a:ext cx="409086" cy="246221"/>
+          </a:xfrm>
+          <a:prstGeom prst="rect">
+            <a:avLst/>
+          </a:prstGeom>
+          <a:noFill/>
+        </p:spPr>
+        <p:txBody>
+          <a:bodyPr wrap="none" rtlCol="0">
+            <a:spAutoFit/>
+          </a:bodyPr>
+          <a:lstStyle/>
+          <a:p>
+            <a:pPr algn="ctr"/>
+            <a:r>
+              <a:rPr lang="en-US" sz="600" b="1" dirty="0"/>
+              <a:t>Shared</a:t>
+            </a:r>
+          </a:p>
+          <a:p>
+            <a:pPr algn="ctr"/>
+            <a:r>
+              <a:rPr lang="en-US" sz="400" b="1" dirty="0"/>
+              <a:t>(***)</a:t>
+            </a:r>
+          </a:p>
+        </p:txBody>
+      </p:sp>
+      <p:sp>
+        <p:nvSpPr>
+          <p:cNvPr id="217" name="TextBox 216">
+            <a:extLst>
+              <a:ext uri="{FF2B5EF4-FFF2-40B4-BE49-F238E27FC236}">
+                <a16:creationId xmlns:a16="http://schemas.microsoft.com/office/drawing/2014/main" id="{CF716D2F-FCCA-F143-8B06-4570EF4F5513}"/>
+              </a:ext>
+            </a:extLst>
+          </p:cNvPr>
+          <p:cNvSpPr txBox="1"/>
+          <p:nvPr/>
+        </p:nvSpPr>
+        <p:spPr>
+          <a:xfrm>
+            <a:off x="1792544" y="7300450"/>
+            <a:ext cx="312906" cy="246221"/>
+          </a:xfrm>
+          <a:prstGeom prst="rect">
+            <a:avLst/>
+          </a:prstGeom>
+          <a:noFill/>
+        </p:spPr>
+        <p:txBody>
+          <a:bodyPr wrap="none" rtlCol="0">
+            <a:spAutoFit/>
+          </a:bodyPr>
+          <a:lstStyle/>
+          <a:p>
+            <a:pPr algn="ctr"/>
+            <a:r>
+              <a:rPr lang="en-US" sz="600" b="1" dirty="0"/>
+              <a:t>VAE</a:t>
+            </a:r>
+          </a:p>
+          <a:p>
+            <a:pPr algn="ctr"/>
+            <a:r>
+              <a:rPr lang="en-US" sz="400" b="1" dirty="0"/>
+              <a:t>(</a:t>
+            </a:r>
+            <a:r>
+              <a:rPr lang="en-US" sz="400" b="1" dirty="0" err="1"/>
+              <a:t>n.s</a:t>
+            </a:r>
+            <a:r>
+              <a:rPr lang="en-US" sz="400" b="1" dirty="0"/>
+              <a:t>.)</a:t>
+            </a:r>
+          </a:p>
+        </p:txBody>
+      </p:sp>
+    </p:spTree>
+    <p:extLst>
+      <p:ext uri="{BB962C8B-B14F-4D97-AF65-F5344CB8AC3E}">
+        <p14:creationId xmlns:p14="http://schemas.microsoft.com/office/powerpoint/2010/main" val="1211877368"/>
+      </p:ext>
+    </p:extLst>
+  </p:cSld>
+  <p:clrMapOvr>
+    <a:masterClrMapping/>
+  </p:clrMapOvr>
+</p:sld>
+</file>
+
+<file path=ppt/slides/slide2.xml><?xml version="1.0" encoding="utf-8"?>
+<p:sld xmlns:a="http://schemas.openxmlformats.org/drawingml/2006/main" xmlns:r="http://schemas.openxmlformats.org/officeDocument/2006/relationships" xmlns:p="http://schemas.openxmlformats.org/presentationml/2006/main">
+  <p:cSld>
+    <p:spTree>
+      <p:nvGrpSpPr>
+        <p:cNvPr id="1" name=""/>
+        <p:cNvGrpSpPr/>
+        <p:nvPr/>
+      </p:nvGrpSpPr>
+      <p:grpSpPr>
+        <a:xfrm>
+          <a:off x="0" y="0"/>
+          <a:ext cx="0" cy="0"/>
+          <a:chOff x="0" y="0"/>
+          <a:chExt cx="0" cy="0"/>
+        </a:xfrm>
+      </p:grpSpPr>
+      <p:grpSp>
+        <p:nvGrpSpPr>
+          <p:cNvPr id="44" name="Group 43">
+            <a:extLst>
+              <a:ext uri="{FF2B5EF4-FFF2-40B4-BE49-F238E27FC236}">
+                <a16:creationId xmlns:a16="http://schemas.microsoft.com/office/drawing/2014/main" id="{1619FE70-7B2C-AA40-974D-9F1789B93D04}"/>
+              </a:ext>
+            </a:extLst>
+          </p:cNvPr>
+          <p:cNvGrpSpPr/>
+          <p:nvPr/>
+        </p:nvGrpSpPr>
+        <p:grpSpPr>
+          <a:xfrm>
+            <a:off x="57668" y="5045745"/>
             <a:ext cx="1420620" cy="2490265"/>
             <a:chOff x="2445640" y="4893139"/>
             <a:chExt cx="1420620" cy="2490265"/>
@@ -6578,9 +13195,9 @@
         </p:nvGrpSpPr>
         <p:grpSpPr>
           <a:xfrm>
-            <a:off x="4604432" y="2575651"/>
+            <a:off x="4604432" y="2599907"/>
             <a:ext cx="1462839" cy="215444"/>
-            <a:chOff x="4816457" y="2607735"/>
+            <a:chOff x="4816457" y="2631991"/>
             <a:chExt cx="1462839" cy="215444"/>
           </a:xfrm>
         </p:grpSpPr>
@@ -6636,8 +13253,8 @@
           </p:nvSpPr>
           <p:spPr>
             <a:xfrm>
-              <a:off x="5118320" y="2607735"/>
-              <a:ext cx="1033311" cy="215444"/>
+              <a:off x="5001592" y="2631991"/>
+              <a:ext cx="1200990" cy="215444"/>
             </a:xfrm>
             <a:prstGeom prst="rect">
               <a:avLst/>
@@ -6652,7 +13269,7 @@
             <a:p>
               <a:r>
                 <a:rPr lang="en-US" sz="800" dirty="0"/>
-                <a:t>Background space</a:t>
+                <a:t>Shared-feature space</a:t>
               </a:r>
             </a:p>
           </p:txBody>
@@ -6742,10 +13359,10 @@
         </p:nvGrpSpPr>
         <p:grpSpPr>
           <a:xfrm>
-            <a:off x="4691530" y="4251505"/>
-            <a:ext cx="1462839" cy="215444"/>
-            <a:chOff x="4968857" y="2767015"/>
-            <a:chExt cx="1462839" cy="215444"/>
+            <a:off x="4691530" y="4258499"/>
+            <a:ext cx="1635004" cy="215444"/>
+            <a:chOff x="4968857" y="2774009"/>
+            <a:chExt cx="1635004" cy="215444"/>
           </a:xfrm>
         </p:grpSpPr>
         <p:cxnSp>
@@ -6800,8 +13417,8 @@
           </p:nvSpPr>
           <p:spPr>
             <a:xfrm>
-              <a:off x="5337465" y="2767015"/>
-              <a:ext cx="1033311" cy="215444"/>
+              <a:off x="5066894" y="2774009"/>
+              <a:ext cx="1536967" cy="215444"/>
             </a:xfrm>
             <a:prstGeom prst="rect">
               <a:avLst/>
@@ -6816,7 +13433,7 @@
             <a:p>
               <a:r>
                 <a:rPr lang="en-US" sz="800" dirty="0"/>
-                <a:t>Salient space</a:t>
+                <a:t>ASD-specific feature space</a:t>
               </a:r>
             </a:p>
           </p:txBody>
@@ -7662,7 +14279,7 @@
     </p:spTree>
     <p:extLst>
       <p:ext uri="{BB962C8B-B14F-4D97-AF65-F5344CB8AC3E}">
-        <p14:creationId xmlns:p14="http://schemas.microsoft.com/office/powerpoint/2010/main" val="1211877368"/>
+        <p14:creationId xmlns:p14="http://schemas.microsoft.com/office/powerpoint/2010/main" val="2834433364"/>
       </p:ext>
     </p:extLst>
   </p:cSld>
@@ -7672,7 +14289,7 @@
 </p:sld>
 </file>
 
-<file path=ppt/slides/slide2.xml><?xml version="1.0" encoding="utf-8"?>
+<file path=ppt/slides/slide3.xml><?xml version="1.0" encoding="utf-8"?>
 <p:sld xmlns:a="http://schemas.openxmlformats.org/drawingml/2006/main" xmlns:r="http://schemas.openxmlformats.org/officeDocument/2006/relationships" xmlns:p="http://schemas.openxmlformats.org/presentationml/2006/main">
   <p:cSld>
     <p:spTree>
@@ -7702,7 +14319,7 @@
 </p:sld>
 </file>
 
-<file path=ppt/slides/slide3.xml><?xml version="1.0" encoding="utf-8"?>
+<file path=ppt/slides/slide4.xml><?xml version="1.0" encoding="utf-8"?>
 <p:sld xmlns:a="http://schemas.openxmlformats.org/drawingml/2006/main" xmlns:r="http://schemas.openxmlformats.org/officeDocument/2006/relationships" xmlns:p="http://schemas.openxmlformats.org/presentationml/2006/main">
   <p:cSld>
     <p:spTree>
@@ -12479,7 +19096,7 @@
 </p:sld>
 </file>
 
-<file path=ppt/slides/slide4.xml><?xml version="1.0" encoding="utf-8"?>
+<file path=ppt/slides/slide5.xml><?xml version="1.0" encoding="utf-8"?>
 <p:sld xmlns:a="http://schemas.openxmlformats.org/drawingml/2006/main" xmlns:r="http://schemas.openxmlformats.org/officeDocument/2006/relationships" xmlns:p="http://schemas.openxmlformats.org/presentationml/2006/main">
   <p:cSld>
     <p:spTree>
@@ -17319,7 +23936,7 @@
 </p:sld>
 </file>
 
-<file path=ppt/slides/slide5.xml><?xml version="1.0" encoding="utf-8"?>
+<file path=ppt/slides/slide6.xml><?xml version="1.0" encoding="utf-8"?>
 <p:sld xmlns:a="http://schemas.openxmlformats.org/drawingml/2006/main" xmlns:r="http://schemas.openxmlformats.org/officeDocument/2006/relationships" xmlns:p="http://schemas.openxmlformats.org/presentationml/2006/main">
   <p:cSld>
     <p:spTree>
